--- a/Documents for Progress/StatusReport_Eff_SignalOverBkg_AllMVA_allbtag_09_05_19.pptx
+++ b/Documents for Progress/StatusReport_Eff_SignalOverBkg_AllMVA_allbtag_09_05_19.pptx
@@ -5,7 +5,7 @@
     <p:sldMasterId id="2147483875" r:id="rId1"/>
   </p:sldMasterIdLst>
   <p:notesMasterIdLst>
-    <p:notesMasterId r:id="rId18"/>
+    <p:notesMasterId r:id="rId23"/>
   </p:notesMasterIdLst>
   <p:sldIdLst>
     <p:sldId id="256" r:id="rId2"/>
@@ -24,6 +24,11 @@
     <p:sldId id="281" r:id="rId15"/>
     <p:sldId id="282" r:id="rId16"/>
     <p:sldId id="294" r:id="rId17"/>
+    <p:sldId id="295" r:id="rId18"/>
+    <p:sldId id="296" r:id="rId19"/>
+    <p:sldId id="297" r:id="rId20"/>
+    <p:sldId id="298" r:id="rId21"/>
+    <p:sldId id="299" r:id="rId22"/>
   </p:sldIdLst>
   <p:sldSz cx="12192000" cy="6858000"/>
   <p:notesSz cx="6858000" cy="9144000"/>
@@ -789,9 +794,10 @@
           <a:lstStyle/>
           <a:p>
             <a:r>
-              <a:rPr lang="en-US"/>
-              <a:t>8/5/2019</a:t>
-            </a:r>
+              <a:rPr lang="en-US" smtClean="0"/>
+              <a:t>9/5/2019</a:t>
+            </a:r>
+            <a:endParaRPr lang="en-US"/>
           </a:p>
         </p:txBody>
       </p:sp>
@@ -1000,9 +1006,10 @@
           <a:lstStyle/>
           <a:p>
             <a:r>
-              <a:rPr lang="en-US"/>
-              <a:t>8/5/2019</a:t>
-            </a:r>
+              <a:rPr lang="en-US" smtClean="0"/>
+              <a:t>9/5/2019</a:t>
+            </a:r>
+            <a:endParaRPr lang="en-US"/>
           </a:p>
         </p:txBody>
       </p:sp>
@@ -1259,9 +1266,10 @@
           <a:lstStyle/>
           <a:p>
             <a:r>
-              <a:rPr lang="en-US"/>
-              <a:t>8/5/2019</a:t>
-            </a:r>
+              <a:rPr lang="en-US" smtClean="0"/>
+              <a:t>9/5/2019</a:t>
+            </a:r>
+            <a:endParaRPr lang="en-US"/>
           </a:p>
         </p:txBody>
       </p:sp>
@@ -1432,9 +1440,10 @@
           <a:lstStyle/>
           <a:p>
             <a:r>
-              <a:rPr lang="en-US"/>
-              <a:t>8/5/2019</a:t>
-            </a:r>
+              <a:rPr lang="en-US" smtClean="0"/>
+              <a:t>9/5/2019</a:t>
+            </a:r>
+            <a:endParaRPr lang="en-US"/>
           </a:p>
         </p:txBody>
       </p:sp>
@@ -1778,9 +1787,10 @@
           <a:lstStyle/>
           <a:p>
             <a:r>
-              <a:rPr lang="en-US"/>
-              <a:t>8/5/2019</a:t>
-            </a:r>
+              <a:rPr lang="en-US" smtClean="0"/>
+              <a:t>9/5/2019</a:t>
+            </a:r>
+            <a:endParaRPr lang="en-US"/>
           </a:p>
         </p:txBody>
       </p:sp>
@@ -2056,9 +2066,10 @@
           <a:lstStyle/>
           <a:p>
             <a:r>
-              <a:rPr lang="en-US"/>
-              <a:t>8/5/2019</a:t>
-            </a:r>
+              <a:rPr lang="en-US" smtClean="0"/>
+              <a:t>9/5/2019</a:t>
+            </a:r>
+            <a:endParaRPr lang="en-US"/>
           </a:p>
         </p:txBody>
       </p:sp>
@@ -2438,9 +2449,10 @@
           <a:lstStyle/>
           <a:p>
             <a:r>
-              <a:rPr lang="en-US"/>
-              <a:t>8/5/2019</a:t>
-            </a:r>
+              <a:rPr lang="en-US" smtClean="0"/>
+              <a:t>9/5/2019</a:t>
+            </a:r>
+            <a:endParaRPr lang="en-US"/>
           </a:p>
         </p:txBody>
       </p:sp>
@@ -2559,9 +2571,10 @@
           <a:lstStyle/>
           <a:p>
             <a:r>
-              <a:rPr lang="en-US"/>
-              <a:t>8/5/2019</a:t>
-            </a:r>
+              <a:rPr lang="en-US" smtClean="0"/>
+              <a:t>9/5/2019</a:t>
+            </a:r>
+            <a:endParaRPr lang="en-US"/>
           </a:p>
         </p:txBody>
       </p:sp>
@@ -2733,9 +2746,10 @@
           <a:lstStyle/>
           <a:p>
             <a:r>
-              <a:rPr lang="en-US"/>
-              <a:t>8/5/2019</a:t>
-            </a:r>
+              <a:rPr lang="en-US" smtClean="0"/>
+              <a:t>9/5/2019</a:t>
+            </a:r>
+            <a:endParaRPr lang="en-US"/>
           </a:p>
         </p:txBody>
       </p:sp>
@@ -3090,9 +3104,10 @@
           </a:lstStyle>
           <a:p>
             <a:r>
-              <a:rPr lang="en-US"/>
-              <a:t>8/5/2019</a:t>
-            </a:r>
+              <a:rPr lang="en-US" smtClean="0"/>
+              <a:t>9/5/2019</a:t>
+            </a:r>
+            <a:endParaRPr lang="en-US"/>
           </a:p>
         </p:txBody>
       </p:sp>
@@ -3470,9 +3485,10 @@
           <a:lstStyle/>
           <a:p>
             <a:r>
-              <a:rPr lang="en-US"/>
-              <a:t>8/5/2019</a:t>
-            </a:r>
+              <a:rPr lang="en-US" smtClean="0"/>
+              <a:t>9/5/2019</a:t>
+            </a:r>
+            <a:endParaRPr lang="en-US"/>
           </a:p>
         </p:txBody>
       </p:sp>
@@ -3760,9 +3776,10 @@
           </a:lstStyle>
           <a:p>
             <a:r>
-              <a:rPr lang="en-US"/>
-              <a:t>8/5/2019</a:t>
-            </a:r>
+              <a:rPr lang="en-US" smtClean="0"/>
+              <a:t>9/5/2019</a:t>
+            </a:r>
+            <a:endParaRPr lang="en-US"/>
           </a:p>
         </p:txBody>
       </p:sp>
@@ -4337,9 +4354,17 @@
               <a:rPr lang="en-US" sz="4200" dirty="0"/>
               <a:t> for several selection Categories</a:t>
             </a:r>
+            <a:r>
+              <a:rPr lang="en-US" sz="4500" dirty="0"/>
+              <a:t/>
+            </a:r>
             <a:br>
               <a:rPr lang="en-US" sz="4500" dirty="0"/>
             </a:br>
+            <a:r>
+              <a:rPr lang="en-US" sz="4500" dirty="0"/>
+              <a:t/>
+            </a:r>
             <a:br>
               <a:rPr lang="en-US" sz="4500" dirty="0"/>
             </a:br>
@@ -4516,9 +4541,10 @@
           <a:lstStyle/>
           <a:p>
             <a:r>
-              <a:rPr lang="en-US"/>
-              <a:t>8/5/2019</a:t>
-            </a:r>
+              <a:rPr lang="en-US" smtClean="0"/>
+              <a:t>9/5/2019</a:t>
+            </a:r>
+            <a:endParaRPr lang="en-US"/>
           </a:p>
         </p:txBody>
       </p:sp>
@@ -4770,8 +4796,8 @@
         </p:blipFill>
         <p:spPr>
           <a:xfrm>
-            <a:off x="3900714" y="0"/>
-            <a:ext cx="4390571" cy="6858000"/>
+            <a:off x="5785420" y="1481184"/>
+            <a:ext cx="6116115" cy="4397102"/>
           </a:xfrm>
           <a:prstGeom prst="rect">
             <a:avLst/>
@@ -4800,8 +4826,8 @@
         </p:blipFill>
         <p:spPr>
           <a:xfrm>
-            <a:off x="881333" y="-33090"/>
-            <a:ext cx="4390571" cy="6858000"/>
+            <a:off x="83663" y="1481184"/>
+            <a:ext cx="5953243" cy="4397102"/>
           </a:xfrm>
           <a:prstGeom prst="rect">
             <a:avLst/>
@@ -4854,9 +4880,10 @@
           <a:lstStyle/>
           <a:p>
             <a:r>
-              <a:rPr lang="en-US"/>
-              <a:t>8/5/2019</a:t>
-            </a:r>
+              <a:rPr lang="en-US" smtClean="0"/>
+              <a:t>9/5/2019</a:t>
+            </a:r>
+            <a:endParaRPr lang="en-US"/>
           </a:p>
         </p:txBody>
       </p:sp>
@@ -5138,8 +5165,8 @@
         </p:blipFill>
         <p:spPr>
           <a:xfrm>
-            <a:off x="3900714" y="0"/>
-            <a:ext cx="4390571" cy="6858000"/>
+            <a:off x="5930652" y="1557811"/>
+            <a:ext cx="6116115" cy="4371542"/>
           </a:xfrm>
           <a:prstGeom prst="rect">
             <a:avLst/>
@@ -5168,8 +5195,8 @@
         </p:blipFill>
         <p:spPr>
           <a:xfrm>
-            <a:off x="570754" y="-302849"/>
-            <a:ext cx="4390571" cy="6858000"/>
+            <a:off x="83664" y="1557810"/>
+            <a:ext cx="5992222" cy="4371543"/>
           </a:xfrm>
           <a:prstGeom prst="rect">
             <a:avLst/>
@@ -5222,9 +5249,10 @@
           <a:lstStyle/>
           <a:p>
             <a:r>
-              <a:rPr lang="en-US"/>
-              <a:t>8/5/2019</a:t>
-            </a:r>
+              <a:rPr lang="en-US" smtClean="0"/>
+              <a:t>9/5/2019</a:t>
+            </a:r>
+            <a:endParaRPr lang="en-US"/>
           </a:p>
         </p:txBody>
       </p:sp>
@@ -5476,8 +5504,8 @@
         </p:blipFill>
         <p:spPr>
           <a:xfrm>
-            <a:off x="5260943" y="472058"/>
-            <a:ext cx="4390571" cy="6858000"/>
+            <a:off x="5930652" y="1507522"/>
+            <a:ext cx="6116115" cy="4455360"/>
           </a:xfrm>
           <a:prstGeom prst="rect">
             <a:avLst/>
@@ -5506,8 +5534,8 @@
         </p:blipFill>
         <p:spPr>
           <a:xfrm>
-            <a:off x="1483118" y="-43543"/>
-            <a:ext cx="4390571" cy="6858000"/>
+            <a:off x="191043" y="1507521"/>
+            <a:ext cx="5739609" cy="4455361"/>
           </a:xfrm>
           <a:prstGeom prst="rect">
             <a:avLst/>
@@ -5560,9 +5588,10 @@
           <a:lstStyle/>
           <a:p>
             <a:r>
-              <a:rPr lang="en-US"/>
-              <a:t>8/5/2019</a:t>
-            </a:r>
+              <a:rPr lang="en-US" smtClean="0"/>
+              <a:t>9/5/2019</a:t>
+            </a:r>
+            <a:endParaRPr lang="en-US"/>
           </a:p>
         </p:txBody>
       </p:sp>
@@ -5814,8 +5843,8 @@
         </p:blipFill>
         <p:spPr>
           <a:xfrm>
-            <a:off x="4807607" y="302849"/>
-            <a:ext cx="4390571" cy="6858000"/>
+            <a:off x="6057322" y="1477482"/>
+            <a:ext cx="6116115" cy="4400804"/>
           </a:xfrm>
           <a:prstGeom prst="rect">
             <a:avLst/>
@@ -5844,8 +5873,8 @@
         </p:blipFill>
         <p:spPr>
           <a:xfrm>
-            <a:off x="1394849" y="148893"/>
-            <a:ext cx="4390571" cy="6858000"/>
+            <a:off x="83663" y="1384804"/>
+            <a:ext cx="5973659" cy="4493482"/>
           </a:xfrm>
           <a:prstGeom prst="rect">
             <a:avLst/>
@@ -5898,9 +5927,10 @@
           <a:lstStyle/>
           <a:p>
             <a:r>
-              <a:rPr lang="en-US"/>
-              <a:t>8/5/2019</a:t>
-            </a:r>
+              <a:rPr lang="en-US" smtClean="0"/>
+              <a:t>9/5/2019</a:t>
+            </a:r>
+            <a:endParaRPr lang="en-US"/>
           </a:p>
         </p:txBody>
       </p:sp>
@@ -6152,8 +6182,8 @@
         </p:blipFill>
         <p:spPr>
           <a:xfrm>
-            <a:off x="4807607" y="302849"/>
-            <a:ext cx="4390571" cy="6858000"/>
+            <a:off x="5930652" y="1361227"/>
+            <a:ext cx="6116115" cy="4601656"/>
           </a:xfrm>
           <a:prstGeom prst="rect">
             <a:avLst/>
@@ -6182,8 +6212,8 @@
         </p:blipFill>
         <p:spPr>
           <a:xfrm>
-            <a:off x="713365" y="-259306"/>
-            <a:ext cx="4390571" cy="6858000"/>
+            <a:off x="83663" y="1419763"/>
+            <a:ext cx="5846989" cy="4543120"/>
           </a:xfrm>
           <a:prstGeom prst="rect">
             <a:avLst/>
@@ -6236,9 +6266,10 @@
           <a:lstStyle/>
           <a:p>
             <a:r>
-              <a:rPr lang="en-US"/>
-              <a:t>8/5/2019</a:t>
-            </a:r>
+              <a:rPr lang="en-US" smtClean="0"/>
+              <a:t>9/5/2019</a:t>
+            </a:r>
+            <a:endParaRPr lang="en-US"/>
           </a:p>
         </p:txBody>
       </p:sp>
@@ -6520,8 +6551,8 @@
         </p:blipFill>
         <p:spPr>
           <a:xfrm>
-            <a:off x="3900714" y="0"/>
-            <a:ext cx="4390571" cy="6858000"/>
+            <a:off x="6307158" y="1515182"/>
+            <a:ext cx="5866279" cy="4447700"/>
           </a:xfrm>
           <a:prstGeom prst="rect">
             <a:avLst/>
@@ -6550,8 +6581,8 @@
         </p:blipFill>
         <p:spPr>
           <a:xfrm>
-            <a:off x="1375953" y="33090"/>
-            <a:ext cx="4390571" cy="6858000"/>
+            <a:off x="191043" y="1564129"/>
+            <a:ext cx="5883186" cy="4398753"/>
           </a:xfrm>
           <a:prstGeom prst="rect">
             <a:avLst/>
@@ -6610,9 +6641,10 @@
           <a:lstStyle/>
           <a:p>
             <a:r>
-              <a:rPr lang="en-US"/>
-              <a:t>8/5/2019</a:t>
-            </a:r>
+              <a:rPr lang="en-US" smtClean="0"/>
+              <a:t>9/5/2019</a:t>
+            </a:r>
+            <a:endParaRPr lang="en-US"/>
           </a:p>
         </p:txBody>
       </p:sp>
@@ -6706,10 +6738,729 @@
           </a:p>
         </p:txBody>
       </p:sp>
+      <p:sp>
+        <p:nvSpPr>
+          <p:cNvPr id="6" name="TextBox 5"/>
+          <p:cNvSpPr txBox="1"/>
+          <p:nvPr/>
+        </p:nvSpPr>
+        <p:spPr>
+          <a:xfrm>
+            <a:off x="429208" y="200932"/>
+            <a:ext cx="11206065" cy="369332"/>
+          </a:xfrm>
+          <a:prstGeom prst="rect">
+            <a:avLst/>
+          </a:prstGeom>
+          <a:noFill/>
+        </p:spPr>
+        <p:txBody>
+          <a:bodyPr wrap="square" rtlCol="0">
+            <a:spAutoFit/>
+          </a:bodyPr>
+          <a:lstStyle/>
+          <a:p>
+            <a:r>
+              <a:rPr lang="en-US" dirty="0" smtClean="0"/>
+              <a:t>Expected Yields vs </a:t>
+            </a:r>
+            <a:r>
+              <a:rPr lang="en-US" dirty="0" err="1" smtClean="0"/>
+              <a:t>JetMassSoftDrop</a:t>
+            </a:r>
+            <a:r>
+              <a:rPr lang="en-US" dirty="0" smtClean="0"/>
+              <a:t> (double fill)</a:t>
+            </a:r>
+            <a:endParaRPr lang="en-GB" dirty="0"/>
+          </a:p>
+        </p:txBody>
+      </p:sp>
+      <p:pic>
+        <p:nvPicPr>
+          <p:cNvPr id="7" name="Picture 6"/>
+          <p:cNvPicPr>
+            <a:picLocks noChangeAspect="1"/>
+          </p:cNvPicPr>
+          <p:nvPr/>
+        </p:nvPicPr>
+        <p:blipFill>
+          <a:blip r:embed="rId2">
+            <a:extLst>
+              <a:ext uri="{28A0092B-C50C-407E-A947-70E740481C1C}">
+                <a14:useLocalDpi xmlns:a14="http://schemas.microsoft.com/office/drawing/2010/main" val="0"/>
+              </a:ext>
+            </a:extLst>
+          </a:blip>
+          <a:stretch>
+            <a:fillRect/>
+          </a:stretch>
+        </p:blipFill>
+        <p:spPr>
+          <a:xfrm>
+            <a:off x="1819275" y="700087"/>
+            <a:ext cx="8553450" cy="5457825"/>
+          </a:xfrm>
+          <a:prstGeom prst="rect">
+            <a:avLst/>
+          </a:prstGeom>
+        </p:spPr>
+      </p:pic>
     </p:spTree>
     <p:extLst>
       <p:ext uri="{BB962C8B-B14F-4D97-AF65-F5344CB8AC3E}">
         <p14:creationId xmlns:p14="http://schemas.microsoft.com/office/powerpoint/2010/main" val="2835245837"/>
+      </p:ext>
+    </p:extLst>
+  </p:cSld>
+  <p:clrMapOvr>
+    <a:masterClrMapping/>
+  </p:clrMapOvr>
+</p:sld>
+</file>
+
+<file path=ppt/slides/slide17.xml><?xml version="1.0" encoding="utf-8"?>
+<p:sld xmlns:a="http://schemas.openxmlformats.org/drawingml/2006/main" xmlns:r="http://schemas.openxmlformats.org/officeDocument/2006/relationships" xmlns:p="http://schemas.openxmlformats.org/presentationml/2006/main">
+  <p:cSld>
+    <p:spTree>
+      <p:nvGrpSpPr>
+        <p:cNvPr id="1" name=""/>
+        <p:cNvGrpSpPr/>
+        <p:nvPr/>
+      </p:nvGrpSpPr>
+      <p:grpSpPr>
+        <a:xfrm>
+          <a:off x="0" y="0"/>
+          <a:ext cx="0" cy="0"/>
+          <a:chOff x="0" y="0"/>
+          <a:chExt cx="0" cy="0"/>
+        </a:xfrm>
+      </p:grpSpPr>
+      <p:sp>
+        <p:nvSpPr>
+          <p:cNvPr id="2" name="Date Placeholder 1">
+            <a:extLst>
+              <a:ext uri="{FF2B5EF4-FFF2-40B4-BE49-F238E27FC236}">
+                <a16:creationId xmlns:a16="http://schemas.microsoft.com/office/drawing/2014/main" id="{35B3737C-223A-4C4E-A537-DF6F6BC930A8}"/>
+              </a:ext>
+            </a:extLst>
+          </p:cNvPr>
+          <p:cNvSpPr>
+            <a:spLocks noGrp="1"/>
+          </p:cNvSpPr>
+          <p:nvPr>
+            <p:ph type="dt" sz="half" idx="10"/>
+          </p:nvPr>
+        </p:nvSpPr>
+        <p:spPr/>
+        <p:txBody>
+          <a:bodyPr/>
+          <a:lstStyle/>
+          <a:p>
+            <a:r>
+              <a:rPr lang="en-US" smtClean="0"/>
+              <a:t>9/5/2019</a:t>
+            </a:r>
+            <a:endParaRPr lang="en-US"/>
+          </a:p>
+        </p:txBody>
+      </p:sp>
+      <p:sp>
+        <p:nvSpPr>
+          <p:cNvPr id="3" name="Footer Placeholder 2">
+            <a:extLst>
+              <a:ext uri="{FF2B5EF4-FFF2-40B4-BE49-F238E27FC236}">
+                <a16:creationId xmlns:a16="http://schemas.microsoft.com/office/drawing/2014/main" id="{48B42933-F65E-4A47-966B-D57C2D1C6047}"/>
+              </a:ext>
+            </a:extLst>
+          </p:cNvPr>
+          <p:cNvSpPr>
+            <a:spLocks noGrp="1"/>
+          </p:cNvSpPr>
+          <p:nvPr>
+            <p:ph type="ftr" sz="quarter" idx="11"/>
+          </p:nvPr>
+        </p:nvSpPr>
+        <p:spPr/>
+        <p:txBody>
+          <a:bodyPr/>
+          <a:lstStyle/>
+          <a:p>
+            <a:r>
+              <a:rPr lang="fi-FI"/>
+              <a:t>NTUA I. Papakrivopoulos, G. Bakas</a:t>
+            </a:r>
+            <a:endParaRPr lang="en-US"/>
+          </a:p>
+        </p:txBody>
+      </p:sp>
+      <p:sp>
+        <p:nvSpPr>
+          <p:cNvPr id="4" name="Slide Number Placeholder 3">
+            <a:extLst>
+              <a:ext uri="{FF2B5EF4-FFF2-40B4-BE49-F238E27FC236}">
+                <a16:creationId xmlns:a16="http://schemas.microsoft.com/office/drawing/2014/main" id="{AA985858-F8FD-2D4D-930D-1C2187810613}"/>
+              </a:ext>
+            </a:extLst>
+          </p:cNvPr>
+          <p:cNvSpPr>
+            <a:spLocks noGrp="1"/>
+          </p:cNvSpPr>
+          <p:nvPr>
+            <p:ph type="sldNum" sz="quarter" idx="12"/>
+          </p:nvPr>
+        </p:nvSpPr>
+        <p:spPr/>
+        <p:txBody>
+          <a:bodyPr/>
+          <a:lstStyle/>
+          <a:p>
+            <a:fld id="{AEEFAC8D-0A19-DC49-9F7A-4BFCAD95B105}" type="slidenum">
+              <a:rPr lang="en-US" smtClean="0"/>
+              <a:t>17</a:t>
+            </a:fld>
+            <a:endParaRPr lang="en-US"/>
+          </a:p>
+        </p:txBody>
+      </p:sp>
+      <p:sp>
+        <p:nvSpPr>
+          <p:cNvPr id="5" name="TextBox 4">
+            <a:extLst>
+              <a:ext uri="{FF2B5EF4-FFF2-40B4-BE49-F238E27FC236}">
+                <a16:creationId xmlns:a16="http://schemas.microsoft.com/office/drawing/2014/main" id="{D235AA29-F185-574C-8859-4AEA9F229940}"/>
+              </a:ext>
+            </a:extLst>
+          </p:cNvPr>
+          <p:cNvSpPr txBox="1"/>
+          <p:nvPr/>
+        </p:nvSpPr>
+        <p:spPr>
+          <a:xfrm>
+            <a:off x="128450" y="200932"/>
+            <a:ext cx="11726091" cy="369332"/>
+          </a:xfrm>
+          <a:prstGeom prst="rect">
+            <a:avLst/>
+          </a:prstGeom>
+          <a:noFill/>
+        </p:spPr>
+        <p:txBody>
+          <a:bodyPr wrap="square" rtlCol="0">
+            <a:spAutoFit/>
+          </a:bodyPr>
+          <a:lstStyle/>
+          <a:p>
+            <a:endParaRPr lang="en-US" dirty="0"/>
+          </a:p>
+        </p:txBody>
+      </p:sp>
+      <p:sp>
+        <p:nvSpPr>
+          <p:cNvPr id="6" name="TextBox 5"/>
+          <p:cNvSpPr txBox="1"/>
+          <p:nvPr/>
+        </p:nvSpPr>
+        <p:spPr>
+          <a:xfrm>
+            <a:off x="429208" y="200932"/>
+            <a:ext cx="11206065" cy="369332"/>
+          </a:xfrm>
+          <a:prstGeom prst="rect">
+            <a:avLst/>
+          </a:prstGeom>
+          <a:noFill/>
+        </p:spPr>
+        <p:txBody>
+          <a:bodyPr wrap="square" rtlCol="0">
+            <a:spAutoFit/>
+          </a:bodyPr>
+          <a:lstStyle/>
+          <a:p>
+            <a:r>
+              <a:rPr lang="en-US" dirty="0" smtClean="0"/>
+              <a:t>Expected Yields vs </a:t>
+            </a:r>
+            <a:r>
+              <a:rPr lang="en-US" dirty="0" err="1" smtClean="0"/>
+              <a:t>JetMassSoftDrop</a:t>
+            </a:r>
+            <a:r>
+              <a:rPr lang="en-US" dirty="0" smtClean="0"/>
+              <a:t> (double fill)</a:t>
+            </a:r>
+            <a:endParaRPr lang="en-GB" dirty="0"/>
+          </a:p>
+        </p:txBody>
+      </p:sp>
+      <p:pic>
+        <p:nvPicPr>
+          <p:cNvPr id="8" name="Picture 7"/>
+          <p:cNvPicPr>
+            <a:picLocks noChangeAspect="1"/>
+          </p:cNvPicPr>
+          <p:nvPr/>
+        </p:nvPicPr>
+        <p:blipFill>
+          <a:blip r:embed="rId2">
+            <a:extLst>
+              <a:ext uri="{28A0092B-C50C-407E-A947-70E740481C1C}">
+                <a14:useLocalDpi xmlns:a14="http://schemas.microsoft.com/office/drawing/2010/main" val="0"/>
+              </a:ext>
+            </a:extLst>
+          </a:blip>
+          <a:stretch>
+            <a:fillRect/>
+          </a:stretch>
+        </p:blipFill>
+        <p:spPr>
+          <a:xfrm>
+            <a:off x="1819275" y="700087"/>
+            <a:ext cx="8553450" cy="5457825"/>
+          </a:xfrm>
+          <a:prstGeom prst="rect">
+            <a:avLst/>
+          </a:prstGeom>
+        </p:spPr>
+      </p:pic>
+    </p:spTree>
+    <p:extLst>
+      <p:ext uri="{BB962C8B-B14F-4D97-AF65-F5344CB8AC3E}">
+        <p14:creationId xmlns:p14="http://schemas.microsoft.com/office/powerpoint/2010/main" val="183640541"/>
+      </p:ext>
+    </p:extLst>
+  </p:cSld>
+  <p:clrMapOvr>
+    <a:masterClrMapping/>
+  </p:clrMapOvr>
+</p:sld>
+</file>
+
+<file path=ppt/slides/slide18.xml><?xml version="1.0" encoding="utf-8"?>
+<p:sld xmlns:a="http://schemas.openxmlformats.org/drawingml/2006/main" xmlns:r="http://schemas.openxmlformats.org/officeDocument/2006/relationships" xmlns:p="http://schemas.openxmlformats.org/presentationml/2006/main">
+  <p:cSld>
+    <p:spTree>
+      <p:nvGrpSpPr>
+        <p:cNvPr id="1" name=""/>
+        <p:cNvGrpSpPr/>
+        <p:nvPr/>
+      </p:nvGrpSpPr>
+      <p:grpSpPr>
+        <a:xfrm>
+          <a:off x="0" y="0"/>
+          <a:ext cx="0" cy="0"/>
+          <a:chOff x="0" y="0"/>
+          <a:chExt cx="0" cy="0"/>
+        </a:xfrm>
+      </p:grpSpPr>
+      <p:sp>
+        <p:nvSpPr>
+          <p:cNvPr id="2" name="Date Placeholder 1">
+            <a:extLst>
+              <a:ext uri="{FF2B5EF4-FFF2-40B4-BE49-F238E27FC236}">
+                <a16:creationId xmlns:a16="http://schemas.microsoft.com/office/drawing/2014/main" id="{35B3737C-223A-4C4E-A537-DF6F6BC930A8}"/>
+              </a:ext>
+            </a:extLst>
+          </p:cNvPr>
+          <p:cNvSpPr>
+            <a:spLocks noGrp="1"/>
+          </p:cNvSpPr>
+          <p:nvPr>
+            <p:ph type="dt" sz="half" idx="10"/>
+          </p:nvPr>
+        </p:nvSpPr>
+        <p:spPr/>
+        <p:txBody>
+          <a:bodyPr/>
+          <a:lstStyle/>
+          <a:p>
+            <a:r>
+              <a:rPr lang="en-US" smtClean="0"/>
+              <a:t>9/5/2019</a:t>
+            </a:r>
+            <a:endParaRPr lang="en-US"/>
+          </a:p>
+        </p:txBody>
+      </p:sp>
+      <p:sp>
+        <p:nvSpPr>
+          <p:cNvPr id="3" name="Footer Placeholder 2">
+            <a:extLst>
+              <a:ext uri="{FF2B5EF4-FFF2-40B4-BE49-F238E27FC236}">
+                <a16:creationId xmlns:a16="http://schemas.microsoft.com/office/drawing/2014/main" id="{48B42933-F65E-4A47-966B-D57C2D1C6047}"/>
+              </a:ext>
+            </a:extLst>
+          </p:cNvPr>
+          <p:cNvSpPr>
+            <a:spLocks noGrp="1"/>
+          </p:cNvSpPr>
+          <p:nvPr>
+            <p:ph type="ftr" sz="quarter" idx="11"/>
+          </p:nvPr>
+        </p:nvSpPr>
+        <p:spPr/>
+        <p:txBody>
+          <a:bodyPr/>
+          <a:lstStyle/>
+          <a:p>
+            <a:r>
+              <a:rPr lang="fi-FI"/>
+              <a:t>NTUA I. Papakrivopoulos, G. Bakas</a:t>
+            </a:r>
+            <a:endParaRPr lang="en-US"/>
+          </a:p>
+        </p:txBody>
+      </p:sp>
+      <p:sp>
+        <p:nvSpPr>
+          <p:cNvPr id="4" name="Slide Number Placeholder 3">
+            <a:extLst>
+              <a:ext uri="{FF2B5EF4-FFF2-40B4-BE49-F238E27FC236}">
+                <a16:creationId xmlns:a16="http://schemas.microsoft.com/office/drawing/2014/main" id="{AA985858-F8FD-2D4D-930D-1C2187810613}"/>
+              </a:ext>
+            </a:extLst>
+          </p:cNvPr>
+          <p:cNvSpPr>
+            <a:spLocks noGrp="1"/>
+          </p:cNvSpPr>
+          <p:nvPr>
+            <p:ph type="sldNum" sz="quarter" idx="12"/>
+          </p:nvPr>
+        </p:nvSpPr>
+        <p:spPr/>
+        <p:txBody>
+          <a:bodyPr/>
+          <a:lstStyle/>
+          <a:p>
+            <a:fld id="{AEEFAC8D-0A19-DC49-9F7A-4BFCAD95B105}" type="slidenum">
+              <a:rPr lang="en-US" smtClean="0"/>
+              <a:t>18</a:t>
+            </a:fld>
+            <a:endParaRPr lang="en-US"/>
+          </a:p>
+        </p:txBody>
+      </p:sp>
+      <p:sp>
+        <p:nvSpPr>
+          <p:cNvPr id="5" name="TextBox 4">
+            <a:extLst>
+              <a:ext uri="{FF2B5EF4-FFF2-40B4-BE49-F238E27FC236}">
+                <a16:creationId xmlns:a16="http://schemas.microsoft.com/office/drawing/2014/main" id="{D235AA29-F185-574C-8859-4AEA9F229940}"/>
+              </a:ext>
+            </a:extLst>
+          </p:cNvPr>
+          <p:cNvSpPr txBox="1"/>
+          <p:nvPr/>
+        </p:nvSpPr>
+        <p:spPr>
+          <a:xfrm>
+            <a:off x="128450" y="200932"/>
+            <a:ext cx="11726091" cy="369332"/>
+          </a:xfrm>
+          <a:prstGeom prst="rect">
+            <a:avLst/>
+          </a:prstGeom>
+          <a:noFill/>
+        </p:spPr>
+        <p:txBody>
+          <a:bodyPr wrap="square" rtlCol="0">
+            <a:spAutoFit/>
+          </a:bodyPr>
+          <a:lstStyle/>
+          <a:p>
+            <a:endParaRPr lang="en-US" dirty="0"/>
+          </a:p>
+        </p:txBody>
+      </p:sp>
+      <p:sp>
+        <p:nvSpPr>
+          <p:cNvPr id="6" name="TextBox 5"/>
+          <p:cNvSpPr txBox="1"/>
+          <p:nvPr/>
+        </p:nvSpPr>
+        <p:spPr>
+          <a:xfrm>
+            <a:off x="429208" y="200932"/>
+            <a:ext cx="11206065" cy="369332"/>
+          </a:xfrm>
+          <a:prstGeom prst="rect">
+            <a:avLst/>
+          </a:prstGeom>
+          <a:noFill/>
+        </p:spPr>
+        <p:txBody>
+          <a:bodyPr wrap="square" rtlCol="0">
+            <a:spAutoFit/>
+          </a:bodyPr>
+          <a:lstStyle/>
+          <a:p>
+            <a:r>
+              <a:rPr lang="en-US" dirty="0" smtClean="0"/>
+              <a:t>Expected Yields vs </a:t>
+            </a:r>
+            <a:r>
+              <a:rPr lang="en-US" dirty="0" err="1" smtClean="0"/>
+              <a:t>JetMassSoftDrop</a:t>
+            </a:r>
+            <a:r>
+              <a:rPr lang="en-US" dirty="0" smtClean="0"/>
+              <a:t> (double fill)</a:t>
+            </a:r>
+            <a:endParaRPr lang="en-GB" dirty="0"/>
+          </a:p>
+        </p:txBody>
+      </p:sp>
+      <p:pic>
+        <p:nvPicPr>
+          <p:cNvPr id="11" name="Picture 10"/>
+          <p:cNvPicPr>
+            <a:picLocks noChangeAspect="1"/>
+          </p:cNvPicPr>
+          <p:nvPr/>
+        </p:nvPicPr>
+        <p:blipFill>
+          <a:blip r:embed="rId2">
+            <a:extLst>
+              <a:ext uri="{28A0092B-C50C-407E-A947-70E740481C1C}">
+                <a14:useLocalDpi xmlns:a14="http://schemas.microsoft.com/office/drawing/2010/main" val="0"/>
+              </a:ext>
+            </a:extLst>
+          </a:blip>
+          <a:stretch>
+            <a:fillRect/>
+          </a:stretch>
+        </p:blipFill>
+        <p:spPr>
+          <a:xfrm>
+            <a:off x="1819275" y="700087"/>
+            <a:ext cx="8553450" cy="5457825"/>
+          </a:xfrm>
+          <a:prstGeom prst="rect">
+            <a:avLst/>
+          </a:prstGeom>
+        </p:spPr>
+      </p:pic>
+    </p:spTree>
+    <p:extLst>
+      <p:ext uri="{BB962C8B-B14F-4D97-AF65-F5344CB8AC3E}">
+        <p14:creationId xmlns:p14="http://schemas.microsoft.com/office/powerpoint/2010/main" val="4228699475"/>
+      </p:ext>
+    </p:extLst>
+  </p:cSld>
+  <p:clrMapOvr>
+    <a:masterClrMapping/>
+  </p:clrMapOvr>
+</p:sld>
+</file>
+
+<file path=ppt/slides/slide19.xml><?xml version="1.0" encoding="utf-8"?>
+<p:sld xmlns:a="http://schemas.openxmlformats.org/drawingml/2006/main" xmlns:r="http://schemas.openxmlformats.org/officeDocument/2006/relationships" xmlns:p="http://schemas.openxmlformats.org/presentationml/2006/main">
+  <p:cSld>
+    <p:spTree>
+      <p:nvGrpSpPr>
+        <p:cNvPr id="1" name=""/>
+        <p:cNvGrpSpPr/>
+        <p:nvPr/>
+      </p:nvGrpSpPr>
+      <p:grpSpPr>
+        <a:xfrm>
+          <a:off x="0" y="0"/>
+          <a:ext cx="0" cy="0"/>
+          <a:chOff x="0" y="0"/>
+          <a:chExt cx="0" cy="0"/>
+        </a:xfrm>
+      </p:grpSpPr>
+      <p:sp>
+        <p:nvSpPr>
+          <p:cNvPr id="2" name="Date Placeholder 1">
+            <a:extLst>
+              <a:ext uri="{FF2B5EF4-FFF2-40B4-BE49-F238E27FC236}">
+                <a16:creationId xmlns:a16="http://schemas.microsoft.com/office/drawing/2014/main" id="{35B3737C-223A-4C4E-A537-DF6F6BC930A8}"/>
+              </a:ext>
+            </a:extLst>
+          </p:cNvPr>
+          <p:cNvSpPr>
+            <a:spLocks noGrp="1"/>
+          </p:cNvSpPr>
+          <p:nvPr>
+            <p:ph type="dt" sz="half" idx="10"/>
+          </p:nvPr>
+        </p:nvSpPr>
+        <p:spPr/>
+        <p:txBody>
+          <a:bodyPr/>
+          <a:lstStyle/>
+          <a:p>
+            <a:r>
+              <a:rPr lang="en-US" smtClean="0"/>
+              <a:t>9/5/2019</a:t>
+            </a:r>
+            <a:endParaRPr lang="en-US"/>
+          </a:p>
+        </p:txBody>
+      </p:sp>
+      <p:sp>
+        <p:nvSpPr>
+          <p:cNvPr id="3" name="Footer Placeholder 2">
+            <a:extLst>
+              <a:ext uri="{FF2B5EF4-FFF2-40B4-BE49-F238E27FC236}">
+                <a16:creationId xmlns:a16="http://schemas.microsoft.com/office/drawing/2014/main" id="{48B42933-F65E-4A47-966B-D57C2D1C6047}"/>
+              </a:ext>
+            </a:extLst>
+          </p:cNvPr>
+          <p:cNvSpPr>
+            <a:spLocks noGrp="1"/>
+          </p:cNvSpPr>
+          <p:nvPr>
+            <p:ph type="ftr" sz="quarter" idx="11"/>
+          </p:nvPr>
+        </p:nvSpPr>
+        <p:spPr/>
+        <p:txBody>
+          <a:bodyPr/>
+          <a:lstStyle/>
+          <a:p>
+            <a:r>
+              <a:rPr lang="fi-FI"/>
+              <a:t>NTUA I. Papakrivopoulos, G. Bakas</a:t>
+            </a:r>
+            <a:endParaRPr lang="en-US"/>
+          </a:p>
+        </p:txBody>
+      </p:sp>
+      <p:sp>
+        <p:nvSpPr>
+          <p:cNvPr id="4" name="Slide Number Placeholder 3">
+            <a:extLst>
+              <a:ext uri="{FF2B5EF4-FFF2-40B4-BE49-F238E27FC236}">
+                <a16:creationId xmlns:a16="http://schemas.microsoft.com/office/drawing/2014/main" id="{AA985858-F8FD-2D4D-930D-1C2187810613}"/>
+              </a:ext>
+            </a:extLst>
+          </p:cNvPr>
+          <p:cNvSpPr>
+            <a:spLocks noGrp="1"/>
+          </p:cNvSpPr>
+          <p:nvPr>
+            <p:ph type="sldNum" sz="quarter" idx="12"/>
+          </p:nvPr>
+        </p:nvSpPr>
+        <p:spPr/>
+        <p:txBody>
+          <a:bodyPr/>
+          <a:lstStyle/>
+          <a:p>
+            <a:fld id="{AEEFAC8D-0A19-DC49-9F7A-4BFCAD95B105}" type="slidenum">
+              <a:rPr lang="en-US" smtClean="0"/>
+              <a:t>19</a:t>
+            </a:fld>
+            <a:endParaRPr lang="en-US"/>
+          </a:p>
+        </p:txBody>
+      </p:sp>
+      <p:sp>
+        <p:nvSpPr>
+          <p:cNvPr id="5" name="TextBox 4">
+            <a:extLst>
+              <a:ext uri="{FF2B5EF4-FFF2-40B4-BE49-F238E27FC236}">
+                <a16:creationId xmlns:a16="http://schemas.microsoft.com/office/drawing/2014/main" id="{D235AA29-F185-574C-8859-4AEA9F229940}"/>
+              </a:ext>
+            </a:extLst>
+          </p:cNvPr>
+          <p:cNvSpPr txBox="1"/>
+          <p:nvPr/>
+        </p:nvSpPr>
+        <p:spPr>
+          <a:xfrm>
+            <a:off x="128450" y="200932"/>
+            <a:ext cx="11726091" cy="369332"/>
+          </a:xfrm>
+          <a:prstGeom prst="rect">
+            <a:avLst/>
+          </a:prstGeom>
+          <a:noFill/>
+        </p:spPr>
+        <p:txBody>
+          <a:bodyPr wrap="square" rtlCol="0">
+            <a:spAutoFit/>
+          </a:bodyPr>
+          <a:lstStyle/>
+          <a:p>
+            <a:endParaRPr lang="en-US" dirty="0"/>
+          </a:p>
+        </p:txBody>
+      </p:sp>
+      <p:sp>
+        <p:nvSpPr>
+          <p:cNvPr id="6" name="TextBox 5"/>
+          <p:cNvSpPr txBox="1"/>
+          <p:nvPr/>
+        </p:nvSpPr>
+        <p:spPr>
+          <a:xfrm>
+            <a:off x="429208" y="200932"/>
+            <a:ext cx="11206065" cy="369332"/>
+          </a:xfrm>
+          <a:prstGeom prst="rect">
+            <a:avLst/>
+          </a:prstGeom>
+          <a:noFill/>
+        </p:spPr>
+        <p:txBody>
+          <a:bodyPr wrap="square" rtlCol="0">
+            <a:spAutoFit/>
+          </a:bodyPr>
+          <a:lstStyle/>
+          <a:p>
+            <a:r>
+              <a:rPr lang="en-US" dirty="0" smtClean="0"/>
+              <a:t>Expected Yields vs </a:t>
+            </a:r>
+            <a:r>
+              <a:rPr lang="en-US" dirty="0" err="1" smtClean="0"/>
+              <a:t>JetMassSoftDrop</a:t>
+            </a:r>
+            <a:r>
+              <a:rPr lang="en-US" dirty="0" smtClean="0"/>
+              <a:t> (double fill)</a:t>
+            </a:r>
+            <a:endParaRPr lang="en-GB" dirty="0"/>
+          </a:p>
+        </p:txBody>
+      </p:sp>
+      <p:pic>
+        <p:nvPicPr>
+          <p:cNvPr id="7" name="Picture 6"/>
+          <p:cNvPicPr>
+            <a:picLocks noChangeAspect="1"/>
+          </p:cNvPicPr>
+          <p:nvPr/>
+        </p:nvPicPr>
+        <p:blipFill>
+          <a:blip r:embed="rId2">
+            <a:extLst>
+              <a:ext uri="{28A0092B-C50C-407E-A947-70E740481C1C}">
+                <a14:useLocalDpi xmlns:a14="http://schemas.microsoft.com/office/drawing/2010/main" val="0"/>
+              </a:ext>
+            </a:extLst>
+          </a:blip>
+          <a:stretch>
+            <a:fillRect/>
+          </a:stretch>
+        </p:blipFill>
+        <p:spPr>
+          <a:xfrm>
+            <a:off x="1819275" y="700087"/>
+            <a:ext cx="8553450" cy="5457825"/>
+          </a:xfrm>
+          <a:prstGeom prst="rect">
+            <a:avLst/>
+          </a:prstGeom>
+        </p:spPr>
+      </p:pic>
+    </p:spTree>
+    <p:extLst>
+      <p:ext uri="{BB962C8B-B14F-4D97-AF65-F5344CB8AC3E}">
+        <p14:creationId xmlns:p14="http://schemas.microsoft.com/office/powerpoint/2010/main" val="1980805383"/>
       </p:ext>
     </p:extLst>
   </p:cSld>
@@ -6966,9 +7717,10 @@
           <a:lstStyle/>
           <a:p>
             <a:r>
-              <a:rPr lang="en-US"/>
-              <a:t>8/5/2019</a:t>
-            </a:r>
+              <a:rPr lang="en-US" smtClean="0"/>
+              <a:t>9/5/2019</a:t>
+            </a:r>
+            <a:endParaRPr lang="en-US"/>
           </a:p>
         </p:txBody>
       </p:sp>
@@ -7213,6 +7965,440 @@
     <p:extLst>
       <p:ext uri="{BB962C8B-B14F-4D97-AF65-F5344CB8AC3E}">
         <p14:creationId xmlns:p14="http://schemas.microsoft.com/office/powerpoint/2010/main" val="790558464"/>
+      </p:ext>
+    </p:extLst>
+  </p:cSld>
+  <p:clrMapOvr>
+    <a:masterClrMapping/>
+  </p:clrMapOvr>
+</p:sld>
+</file>
+
+<file path=ppt/slides/slide20.xml><?xml version="1.0" encoding="utf-8"?>
+<p:sld xmlns:a="http://schemas.openxmlformats.org/drawingml/2006/main" xmlns:r="http://schemas.openxmlformats.org/officeDocument/2006/relationships" xmlns:p="http://schemas.openxmlformats.org/presentationml/2006/main">
+  <p:cSld>
+    <p:spTree>
+      <p:nvGrpSpPr>
+        <p:cNvPr id="1" name=""/>
+        <p:cNvGrpSpPr/>
+        <p:nvPr/>
+      </p:nvGrpSpPr>
+      <p:grpSpPr>
+        <a:xfrm>
+          <a:off x="0" y="0"/>
+          <a:ext cx="0" cy="0"/>
+          <a:chOff x="0" y="0"/>
+          <a:chExt cx="0" cy="0"/>
+        </a:xfrm>
+      </p:grpSpPr>
+      <p:sp>
+        <p:nvSpPr>
+          <p:cNvPr id="2" name="Date Placeholder 1">
+            <a:extLst>
+              <a:ext uri="{FF2B5EF4-FFF2-40B4-BE49-F238E27FC236}">
+                <a16:creationId xmlns:a16="http://schemas.microsoft.com/office/drawing/2014/main" id="{35B3737C-223A-4C4E-A537-DF6F6BC930A8}"/>
+              </a:ext>
+            </a:extLst>
+          </p:cNvPr>
+          <p:cNvSpPr>
+            <a:spLocks noGrp="1"/>
+          </p:cNvSpPr>
+          <p:nvPr>
+            <p:ph type="dt" sz="half" idx="10"/>
+          </p:nvPr>
+        </p:nvSpPr>
+        <p:spPr/>
+        <p:txBody>
+          <a:bodyPr/>
+          <a:lstStyle/>
+          <a:p>
+            <a:r>
+              <a:rPr lang="en-US" smtClean="0"/>
+              <a:t>9/5/2019</a:t>
+            </a:r>
+            <a:endParaRPr lang="en-US"/>
+          </a:p>
+        </p:txBody>
+      </p:sp>
+      <p:sp>
+        <p:nvSpPr>
+          <p:cNvPr id="3" name="Footer Placeholder 2">
+            <a:extLst>
+              <a:ext uri="{FF2B5EF4-FFF2-40B4-BE49-F238E27FC236}">
+                <a16:creationId xmlns:a16="http://schemas.microsoft.com/office/drawing/2014/main" id="{48B42933-F65E-4A47-966B-D57C2D1C6047}"/>
+              </a:ext>
+            </a:extLst>
+          </p:cNvPr>
+          <p:cNvSpPr>
+            <a:spLocks noGrp="1"/>
+          </p:cNvSpPr>
+          <p:nvPr>
+            <p:ph type="ftr" sz="quarter" idx="11"/>
+          </p:nvPr>
+        </p:nvSpPr>
+        <p:spPr/>
+        <p:txBody>
+          <a:bodyPr/>
+          <a:lstStyle/>
+          <a:p>
+            <a:r>
+              <a:rPr lang="fi-FI"/>
+              <a:t>NTUA I. Papakrivopoulos, G. Bakas</a:t>
+            </a:r>
+            <a:endParaRPr lang="en-US"/>
+          </a:p>
+        </p:txBody>
+      </p:sp>
+      <p:sp>
+        <p:nvSpPr>
+          <p:cNvPr id="4" name="Slide Number Placeholder 3">
+            <a:extLst>
+              <a:ext uri="{FF2B5EF4-FFF2-40B4-BE49-F238E27FC236}">
+                <a16:creationId xmlns:a16="http://schemas.microsoft.com/office/drawing/2014/main" id="{AA985858-F8FD-2D4D-930D-1C2187810613}"/>
+              </a:ext>
+            </a:extLst>
+          </p:cNvPr>
+          <p:cNvSpPr>
+            <a:spLocks noGrp="1"/>
+          </p:cNvSpPr>
+          <p:nvPr>
+            <p:ph type="sldNum" sz="quarter" idx="12"/>
+          </p:nvPr>
+        </p:nvSpPr>
+        <p:spPr/>
+        <p:txBody>
+          <a:bodyPr/>
+          <a:lstStyle/>
+          <a:p>
+            <a:fld id="{AEEFAC8D-0A19-DC49-9F7A-4BFCAD95B105}" type="slidenum">
+              <a:rPr lang="en-US" smtClean="0"/>
+              <a:t>20</a:t>
+            </a:fld>
+            <a:endParaRPr lang="en-US"/>
+          </a:p>
+        </p:txBody>
+      </p:sp>
+      <p:sp>
+        <p:nvSpPr>
+          <p:cNvPr id="5" name="TextBox 4">
+            <a:extLst>
+              <a:ext uri="{FF2B5EF4-FFF2-40B4-BE49-F238E27FC236}">
+                <a16:creationId xmlns:a16="http://schemas.microsoft.com/office/drawing/2014/main" id="{D235AA29-F185-574C-8859-4AEA9F229940}"/>
+              </a:ext>
+            </a:extLst>
+          </p:cNvPr>
+          <p:cNvSpPr txBox="1"/>
+          <p:nvPr/>
+        </p:nvSpPr>
+        <p:spPr>
+          <a:xfrm>
+            <a:off x="128450" y="200932"/>
+            <a:ext cx="11726091" cy="369332"/>
+          </a:xfrm>
+          <a:prstGeom prst="rect">
+            <a:avLst/>
+          </a:prstGeom>
+          <a:noFill/>
+        </p:spPr>
+        <p:txBody>
+          <a:bodyPr wrap="square" rtlCol="0">
+            <a:spAutoFit/>
+          </a:bodyPr>
+          <a:lstStyle/>
+          <a:p>
+            <a:endParaRPr lang="en-US" dirty="0"/>
+          </a:p>
+        </p:txBody>
+      </p:sp>
+      <p:sp>
+        <p:nvSpPr>
+          <p:cNvPr id="6" name="TextBox 5"/>
+          <p:cNvSpPr txBox="1"/>
+          <p:nvPr/>
+        </p:nvSpPr>
+        <p:spPr>
+          <a:xfrm>
+            <a:off x="429208" y="200932"/>
+            <a:ext cx="11206065" cy="369332"/>
+          </a:xfrm>
+          <a:prstGeom prst="rect">
+            <a:avLst/>
+          </a:prstGeom>
+          <a:noFill/>
+        </p:spPr>
+        <p:txBody>
+          <a:bodyPr wrap="square" rtlCol="0">
+            <a:spAutoFit/>
+          </a:bodyPr>
+          <a:lstStyle/>
+          <a:p>
+            <a:r>
+              <a:rPr lang="en-US" dirty="0" smtClean="0"/>
+              <a:t>Expected Yields vs </a:t>
+            </a:r>
+            <a:r>
+              <a:rPr lang="en-US" dirty="0" err="1" smtClean="0"/>
+              <a:t>JetMassSoftDrop</a:t>
+            </a:r>
+            <a:r>
+              <a:rPr lang="en-US" dirty="0" smtClean="0"/>
+              <a:t> (double fill)</a:t>
+            </a:r>
+            <a:endParaRPr lang="en-GB" dirty="0"/>
+          </a:p>
+        </p:txBody>
+      </p:sp>
+      <p:pic>
+        <p:nvPicPr>
+          <p:cNvPr id="7" name="Picture 6"/>
+          <p:cNvPicPr>
+            <a:picLocks noChangeAspect="1"/>
+          </p:cNvPicPr>
+          <p:nvPr/>
+        </p:nvPicPr>
+        <p:blipFill>
+          <a:blip r:embed="rId2">
+            <a:extLst>
+              <a:ext uri="{28A0092B-C50C-407E-A947-70E740481C1C}">
+                <a14:useLocalDpi xmlns:a14="http://schemas.microsoft.com/office/drawing/2010/main" val="0"/>
+              </a:ext>
+            </a:extLst>
+          </a:blip>
+          <a:stretch>
+            <a:fillRect/>
+          </a:stretch>
+        </p:blipFill>
+        <p:spPr>
+          <a:xfrm>
+            <a:off x="1819275" y="700087"/>
+            <a:ext cx="8553450" cy="5457825"/>
+          </a:xfrm>
+          <a:prstGeom prst="rect">
+            <a:avLst/>
+          </a:prstGeom>
+        </p:spPr>
+      </p:pic>
+    </p:spTree>
+    <p:extLst>
+      <p:ext uri="{BB962C8B-B14F-4D97-AF65-F5344CB8AC3E}">
+        <p14:creationId xmlns:p14="http://schemas.microsoft.com/office/powerpoint/2010/main" val="1586662615"/>
+      </p:ext>
+    </p:extLst>
+  </p:cSld>
+  <p:clrMapOvr>
+    <a:masterClrMapping/>
+  </p:clrMapOvr>
+</p:sld>
+</file>
+
+<file path=ppt/slides/slide21.xml><?xml version="1.0" encoding="utf-8"?>
+<p:sld xmlns:a="http://schemas.openxmlformats.org/drawingml/2006/main" xmlns:r="http://schemas.openxmlformats.org/officeDocument/2006/relationships" xmlns:p="http://schemas.openxmlformats.org/presentationml/2006/main">
+  <p:cSld>
+    <p:spTree>
+      <p:nvGrpSpPr>
+        <p:cNvPr id="1" name=""/>
+        <p:cNvGrpSpPr/>
+        <p:nvPr/>
+      </p:nvGrpSpPr>
+      <p:grpSpPr>
+        <a:xfrm>
+          <a:off x="0" y="0"/>
+          <a:ext cx="0" cy="0"/>
+          <a:chOff x="0" y="0"/>
+          <a:chExt cx="0" cy="0"/>
+        </a:xfrm>
+      </p:grpSpPr>
+      <p:sp>
+        <p:nvSpPr>
+          <p:cNvPr id="2" name="Date Placeholder 1">
+            <a:extLst>
+              <a:ext uri="{FF2B5EF4-FFF2-40B4-BE49-F238E27FC236}">
+                <a16:creationId xmlns:a16="http://schemas.microsoft.com/office/drawing/2014/main" id="{35B3737C-223A-4C4E-A537-DF6F6BC930A8}"/>
+              </a:ext>
+            </a:extLst>
+          </p:cNvPr>
+          <p:cNvSpPr>
+            <a:spLocks noGrp="1"/>
+          </p:cNvSpPr>
+          <p:nvPr>
+            <p:ph type="dt" sz="half" idx="10"/>
+          </p:nvPr>
+        </p:nvSpPr>
+        <p:spPr/>
+        <p:txBody>
+          <a:bodyPr/>
+          <a:lstStyle/>
+          <a:p>
+            <a:r>
+              <a:rPr lang="en-US" smtClean="0"/>
+              <a:t>9/5/2019</a:t>
+            </a:r>
+            <a:endParaRPr lang="en-US"/>
+          </a:p>
+        </p:txBody>
+      </p:sp>
+      <p:sp>
+        <p:nvSpPr>
+          <p:cNvPr id="3" name="Footer Placeholder 2">
+            <a:extLst>
+              <a:ext uri="{FF2B5EF4-FFF2-40B4-BE49-F238E27FC236}">
+                <a16:creationId xmlns:a16="http://schemas.microsoft.com/office/drawing/2014/main" id="{48B42933-F65E-4A47-966B-D57C2D1C6047}"/>
+              </a:ext>
+            </a:extLst>
+          </p:cNvPr>
+          <p:cNvSpPr>
+            <a:spLocks noGrp="1"/>
+          </p:cNvSpPr>
+          <p:nvPr>
+            <p:ph type="ftr" sz="quarter" idx="11"/>
+          </p:nvPr>
+        </p:nvSpPr>
+        <p:spPr/>
+        <p:txBody>
+          <a:bodyPr/>
+          <a:lstStyle/>
+          <a:p>
+            <a:r>
+              <a:rPr lang="fi-FI"/>
+              <a:t>NTUA I. Papakrivopoulos, G. Bakas</a:t>
+            </a:r>
+            <a:endParaRPr lang="en-US"/>
+          </a:p>
+        </p:txBody>
+      </p:sp>
+      <p:sp>
+        <p:nvSpPr>
+          <p:cNvPr id="4" name="Slide Number Placeholder 3">
+            <a:extLst>
+              <a:ext uri="{FF2B5EF4-FFF2-40B4-BE49-F238E27FC236}">
+                <a16:creationId xmlns:a16="http://schemas.microsoft.com/office/drawing/2014/main" id="{AA985858-F8FD-2D4D-930D-1C2187810613}"/>
+              </a:ext>
+            </a:extLst>
+          </p:cNvPr>
+          <p:cNvSpPr>
+            <a:spLocks noGrp="1"/>
+          </p:cNvSpPr>
+          <p:nvPr>
+            <p:ph type="sldNum" sz="quarter" idx="12"/>
+          </p:nvPr>
+        </p:nvSpPr>
+        <p:spPr/>
+        <p:txBody>
+          <a:bodyPr/>
+          <a:lstStyle/>
+          <a:p>
+            <a:fld id="{AEEFAC8D-0A19-DC49-9F7A-4BFCAD95B105}" type="slidenum">
+              <a:rPr lang="en-US" smtClean="0"/>
+              <a:t>21</a:t>
+            </a:fld>
+            <a:endParaRPr lang="en-US"/>
+          </a:p>
+        </p:txBody>
+      </p:sp>
+      <p:sp>
+        <p:nvSpPr>
+          <p:cNvPr id="5" name="TextBox 4">
+            <a:extLst>
+              <a:ext uri="{FF2B5EF4-FFF2-40B4-BE49-F238E27FC236}">
+                <a16:creationId xmlns:a16="http://schemas.microsoft.com/office/drawing/2014/main" id="{D235AA29-F185-574C-8859-4AEA9F229940}"/>
+              </a:ext>
+            </a:extLst>
+          </p:cNvPr>
+          <p:cNvSpPr txBox="1"/>
+          <p:nvPr/>
+        </p:nvSpPr>
+        <p:spPr>
+          <a:xfrm>
+            <a:off x="128450" y="200932"/>
+            <a:ext cx="11726091" cy="369332"/>
+          </a:xfrm>
+          <a:prstGeom prst="rect">
+            <a:avLst/>
+          </a:prstGeom>
+          <a:noFill/>
+        </p:spPr>
+        <p:txBody>
+          <a:bodyPr wrap="square" rtlCol="0">
+            <a:spAutoFit/>
+          </a:bodyPr>
+          <a:lstStyle/>
+          <a:p>
+            <a:endParaRPr lang="en-US" dirty="0"/>
+          </a:p>
+        </p:txBody>
+      </p:sp>
+      <p:sp>
+        <p:nvSpPr>
+          <p:cNvPr id="6" name="TextBox 5"/>
+          <p:cNvSpPr txBox="1"/>
+          <p:nvPr/>
+        </p:nvSpPr>
+        <p:spPr>
+          <a:xfrm>
+            <a:off x="429208" y="200932"/>
+            <a:ext cx="11206065" cy="369332"/>
+          </a:xfrm>
+          <a:prstGeom prst="rect">
+            <a:avLst/>
+          </a:prstGeom>
+          <a:noFill/>
+        </p:spPr>
+        <p:txBody>
+          <a:bodyPr wrap="square" rtlCol="0">
+            <a:spAutoFit/>
+          </a:bodyPr>
+          <a:lstStyle/>
+          <a:p>
+            <a:r>
+              <a:rPr lang="en-US" dirty="0" smtClean="0"/>
+              <a:t>Expected Yields vs </a:t>
+            </a:r>
+            <a:r>
+              <a:rPr lang="en-US" dirty="0" err="1" smtClean="0"/>
+              <a:t>JetMassSoftDrop</a:t>
+            </a:r>
+            <a:r>
+              <a:rPr lang="en-US" dirty="0" smtClean="0"/>
+              <a:t> (double fill)</a:t>
+            </a:r>
+            <a:endParaRPr lang="en-GB" dirty="0"/>
+          </a:p>
+        </p:txBody>
+      </p:sp>
+      <p:pic>
+        <p:nvPicPr>
+          <p:cNvPr id="7" name="Picture 6"/>
+          <p:cNvPicPr>
+            <a:picLocks noChangeAspect="1"/>
+          </p:cNvPicPr>
+          <p:nvPr/>
+        </p:nvPicPr>
+        <p:blipFill>
+          <a:blip r:embed="rId2">
+            <a:extLst>
+              <a:ext uri="{28A0092B-C50C-407E-A947-70E740481C1C}">
+                <a14:useLocalDpi xmlns:a14="http://schemas.microsoft.com/office/drawing/2010/main" val="0"/>
+              </a:ext>
+            </a:extLst>
+          </a:blip>
+          <a:stretch>
+            <a:fillRect/>
+          </a:stretch>
+        </p:blipFill>
+        <p:spPr>
+          <a:xfrm>
+            <a:off x="1819275" y="700087"/>
+            <a:ext cx="8553450" cy="5457825"/>
+          </a:xfrm>
+          <a:prstGeom prst="rect">
+            <a:avLst/>
+          </a:prstGeom>
+        </p:spPr>
+      </p:pic>
+    </p:spTree>
+    <p:extLst>
+      <p:ext uri="{BB962C8B-B14F-4D97-AF65-F5344CB8AC3E}">
+        <p14:creationId xmlns:p14="http://schemas.microsoft.com/office/powerpoint/2010/main" val="406031391"/>
       </p:ext>
     </p:extLst>
   </p:cSld>
@@ -7283,9 +8469,10 @@
           <a:lstStyle/>
           <a:p>
             <a:r>
-              <a:rPr lang="en-US"/>
-              <a:t>8/5/2019</a:t>
-            </a:r>
+              <a:rPr lang="en-US" smtClean="0"/>
+              <a:t>9/5/2019</a:t>
+            </a:r>
+            <a:endParaRPr lang="en-US"/>
           </a:p>
         </p:txBody>
       </p:sp>
@@ -7441,9 +8628,10 @@
           <a:lstStyle/>
           <a:p>
             <a:r>
-              <a:rPr lang="en-US"/>
-              <a:t>8/5/2019</a:t>
-            </a:r>
+              <a:rPr lang="en-US" smtClean="0"/>
+              <a:t>9/5/2019</a:t>
+            </a:r>
+            <a:endParaRPr lang="en-US"/>
           </a:p>
         </p:txBody>
       </p:sp>
@@ -7661,8 +8849,8 @@
         </p:blipFill>
         <p:spPr>
           <a:xfrm>
-            <a:off x="795165" y="-302849"/>
-            <a:ext cx="4390571" cy="6858000"/>
+            <a:off x="191043" y="1280267"/>
+            <a:ext cx="6116115" cy="4467389"/>
           </a:xfrm>
           <a:prstGeom prst="rect">
             <a:avLst/>
@@ -7691,8 +8879,8 @@
         </p:blipFill>
         <p:spPr>
           <a:xfrm>
-            <a:off x="5154629" y="381000"/>
-            <a:ext cx="4390571" cy="6858000"/>
+            <a:off x="6057322" y="1361226"/>
+            <a:ext cx="6116115" cy="4386429"/>
           </a:xfrm>
           <a:prstGeom prst="rect">
             <a:avLst/>
@@ -7745,9 +8933,10 @@
           <a:lstStyle/>
           <a:p>
             <a:r>
-              <a:rPr lang="en-US"/>
-              <a:t>8/5/2019</a:t>
-            </a:r>
+              <a:rPr lang="en-US" smtClean="0"/>
+              <a:t>9/5/2019</a:t>
+            </a:r>
+            <a:endParaRPr lang="en-US"/>
           </a:p>
         </p:txBody>
       </p:sp>
@@ -7965,8 +9154,8 @@
         </p:blipFill>
         <p:spPr>
           <a:xfrm>
-            <a:off x="2117557" y="302849"/>
-            <a:ext cx="4390571" cy="6858000"/>
+            <a:off x="191043" y="1361227"/>
+            <a:ext cx="6116115" cy="4414422"/>
           </a:xfrm>
           <a:prstGeom prst="rect">
             <a:avLst/>
@@ -7995,8 +9184,8 @@
         </p:blipFill>
         <p:spPr>
           <a:xfrm>
-            <a:off x="6427165" y="860538"/>
-            <a:ext cx="4390571" cy="6858000"/>
+            <a:off x="5930652" y="1361226"/>
+            <a:ext cx="6116115" cy="4414423"/>
           </a:xfrm>
           <a:prstGeom prst="rect">
             <a:avLst/>
@@ -8049,9 +9238,10 @@
           <a:lstStyle/>
           <a:p>
             <a:r>
-              <a:rPr lang="en-US"/>
-              <a:t>8/5/2019</a:t>
-            </a:r>
+              <a:rPr lang="en-US" smtClean="0"/>
+              <a:t>9/5/2019</a:t>
+            </a:r>
+            <a:endParaRPr lang="en-US"/>
           </a:p>
         </p:txBody>
       </p:sp>
@@ -8269,8 +9459,8 @@
         </p:blipFill>
         <p:spPr>
           <a:xfrm>
-            <a:off x="2333415" y="896543"/>
-            <a:ext cx="4390571" cy="6858000"/>
+            <a:off x="45810" y="1374420"/>
+            <a:ext cx="6116115" cy="4503866"/>
           </a:xfrm>
           <a:prstGeom prst="rect">
             <a:avLst/>
@@ -8299,8 +9489,8 @@
         </p:blipFill>
         <p:spPr>
           <a:xfrm>
-            <a:off x="5496929" y="768906"/>
-            <a:ext cx="4390571" cy="6858000"/>
+            <a:off x="6046708" y="1374420"/>
+            <a:ext cx="6116115" cy="4503866"/>
           </a:xfrm>
           <a:prstGeom prst="rect">
             <a:avLst/>
@@ -8353,9 +9543,10 @@
           <a:lstStyle/>
           <a:p>
             <a:r>
-              <a:rPr lang="en-US"/>
-              <a:t>8/5/2019</a:t>
-            </a:r>
+              <a:rPr lang="en-US" smtClean="0"/>
+              <a:t>9/5/2019</a:t>
+            </a:r>
+            <a:endParaRPr lang="en-US"/>
           </a:p>
         </p:txBody>
       </p:sp>
@@ -8603,8 +9794,8 @@
         </p:blipFill>
         <p:spPr>
           <a:xfrm>
-            <a:off x="4405561" y="922794"/>
-            <a:ext cx="4390571" cy="6858000"/>
+            <a:off x="6057322" y="1377772"/>
+            <a:ext cx="6116115" cy="4444530"/>
           </a:xfrm>
           <a:prstGeom prst="rect">
             <a:avLst/>
@@ -8633,8 +9824,8 @@
         </p:blipFill>
         <p:spPr>
           <a:xfrm>
-            <a:off x="1009694" y="795224"/>
-            <a:ext cx="4390571" cy="6858000"/>
+            <a:off x="0" y="1377772"/>
+            <a:ext cx="6116115" cy="4444530"/>
           </a:xfrm>
           <a:prstGeom prst="rect">
             <a:avLst/>
@@ -8687,9 +9878,10 @@
           <a:lstStyle/>
           <a:p>
             <a:r>
-              <a:rPr lang="en-US"/>
-              <a:t>8/5/2019</a:t>
-            </a:r>
+              <a:rPr lang="en-US" smtClean="0"/>
+              <a:t>9/5/2019</a:t>
+            </a:r>
+            <a:endParaRPr lang="en-US"/>
           </a:p>
         </p:txBody>
       </p:sp>
@@ -8922,8 +10114,8 @@
         </p:blipFill>
         <p:spPr>
           <a:xfrm>
-            <a:off x="6369442" y="949179"/>
-            <a:ext cx="4390571" cy="6858000"/>
+            <a:off x="6069144" y="1215182"/>
+            <a:ext cx="6116115" cy="4593746"/>
           </a:xfrm>
           <a:prstGeom prst="rect">
             <a:avLst/>
@@ -8952,8 +10144,8 @@
         </p:blipFill>
         <p:spPr>
           <a:xfrm>
-            <a:off x="1947729" y="633890"/>
-            <a:ext cx="4390571" cy="6858000"/>
+            <a:off x="83663" y="1215182"/>
+            <a:ext cx="5985481" cy="4593746"/>
           </a:xfrm>
           <a:prstGeom prst="rect">
             <a:avLst/>
@@ -9006,9 +10198,10 @@
           <a:lstStyle/>
           <a:p>
             <a:r>
-              <a:rPr lang="en-US"/>
-              <a:t>8/5/2019</a:t>
-            </a:r>
+              <a:rPr lang="en-US" smtClean="0"/>
+              <a:t>9/5/2019</a:t>
+            </a:r>
+            <a:endParaRPr lang="en-US"/>
           </a:p>
         </p:txBody>
       </p:sp>
@@ -9226,8 +10419,8 @@
         </p:blipFill>
         <p:spPr>
           <a:xfrm>
-            <a:off x="2894248" y="-215653"/>
-            <a:ext cx="4390571" cy="6858000"/>
+            <a:off x="83663" y="1230704"/>
+            <a:ext cx="6116115" cy="4470299"/>
           </a:xfrm>
           <a:prstGeom prst="rect">
             <a:avLst/>
@@ -9256,8 +10449,8 @@
         </p:blipFill>
         <p:spPr>
           <a:xfrm>
-            <a:off x="5454257" y="0"/>
-            <a:ext cx="4390571" cy="6858000"/>
+            <a:off x="5930652" y="1230703"/>
+            <a:ext cx="6116115" cy="4470299"/>
           </a:xfrm>
           <a:prstGeom prst="rect">
             <a:avLst/>

--- a/Documents for Progress/StatusReport_Eff_SignalOverBkg_AllMVA_allbtag_09_05_19.pptx
+++ b/Documents for Progress/StatusReport_Eff_SignalOverBkg_AllMVA_allbtag_09_05_19.pptx
@@ -825,10 +825,9 @@
           <a:lstStyle/>
           <a:p>
             <a:r>
-              <a:rPr lang="en-US" smtClean="0"/>
+              <a:rPr lang="en-US"/>
               <a:t>9/5/2019</a:t>
             </a:r>
-            <a:endParaRPr lang="en-US"/>
           </a:p>
         </p:txBody>
       </p:sp>
@@ -1037,10 +1036,9 @@
           <a:lstStyle/>
           <a:p>
             <a:r>
-              <a:rPr lang="en-US" smtClean="0"/>
+              <a:rPr lang="en-US"/>
               <a:t>9/5/2019</a:t>
             </a:r>
-            <a:endParaRPr lang="en-US"/>
           </a:p>
         </p:txBody>
       </p:sp>
@@ -1297,10 +1295,9 @@
           <a:lstStyle/>
           <a:p>
             <a:r>
-              <a:rPr lang="en-US" smtClean="0"/>
+              <a:rPr lang="en-US"/>
               <a:t>9/5/2019</a:t>
             </a:r>
-            <a:endParaRPr lang="en-US"/>
           </a:p>
         </p:txBody>
       </p:sp>
@@ -1471,10 +1468,9 @@
           <a:lstStyle/>
           <a:p>
             <a:r>
-              <a:rPr lang="en-US" smtClean="0"/>
+              <a:rPr lang="en-US"/>
               <a:t>9/5/2019</a:t>
             </a:r>
-            <a:endParaRPr lang="en-US"/>
           </a:p>
         </p:txBody>
       </p:sp>
@@ -1818,10 +1814,9 @@
           <a:lstStyle/>
           <a:p>
             <a:r>
-              <a:rPr lang="en-US" smtClean="0"/>
+              <a:rPr lang="en-US"/>
               <a:t>9/5/2019</a:t>
             </a:r>
-            <a:endParaRPr lang="en-US"/>
           </a:p>
         </p:txBody>
       </p:sp>
@@ -2097,10 +2092,9 @@
           <a:lstStyle/>
           <a:p>
             <a:r>
-              <a:rPr lang="en-US" smtClean="0"/>
+              <a:rPr lang="en-US"/>
               <a:t>9/5/2019</a:t>
             </a:r>
-            <a:endParaRPr lang="en-US"/>
           </a:p>
         </p:txBody>
       </p:sp>
@@ -2480,10 +2474,9 @@
           <a:lstStyle/>
           <a:p>
             <a:r>
-              <a:rPr lang="en-US" smtClean="0"/>
+              <a:rPr lang="en-US"/>
               <a:t>9/5/2019</a:t>
             </a:r>
-            <a:endParaRPr lang="en-US"/>
           </a:p>
         </p:txBody>
       </p:sp>
@@ -2602,10 +2595,9 @@
           <a:lstStyle/>
           <a:p>
             <a:r>
-              <a:rPr lang="en-US" smtClean="0"/>
+              <a:rPr lang="en-US"/>
               <a:t>9/5/2019</a:t>
             </a:r>
-            <a:endParaRPr lang="en-US"/>
           </a:p>
         </p:txBody>
       </p:sp>
@@ -2777,10 +2769,9 @@
           <a:lstStyle/>
           <a:p>
             <a:r>
-              <a:rPr lang="en-US" smtClean="0"/>
+              <a:rPr lang="en-US"/>
               <a:t>9/5/2019</a:t>
             </a:r>
-            <a:endParaRPr lang="en-US"/>
           </a:p>
         </p:txBody>
       </p:sp>
@@ -3135,10 +3126,9 @@
           </a:lstStyle>
           <a:p>
             <a:r>
-              <a:rPr lang="en-US" smtClean="0"/>
+              <a:rPr lang="en-US"/>
               <a:t>9/5/2019</a:t>
             </a:r>
-            <a:endParaRPr lang="en-US"/>
           </a:p>
         </p:txBody>
       </p:sp>
@@ -3516,10 +3506,9 @@
           <a:lstStyle/>
           <a:p>
             <a:r>
-              <a:rPr lang="en-US" smtClean="0"/>
+              <a:rPr lang="en-US"/>
               <a:t>9/5/2019</a:t>
             </a:r>
-            <a:endParaRPr lang="en-US"/>
           </a:p>
         </p:txBody>
       </p:sp>
@@ -3807,10 +3796,9 @@
           </a:lstStyle>
           <a:p>
             <a:r>
-              <a:rPr lang="en-US" smtClean="0"/>
+              <a:rPr lang="en-US"/>
               <a:t>9/5/2019</a:t>
             </a:r>
-            <a:endParaRPr lang="en-US"/>
           </a:p>
         </p:txBody>
       </p:sp>
@@ -4385,17 +4373,9 @@
               <a:rPr lang="en-US" sz="4200" dirty="0"/>
               <a:t> for several selection Categories</a:t>
             </a:r>
-            <a:r>
-              <a:rPr lang="en-US" sz="4500" dirty="0"/>
-              <a:t/>
-            </a:r>
             <a:br>
               <a:rPr lang="en-US" sz="4500" dirty="0"/>
             </a:br>
-            <a:r>
-              <a:rPr lang="en-US" sz="4500" dirty="0"/>
-              <a:t/>
-            </a:r>
             <a:br>
               <a:rPr lang="en-US" sz="4500" dirty="0"/>
             </a:br>
@@ -4572,10 +4552,9 @@
           <a:lstStyle/>
           <a:p>
             <a:r>
-              <a:rPr lang="en-US" smtClean="0"/>
+              <a:rPr lang="en-US"/>
               <a:t>9/5/2019</a:t>
             </a:r>
-            <a:endParaRPr lang="en-US"/>
           </a:p>
         </p:txBody>
       </p:sp>
@@ -4676,13 +4655,8 @@
             </a:r>
             <a:r>
               <a:rPr lang="en-GB" dirty="0"/>
-              <a:t>: </a:t>
-            </a:r>
-            <a:r>
-              <a:rPr lang="en-GB" dirty="0" smtClean="0"/>
-              <a:t>0.6 </a:t>
-            </a:r>
-            <a:endParaRPr lang="en-GB" dirty="0"/>
+              <a:t>: 0.6 </a:t>
+            </a:r>
           </a:p>
           <a:p>
             <a:r>
@@ -4882,10 +4856,9 @@
           <a:lstStyle/>
           <a:p>
             <a:r>
-              <a:rPr lang="en-US" smtClean="0"/>
+              <a:rPr lang="en-US"/>
               <a:t>9/5/2019</a:t>
             </a:r>
-            <a:endParaRPr lang="en-US"/>
           </a:p>
         </p:txBody>
       </p:sp>
@@ -5187,10 +5160,9 @@
           <a:lstStyle/>
           <a:p>
             <a:r>
-              <a:rPr lang="en-US" smtClean="0"/>
+              <a:rPr lang="en-US"/>
               <a:t>9/5/2019</a:t>
             </a:r>
-            <a:endParaRPr lang="en-US"/>
           </a:p>
         </p:txBody>
       </p:sp>
@@ -5492,10 +5464,9 @@
           <a:lstStyle/>
           <a:p>
             <a:r>
-              <a:rPr lang="en-US" smtClean="0"/>
+              <a:rPr lang="en-US"/>
               <a:t>9/5/2019</a:t>
             </a:r>
-            <a:endParaRPr lang="en-US"/>
           </a:p>
         </p:txBody>
       </p:sp>
@@ -5596,13 +5567,8 @@
             </a:r>
             <a:r>
               <a:rPr lang="en-GB" dirty="0"/>
-              <a:t>: </a:t>
-            </a:r>
-            <a:r>
-              <a:rPr lang="en-GB" dirty="0" smtClean="0"/>
-              <a:t>0.0 </a:t>
-            </a:r>
-            <a:endParaRPr lang="en-GB" dirty="0"/>
+              <a:t>: 0.0 </a:t>
+            </a:r>
           </a:p>
           <a:p>
             <a:r>
@@ -5696,6 +5662,66 @@
           </a:p>
         </p:txBody>
       </p:sp>
+      <p:pic>
+        <p:nvPicPr>
+          <p:cNvPr id="6" name="Picture 5">
+            <a:extLst>
+              <a:ext uri="{FF2B5EF4-FFF2-40B4-BE49-F238E27FC236}">
+                <a16:creationId xmlns:a16="http://schemas.microsoft.com/office/drawing/2014/main" id="{500C32B0-487C-B949-A06A-BDC2F4C6A4F1}"/>
+              </a:ext>
+            </a:extLst>
+          </p:cNvPr>
+          <p:cNvPicPr>
+            <a:picLocks noChangeAspect="1"/>
+          </p:cNvPicPr>
+          <p:nvPr/>
+        </p:nvPicPr>
+        <p:blipFill>
+          <a:blip r:embed="rId2"/>
+          <a:stretch>
+            <a:fillRect/>
+          </a:stretch>
+        </p:blipFill>
+        <p:spPr>
+          <a:xfrm>
+            <a:off x="914630" y="-33090"/>
+            <a:ext cx="4378476" cy="6858000"/>
+          </a:xfrm>
+          <a:prstGeom prst="rect">
+            <a:avLst/>
+          </a:prstGeom>
+        </p:spPr>
+      </p:pic>
+      <p:pic>
+        <p:nvPicPr>
+          <p:cNvPr id="12" name="Picture 11">
+            <a:extLst>
+              <a:ext uri="{FF2B5EF4-FFF2-40B4-BE49-F238E27FC236}">
+                <a16:creationId xmlns:a16="http://schemas.microsoft.com/office/drawing/2014/main" id="{51BAF088-393C-0B4C-9FB5-FD61B89A4956}"/>
+              </a:ext>
+            </a:extLst>
+          </p:cNvPr>
+          <p:cNvPicPr>
+            <a:picLocks noChangeAspect="1"/>
+          </p:cNvPicPr>
+          <p:nvPr/>
+        </p:nvPicPr>
+        <p:blipFill>
+          <a:blip r:embed="rId3"/>
+          <a:stretch>
+            <a:fillRect/>
+          </a:stretch>
+        </p:blipFill>
+        <p:spPr>
+          <a:xfrm>
+            <a:off x="3906762" y="0"/>
+            <a:ext cx="4378476" cy="6858000"/>
+          </a:xfrm>
+          <a:prstGeom prst="rect">
+            <a:avLst/>
+          </a:prstGeom>
+        </p:spPr>
+      </p:pic>
     </p:spTree>
     <p:extLst>
       <p:ext uri="{BB962C8B-B14F-4D97-AF65-F5344CB8AC3E}">
@@ -5742,10 +5768,9 @@
           <a:lstStyle/>
           <a:p>
             <a:r>
-              <a:rPr lang="en-US" smtClean="0"/>
+              <a:rPr lang="en-US"/>
               <a:t>9/5/2019</a:t>
             </a:r>
-            <a:endParaRPr lang="en-US"/>
           </a:p>
         </p:txBody>
       </p:sp>
@@ -5846,13 +5871,8 @@
             </a:r>
             <a:r>
               <a:rPr lang="en-GB" dirty="0"/>
-              <a:t>: </a:t>
-            </a:r>
-            <a:r>
-              <a:rPr lang="en-GB" dirty="0" smtClean="0"/>
-              <a:t>0.1</a:t>
-            </a:r>
-            <a:endParaRPr lang="en-GB" dirty="0"/>
+              <a:t>: 0.1</a:t>
+            </a:r>
           </a:p>
           <a:p>
             <a:r>
@@ -5946,6 +5966,66 @@
           </a:p>
         </p:txBody>
       </p:sp>
+      <p:pic>
+        <p:nvPicPr>
+          <p:cNvPr id="6" name="Picture 5">
+            <a:extLst>
+              <a:ext uri="{FF2B5EF4-FFF2-40B4-BE49-F238E27FC236}">
+                <a16:creationId xmlns:a16="http://schemas.microsoft.com/office/drawing/2014/main" id="{8276FC04-6F35-A24D-99BF-3FA478D0B7A2}"/>
+              </a:ext>
+            </a:extLst>
+          </p:cNvPr>
+          <p:cNvPicPr>
+            <a:picLocks noChangeAspect="1"/>
+          </p:cNvPicPr>
+          <p:nvPr/>
+        </p:nvPicPr>
+        <p:blipFill>
+          <a:blip r:embed="rId2"/>
+          <a:stretch>
+            <a:fillRect/>
+          </a:stretch>
+        </p:blipFill>
+        <p:spPr>
+          <a:xfrm>
+            <a:off x="1911329" y="0"/>
+            <a:ext cx="4378476" cy="6858000"/>
+          </a:xfrm>
+          <a:prstGeom prst="rect">
+            <a:avLst/>
+          </a:prstGeom>
+        </p:spPr>
+      </p:pic>
+      <p:pic>
+        <p:nvPicPr>
+          <p:cNvPr id="12" name="Picture 11">
+            <a:extLst>
+              <a:ext uri="{FF2B5EF4-FFF2-40B4-BE49-F238E27FC236}">
+                <a16:creationId xmlns:a16="http://schemas.microsoft.com/office/drawing/2014/main" id="{FDCA24FC-D6BD-254A-B87A-2003F25ABF8E}"/>
+              </a:ext>
+            </a:extLst>
+          </p:cNvPr>
+          <p:cNvPicPr>
+            <a:picLocks noChangeAspect="1"/>
+          </p:cNvPicPr>
+          <p:nvPr/>
+        </p:nvPicPr>
+        <p:blipFill>
+          <a:blip r:embed="rId3"/>
+          <a:stretch>
+            <a:fillRect/>
+          </a:stretch>
+        </p:blipFill>
+        <p:spPr>
+          <a:xfrm>
+            <a:off x="3906762" y="0"/>
+            <a:ext cx="4378476" cy="6858000"/>
+          </a:xfrm>
+          <a:prstGeom prst="rect">
+            <a:avLst/>
+          </a:prstGeom>
+        </p:spPr>
+      </p:pic>
     </p:spTree>
     <p:extLst>
       <p:ext uri="{BB962C8B-B14F-4D97-AF65-F5344CB8AC3E}">
@@ -5992,10 +6072,9 @@
           <a:lstStyle/>
           <a:p>
             <a:r>
-              <a:rPr lang="en-US" smtClean="0"/>
+              <a:rPr lang="en-US"/>
               <a:t>9/5/2019</a:t>
             </a:r>
-            <a:endParaRPr lang="en-US"/>
           </a:p>
         </p:txBody>
       </p:sp>
@@ -6096,13 +6175,8 @@
             </a:r>
             <a:r>
               <a:rPr lang="en-GB" dirty="0"/>
-              <a:t>: </a:t>
-            </a:r>
-            <a:r>
-              <a:rPr lang="en-GB" dirty="0" smtClean="0"/>
-              <a:t>0.2 </a:t>
-            </a:r>
-            <a:endParaRPr lang="en-GB" dirty="0"/>
+              <a:t>: 0.2 </a:t>
+            </a:r>
           </a:p>
           <a:p>
             <a:r>
@@ -6196,6 +6270,66 @@
           </a:p>
         </p:txBody>
       </p:sp>
+      <p:pic>
+        <p:nvPicPr>
+          <p:cNvPr id="6" name="Picture 5">
+            <a:extLst>
+              <a:ext uri="{FF2B5EF4-FFF2-40B4-BE49-F238E27FC236}">
+                <a16:creationId xmlns:a16="http://schemas.microsoft.com/office/drawing/2014/main" id="{375C6DD5-AD84-0948-B2C9-926B1997B6EC}"/>
+              </a:ext>
+            </a:extLst>
+          </p:cNvPr>
+          <p:cNvPicPr>
+            <a:picLocks noChangeAspect="1"/>
+          </p:cNvPicPr>
+          <p:nvPr/>
+        </p:nvPicPr>
+        <p:blipFill>
+          <a:blip r:embed="rId2"/>
+          <a:stretch>
+            <a:fillRect/>
+          </a:stretch>
+        </p:blipFill>
+        <p:spPr>
+          <a:xfrm>
+            <a:off x="1911329" y="-302849"/>
+            <a:ext cx="4378476" cy="6858000"/>
+          </a:xfrm>
+          <a:prstGeom prst="rect">
+            <a:avLst/>
+          </a:prstGeom>
+        </p:spPr>
+      </p:pic>
+      <p:pic>
+        <p:nvPicPr>
+          <p:cNvPr id="12" name="Picture 11">
+            <a:extLst>
+              <a:ext uri="{FF2B5EF4-FFF2-40B4-BE49-F238E27FC236}">
+                <a16:creationId xmlns:a16="http://schemas.microsoft.com/office/drawing/2014/main" id="{A3F50376-2F22-D942-B0C0-4D1649C8209F}"/>
+              </a:ext>
+            </a:extLst>
+          </p:cNvPr>
+          <p:cNvPicPr>
+            <a:picLocks noChangeAspect="1"/>
+          </p:cNvPicPr>
+          <p:nvPr/>
+        </p:nvPicPr>
+        <p:blipFill>
+          <a:blip r:embed="rId3"/>
+          <a:stretch>
+            <a:fillRect/>
+          </a:stretch>
+        </p:blipFill>
+        <p:spPr>
+          <a:xfrm>
+            <a:off x="3906762" y="0"/>
+            <a:ext cx="4378476" cy="6858000"/>
+          </a:xfrm>
+          <a:prstGeom prst="rect">
+            <a:avLst/>
+          </a:prstGeom>
+        </p:spPr>
+      </p:pic>
     </p:spTree>
     <p:extLst>
       <p:ext uri="{BB962C8B-B14F-4D97-AF65-F5344CB8AC3E}">
@@ -6242,10 +6376,9 @@
           <a:lstStyle/>
           <a:p>
             <a:r>
-              <a:rPr lang="en-US" smtClean="0"/>
+              <a:rPr lang="en-US"/>
               <a:t>9/5/2019</a:t>
             </a:r>
-            <a:endParaRPr lang="en-US"/>
           </a:p>
         </p:txBody>
       </p:sp>
@@ -6346,13 +6479,8 @@
             </a:r>
             <a:r>
               <a:rPr lang="en-GB" dirty="0"/>
-              <a:t>: </a:t>
-            </a:r>
-            <a:r>
-              <a:rPr lang="en-GB" dirty="0" smtClean="0"/>
-              <a:t>0.3</a:t>
-            </a:r>
-            <a:endParaRPr lang="en-GB" dirty="0"/>
+              <a:t>: 0.3</a:t>
+            </a:r>
           </a:p>
           <a:p>
             <a:r>
@@ -6446,6 +6574,66 @@
           </a:p>
         </p:txBody>
       </p:sp>
+      <p:pic>
+        <p:nvPicPr>
+          <p:cNvPr id="6" name="Picture 5">
+            <a:extLst>
+              <a:ext uri="{FF2B5EF4-FFF2-40B4-BE49-F238E27FC236}">
+                <a16:creationId xmlns:a16="http://schemas.microsoft.com/office/drawing/2014/main" id="{6C8F4AD0-C315-FD4E-9AEC-167230015B35}"/>
+              </a:ext>
+            </a:extLst>
+          </p:cNvPr>
+          <p:cNvPicPr>
+            <a:picLocks noChangeAspect="1"/>
+          </p:cNvPicPr>
+          <p:nvPr/>
+        </p:nvPicPr>
+        <p:blipFill>
+          <a:blip r:embed="rId2"/>
+          <a:stretch>
+            <a:fillRect/>
+          </a:stretch>
+        </p:blipFill>
+        <p:spPr>
+          <a:xfrm>
+            <a:off x="1911329" y="-398215"/>
+            <a:ext cx="4378476" cy="6858000"/>
+          </a:xfrm>
+          <a:prstGeom prst="rect">
+            <a:avLst/>
+          </a:prstGeom>
+        </p:spPr>
+      </p:pic>
+      <p:pic>
+        <p:nvPicPr>
+          <p:cNvPr id="12" name="Picture 11">
+            <a:extLst>
+              <a:ext uri="{FF2B5EF4-FFF2-40B4-BE49-F238E27FC236}">
+                <a16:creationId xmlns:a16="http://schemas.microsoft.com/office/drawing/2014/main" id="{D9C5D23B-337A-0547-8C3B-F6F9585A27EC}"/>
+              </a:ext>
+            </a:extLst>
+          </p:cNvPr>
+          <p:cNvPicPr>
+            <a:picLocks noChangeAspect="1"/>
+          </p:cNvPicPr>
+          <p:nvPr/>
+        </p:nvPicPr>
+        <p:blipFill>
+          <a:blip r:embed="rId3"/>
+          <a:stretch>
+            <a:fillRect/>
+          </a:stretch>
+        </p:blipFill>
+        <p:spPr>
+          <a:xfrm>
+            <a:off x="3906762" y="0"/>
+            <a:ext cx="4378476" cy="6858000"/>
+          </a:xfrm>
+          <a:prstGeom prst="rect">
+            <a:avLst/>
+          </a:prstGeom>
+        </p:spPr>
+      </p:pic>
     </p:spTree>
     <p:extLst>
       <p:ext uri="{BB962C8B-B14F-4D97-AF65-F5344CB8AC3E}">
@@ -6492,10 +6680,9 @@
           <a:lstStyle/>
           <a:p>
             <a:r>
-              <a:rPr lang="en-US" smtClean="0"/>
+              <a:rPr lang="en-US"/>
               <a:t>9/5/2019</a:t>
             </a:r>
-            <a:endParaRPr lang="en-US"/>
           </a:p>
         </p:txBody>
       </p:sp>
@@ -6596,13 +6783,8 @@
             </a:r>
             <a:r>
               <a:rPr lang="en-GB" dirty="0"/>
-              <a:t>: </a:t>
-            </a:r>
-            <a:r>
-              <a:rPr lang="en-GB" dirty="0" smtClean="0"/>
-              <a:t>0.4 </a:t>
-            </a:r>
-            <a:endParaRPr lang="en-GB" dirty="0"/>
+              <a:t>: 0.4 </a:t>
+            </a:r>
           </a:p>
           <a:p>
             <a:r>
@@ -6696,6 +6878,66 @@
           </a:p>
         </p:txBody>
       </p:sp>
+      <p:pic>
+        <p:nvPicPr>
+          <p:cNvPr id="6" name="Picture 5">
+            <a:extLst>
+              <a:ext uri="{FF2B5EF4-FFF2-40B4-BE49-F238E27FC236}">
+                <a16:creationId xmlns:a16="http://schemas.microsoft.com/office/drawing/2014/main" id="{7EEA96CF-B9D2-4B4E-9644-EFB16457FCC6}"/>
+              </a:ext>
+            </a:extLst>
+          </p:cNvPr>
+          <p:cNvPicPr>
+            <a:picLocks noChangeAspect="1"/>
+          </p:cNvPicPr>
+          <p:nvPr/>
+        </p:nvPicPr>
+        <p:blipFill>
+          <a:blip r:embed="rId2"/>
+          <a:stretch>
+            <a:fillRect/>
+          </a:stretch>
+        </p:blipFill>
+        <p:spPr>
+          <a:xfrm>
+            <a:off x="2591360" y="148893"/>
+            <a:ext cx="4378476" cy="6858000"/>
+          </a:xfrm>
+          <a:prstGeom prst="rect">
+            <a:avLst/>
+          </a:prstGeom>
+        </p:spPr>
+      </p:pic>
+      <p:pic>
+        <p:nvPicPr>
+          <p:cNvPr id="12" name="Picture 11">
+            <a:extLst>
+              <a:ext uri="{FF2B5EF4-FFF2-40B4-BE49-F238E27FC236}">
+                <a16:creationId xmlns:a16="http://schemas.microsoft.com/office/drawing/2014/main" id="{813655C0-EC65-FB42-A884-1DD9A5C931C7}"/>
+              </a:ext>
+            </a:extLst>
+          </p:cNvPr>
+          <p:cNvPicPr>
+            <a:picLocks noChangeAspect="1"/>
+          </p:cNvPicPr>
+          <p:nvPr/>
+        </p:nvPicPr>
+        <p:blipFill>
+          <a:blip r:embed="rId3"/>
+          <a:stretch>
+            <a:fillRect/>
+          </a:stretch>
+        </p:blipFill>
+        <p:spPr>
+          <a:xfrm>
+            <a:off x="3906762" y="0"/>
+            <a:ext cx="4378476" cy="6858000"/>
+          </a:xfrm>
+          <a:prstGeom prst="rect">
+            <a:avLst/>
+          </a:prstGeom>
+        </p:spPr>
+      </p:pic>
     </p:spTree>
     <p:extLst>
       <p:ext uri="{BB962C8B-B14F-4D97-AF65-F5344CB8AC3E}">
@@ -6742,10 +6984,9 @@
           <a:lstStyle/>
           <a:p>
             <a:r>
-              <a:rPr lang="en-US" smtClean="0"/>
+              <a:rPr lang="en-US"/>
               <a:t>9/5/2019</a:t>
             </a:r>
-            <a:endParaRPr lang="en-US"/>
           </a:p>
         </p:txBody>
       </p:sp>
@@ -7077,10 +7318,9 @@
           <a:lstStyle/>
           <a:p>
             <a:r>
-              <a:rPr lang="en-US" smtClean="0"/>
+              <a:rPr lang="en-US"/>
               <a:t>9/5/2019</a:t>
             </a:r>
-            <a:endParaRPr lang="en-US"/>
           </a:p>
         </p:txBody>
       </p:sp>
@@ -7611,10 +7851,9 @@
           <a:lstStyle/>
           <a:p>
             <a:r>
-              <a:rPr lang="en-US" smtClean="0"/>
+              <a:rPr lang="en-US"/>
               <a:t>9/5/2019</a:t>
             </a:r>
-            <a:endParaRPr lang="en-US"/>
           </a:p>
         </p:txBody>
       </p:sp>
@@ -7901,10 +8140,9 @@
           <a:lstStyle/>
           <a:p>
             <a:r>
-              <a:rPr lang="en-US" smtClean="0"/>
+              <a:rPr lang="en-US"/>
               <a:t>9/5/2019</a:t>
             </a:r>
-            <a:endParaRPr lang="en-US"/>
           </a:p>
         </p:txBody>
       </p:sp>
@@ -8206,10 +8444,9 @@
           <a:lstStyle/>
           <a:p>
             <a:r>
-              <a:rPr lang="en-US" smtClean="0"/>
+              <a:rPr lang="en-US"/>
               <a:t>9/5/2019</a:t>
             </a:r>
-            <a:endParaRPr lang="en-US"/>
           </a:p>
         </p:txBody>
       </p:sp>
@@ -8344,13 +8581,8 @@
             </a:r>
             <a:r>
               <a:rPr lang="en-GB" dirty="0"/>
-              <a:t>: </a:t>
-            </a:r>
-            <a:r>
-              <a:rPr lang="en-GB" dirty="0" smtClean="0"/>
-              <a:t>0.0</a:t>
-            </a:r>
-            <a:endParaRPr lang="en-GB" dirty="0"/>
+              <a:t>: 0.0</a:t>
+            </a:r>
           </a:p>
           <a:p>
             <a:r>
@@ -8444,6 +8676,66 @@
           </a:p>
         </p:txBody>
       </p:sp>
+      <p:pic>
+        <p:nvPicPr>
+          <p:cNvPr id="10" name="Picture 9">
+            <a:extLst>
+              <a:ext uri="{FF2B5EF4-FFF2-40B4-BE49-F238E27FC236}">
+                <a16:creationId xmlns:a16="http://schemas.microsoft.com/office/drawing/2014/main" id="{F0D674D1-F7CD-C747-ACDA-B454E66A420D}"/>
+              </a:ext>
+            </a:extLst>
+          </p:cNvPr>
+          <p:cNvPicPr>
+            <a:picLocks noChangeAspect="1"/>
+          </p:cNvPicPr>
+          <p:nvPr/>
+        </p:nvPicPr>
+        <p:blipFill>
+          <a:blip r:embed="rId2"/>
+          <a:stretch>
+            <a:fillRect/>
+          </a:stretch>
+        </p:blipFill>
+        <p:spPr>
+          <a:xfrm>
+            <a:off x="3906762" y="0"/>
+            <a:ext cx="4378476" cy="6858000"/>
+          </a:xfrm>
+          <a:prstGeom prst="rect">
+            <a:avLst/>
+          </a:prstGeom>
+        </p:spPr>
+      </p:pic>
+      <p:pic>
+        <p:nvPicPr>
+          <p:cNvPr id="13" name="Picture 12">
+            <a:extLst>
+              <a:ext uri="{FF2B5EF4-FFF2-40B4-BE49-F238E27FC236}">
+                <a16:creationId xmlns:a16="http://schemas.microsoft.com/office/drawing/2014/main" id="{AC154D6F-181A-AB4F-9EFD-5FC5FE4F416B}"/>
+              </a:ext>
+            </a:extLst>
+          </p:cNvPr>
+          <p:cNvPicPr>
+            <a:picLocks noChangeAspect="1"/>
+          </p:cNvPicPr>
+          <p:nvPr/>
+        </p:nvPicPr>
+        <p:blipFill>
+          <a:blip r:embed="rId3"/>
+          <a:stretch>
+            <a:fillRect/>
+          </a:stretch>
+        </p:blipFill>
+        <p:spPr>
+          <a:xfrm>
+            <a:off x="1717524" y="-148893"/>
+            <a:ext cx="4378476" cy="6858000"/>
+          </a:xfrm>
+          <a:prstGeom prst="rect">
+            <a:avLst/>
+          </a:prstGeom>
+        </p:spPr>
+      </p:pic>
     </p:spTree>
     <p:extLst>
       <p:ext uri="{BB962C8B-B14F-4D97-AF65-F5344CB8AC3E}">
@@ -8490,10 +8782,9 @@
           <a:lstStyle/>
           <a:p>
             <a:r>
-              <a:rPr lang="en-US" smtClean="0"/>
+              <a:rPr lang="en-US"/>
               <a:t>9/5/2019</a:t>
             </a:r>
-            <a:endParaRPr lang="en-US"/>
           </a:p>
         </p:txBody>
       </p:sp>
@@ -8628,13 +8919,8 @@
             </a:r>
             <a:r>
               <a:rPr lang="en-GB" dirty="0"/>
-              <a:t>: </a:t>
-            </a:r>
-            <a:r>
-              <a:rPr lang="en-GB" dirty="0" smtClean="0"/>
-              <a:t>0.1</a:t>
-            </a:r>
-            <a:endParaRPr lang="en-GB" dirty="0"/>
+              <a:t>: 0.1</a:t>
+            </a:r>
           </a:p>
           <a:p>
             <a:r>
@@ -8728,6 +9014,66 @@
           </a:p>
         </p:txBody>
       </p:sp>
+      <p:pic>
+        <p:nvPicPr>
+          <p:cNvPr id="7" name="Picture 6">
+            <a:extLst>
+              <a:ext uri="{FF2B5EF4-FFF2-40B4-BE49-F238E27FC236}">
+                <a16:creationId xmlns:a16="http://schemas.microsoft.com/office/drawing/2014/main" id="{4471DE96-B52B-F54D-8DD8-3CFFD0291E39}"/>
+              </a:ext>
+            </a:extLst>
+          </p:cNvPr>
+          <p:cNvPicPr>
+            <a:picLocks noChangeAspect="1"/>
+          </p:cNvPicPr>
+          <p:nvPr/>
+        </p:nvPicPr>
+        <p:blipFill>
+          <a:blip r:embed="rId2"/>
+          <a:stretch>
+            <a:fillRect/>
+          </a:stretch>
+        </p:blipFill>
+        <p:spPr>
+          <a:xfrm>
+            <a:off x="3906762" y="0"/>
+            <a:ext cx="4378476" cy="6858000"/>
+          </a:xfrm>
+          <a:prstGeom prst="rect">
+            <a:avLst/>
+          </a:prstGeom>
+        </p:spPr>
+      </p:pic>
+      <p:pic>
+        <p:nvPicPr>
+          <p:cNvPr id="12" name="Picture 11">
+            <a:extLst>
+              <a:ext uri="{FF2B5EF4-FFF2-40B4-BE49-F238E27FC236}">
+                <a16:creationId xmlns:a16="http://schemas.microsoft.com/office/drawing/2014/main" id="{21010601-0954-E84A-AA4D-9F2D6E26EC22}"/>
+              </a:ext>
+            </a:extLst>
+          </p:cNvPr>
+          <p:cNvPicPr>
+            <a:picLocks noChangeAspect="1"/>
+          </p:cNvPicPr>
+          <p:nvPr/>
+        </p:nvPicPr>
+        <p:blipFill>
+          <a:blip r:embed="rId3"/>
+          <a:stretch>
+            <a:fillRect/>
+          </a:stretch>
+        </p:blipFill>
+        <p:spPr>
+          <a:xfrm>
+            <a:off x="2122255" y="0"/>
+            <a:ext cx="4378476" cy="6858000"/>
+          </a:xfrm>
+          <a:prstGeom prst="rect">
+            <a:avLst/>
+          </a:prstGeom>
+        </p:spPr>
+      </p:pic>
     </p:spTree>
     <p:extLst>
       <p:ext uri="{BB962C8B-B14F-4D97-AF65-F5344CB8AC3E}">
@@ -8774,10 +9120,9 @@
           <a:lstStyle/>
           <a:p>
             <a:r>
-              <a:rPr lang="en-US" smtClean="0"/>
+              <a:rPr lang="en-US"/>
               <a:t>9/5/2019</a:t>
             </a:r>
-            <a:endParaRPr lang="en-US"/>
           </a:p>
         </p:txBody>
       </p:sp>
@@ -8912,13 +9257,8 @@
             </a:r>
             <a:r>
               <a:rPr lang="en-GB" dirty="0"/>
-              <a:t>: </a:t>
-            </a:r>
-            <a:r>
-              <a:rPr lang="en-GB" dirty="0" smtClean="0"/>
-              <a:t>0.2</a:t>
-            </a:r>
-            <a:endParaRPr lang="en-GB" dirty="0"/>
+              <a:t>: 0.2</a:t>
+            </a:r>
           </a:p>
           <a:p>
             <a:r>
@@ -9012,6 +9352,66 @@
           </a:p>
         </p:txBody>
       </p:sp>
+      <p:pic>
+        <p:nvPicPr>
+          <p:cNvPr id="7" name="Picture 6">
+            <a:extLst>
+              <a:ext uri="{FF2B5EF4-FFF2-40B4-BE49-F238E27FC236}">
+                <a16:creationId xmlns:a16="http://schemas.microsoft.com/office/drawing/2014/main" id="{BE0FBBB1-E806-AE4F-85E7-53F9214541B6}"/>
+              </a:ext>
+            </a:extLst>
+          </p:cNvPr>
+          <p:cNvPicPr>
+            <a:picLocks noChangeAspect="1"/>
+          </p:cNvPicPr>
+          <p:nvPr/>
+        </p:nvPicPr>
+        <p:blipFill>
+          <a:blip r:embed="rId2"/>
+          <a:stretch>
+            <a:fillRect/>
+          </a:stretch>
+        </p:blipFill>
+        <p:spPr>
+          <a:xfrm>
+            <a:off x="3906762" y="0"/>
+            <a:ext cx="4378476" cy="6858000"/>
+          </a:xfrm>
+          <a:prstGeom prst="rect">
+            <a:avLst/>
+          </a:prstGeom>
+        </p:spPr>
+      </p:pic>
+      <p:pic>
+        <p:nvPicPr>
+          <p:cNvPr id="12" name="Picture 11">
+            <a:extLst>
+              <a:ext uri="{FF2B5EF4-FFF2-40B4-BE49-F238E27FC236}">
+                <a16:creationId xmlns:a16="http://schemas.microsoft.com/office/drawing/2014/main" id="{59FA65FB-EE34-DD4C-83BC-E571E19734A5}"/>
+              </a:ext>
+            </a:extLst>
+          </p:cNvPr>
+          <p:cNvPicPr>
+            <a:picLocks noChangeAspect="1"/>
+          </p:cNvPicPr>
+          <p:nvPr/>
+        </p:nvPicPr>
+        <p:blipFill>
+          <a:blip r:embed="rId3"/>
+          <a:stretch>
+            <a:fillRect/>
+          </a:stretch>
+        </p:blipFill>
+        <p:spPr>
+          <a:xfrm>
+            <a:off x="2045316" y="-33090"/>
+            <a:ext cx="4378476" cy="6858000"/>
+          </a:xfrm>
+          <a:prstGeom prst="rect">
+            <a:avLst/>
+          </a:prstGeom>
+        </p:spPr>
+      </p:pic>
     </p:spTree>
     <p:extLst>
       <p:ext uri="{BB962C8B-B14F-4D97-AF65-F5344CB8AC3E}">
@@ -9058,10 +9458,9 @@
           <a:lstStyle/>
           <a:p>
             <a:r>
-              <a:rPr lang="en-US" smtClean="0"/>
+              <a:rPr lang="en-US"/>
               <a:t>9/5/2019</a:t>
             </a:r>
-            <a:endParaRPr lang="en-US"/>
           </a:p>
         </p:txBody>
       </p:sp>
@@ -9196,13 +9595,8 @@
             </a:r>
             <a:r>
               <a:rPr lang="en-GB" dirty="0"/>
-              <a:t>: </a:t>
-            </a:r>
-            <a:r>
-              <a:rPr lang="en-GB" dirty="0" smtClean="0"/>
-              <a:t>0.3</a:t>
-            </a:r>
-            <a:endParaRPr lang="en-GB" dirty="0"/>
+              <a:t>: 0.3</a:t>
+            </a:r>
           </a:p>
           <a:p>
             <a:r>
@@ -9296,6 +9690,66 @@
           </a:p>
         </p:txBody>
       </p:sp>
+      <p:pic>
+        <p:nvPicPr>
+          <p:cNvPr id="7" name="Picture 6">
+            <a:extLst>
+              <a:ext uri="{FF2B5EF4-FFF2-40B4-BE49-F238E27FC236}">
+                <a16:creationId xmlns:a16="http://schemas.microsoft.com/office/drawing/2014/main" id="{7B3CA76E-56F6-2841-AE99-79A503A2EC71}"/>
+              </a:ext>
+            </a:extLst>
+          </p:cNvPr>
+          <p:cNvPicPr>
+            <a:picLocks noChangeAspect="1"/>
+          </p:cNvPicPr>
+          <p:nvPr/>
+        </p:nvPicPr>
+        <p:blipFill>
+          <a:blip r:embed="rId2"/>
+          <a:stretch>
+            <a:fillRect/>
+          </a:stretch>
+        </p:blipFill>
+        <p:spPr>
+          <a:xfrm>
+            <a:off x="3906762" y="0"/>
+            <a:ext cx="4378476" cy="6858000"/>
+          </a:xfrm>
+          <a:prstGeom prst="rect">
+            <a:avLst/>
+          </a:prstGeom>
+        </p:spPr>
+      </p:pic>
+      <p:pic>
+        <p:nvPicPr>
+          <p:cNvPr id="12" name="Picture 11">
+            <a:extLst>
+              <a:ext uri="{FF2B5EF4-FFF2-40B4-BE49-F238E27FC236}">
+                <a16:creationId xmlns:a16="http://schemas.microsoft.com/office/drawing/2014/main" id="{309C278B-4325-4248-9BAA-88DF2A3E1A1A}"/>
+              </a:ext>
+            </a:extLst>
+          </p:cNvPr>
+          <p:cNvPicPr>
+            <a:picLocks noChangeAspect="1"/>
+          </p:cNvPicPr>
+          <p:nvPr/>
+        </p:nvPicPr>
+        <p:blipFill>
+          <a:blip r:embed="rId3"/>
+          <a:stretch>
+            <a:fillRect/>
+          </a:stretch>
+        </p:blipFill>
+        <p:spPr>
+          <a:xfrm>
+            <a:off x="1928682" y="-302849"/>
+            <a:ext cx="4378476" cy="6858000"/>
+          </a:xfrm>
+          <a:prstGeom prst="rect">
+            <a:avLst/>
+          </a:prstGeom>
+        </p:spPr>
+      </p:pic>
     </p:spTree>
     <p:extLst>
       <p:ext uri="{BB962C8B-B14F-4D97-AF65-F5344CB8AC3E}">
@@ -9342,10 +9796,9 @@
           <a:lstStyle/>
           <a:p>
             <a:r>
-              <a:rPr lang="en-US" smtClean="0"/>
+              <a:rPr lang="en-US"/>
               <a:t>9/5/2019</a:t>
             </a:r>
-            <a:endParaRPr lang="en-US"/>
           </a:p>
         </p:txBody>
       </p:sp>
@@ -9480,13 +9933,8 @@
             </a:r>
             <a:r>
               <a:rPr lang="en-GB" dirty="0"/>
-              <a:t>: </a:t>
-            </a:r>
-            <a:r>
-              <a:rPr lang="en-GB" dirty="0" smtClean="0"/>
-              <a:t>0.4</a:t>
-            </a:r>
-            <a:endParaRPr lang="en-GB" dirty="0"/>
+              <a:t>: 0.4</a:t>
+            </a:r>
           </a:p>
           <a:p>
             <a:r>
@@ -9580,6 +10028,66 @@
           </a:p>
         </p:txBody>
       </p:sp>
+      <p:pic>
+        <p:nvPicPr>
+          <p:cNvPr id="7" name="Picture 6">
+            <a:extLst>
+              <a:ext uri="{FF2B5EF4-FFF2-40B4-BE49-F238E27FC236}">
+                <a16:creationId xmlns:a16="http://schemas.microsoft.com/office/drawing/2014/main" id="{ADF59781-46E0-F94D-9EFA-DDDAC102B33C}"/>
+              </a:ext>
+            </a:extLst>
+          </p:cNvPr>
+          <p:cNvPicPr>
+            <a:picLocks noChangeAspect="1"/>
+          </p:cNvPicPr>
+          <p:nvPr/>
+        </p:nvPicPr>
+        <p:blipFill>
+          <a:blip r:embed="rId2"/>
+          <a:stretch>
+            <a:fillRect/>
+          </a:stretch>
+        </p:blipFill>
+        <p:spPr>
+          <a:xfrm>
+            <a:off x="3906762" y="0"/>
+            <a:ext cx="4378476" cy="6858000"/>
+          </a:xfrm>
+          <a:prstGeom prst="rect">
+            <a:avLst/>
+          </a:prstGeom>
+        </p:spPr>
+      </p:pic>
+      <p:pic>
+        <p:nvPicPr>
+          <p:cNvPr id="12" name="Picture 11">
+            <a:extLst>
+              <a:ext uri="{FF2B5EF4-FFF2-40B4-BE49-F238E27FC236}">
+                <a16:creationId xmlns:a16="http://schemas.microsoft.com/office/drawing/2014/main" id="{6B617CB0-705B-9642-9BC1-7CD018F5E868}"/>
+              </a:ext>
+            </a:extLst>
+          </p:cNvPr>
+          <p:cNvPicPr>
+            <a:picLocks noChangeAspect="1"/>
+          </p:cNvPicPr>
+          <p:nvPr/>
+        </p:nvPicPr>
+        <p:blipFill>
+          <a:blip r:embed="rId3"/>
+          <a:stretch>
+            <a:fillRect/>
+          </a:stretch>
+        </p:blipFill>
+        <p:spPr>
+          <a:xfrm>
+            <a:off x="1911329" y="-33090"/>
+            <a:ext cx="4378476" cy="6858000"/>
+          </a:xfrm>
+          <a:prstGeom prst="rect">
+            <a:avLst/>
+          </a:prstGeom>
+        </p:spPr>
+      </p:pic>
     </p:spTree>
     <p:extLst>
       <p:ext uri="{BB962C8B-B14F-4D97-AF65-F5344CB8AC3E}">
@@ -9626,10 +10134,9 @@
           <a:lstStyle/>
           <a:p>
             <a:r>
-              <a:rPr lang="en-US" smtClean="0"/>
+              <a:rPr lang="en-US"/>
               <a:t>9/5/2019</a:t>
             </a:r>
-            <a:endParaRPr lang="en-US"/>
           </a:p>
         </p:txBody>
       </p:sp>
@@ -9965,10 +10472,9 @@
           <a:lstStyle/>
           <a:p>
             <a:r>
-              <a:rPr lang="en-US" smtClean="0"/>
+              <a:rPr lang="en-US"/>
               <a:t>9/5/2019</a:t>
             </a:r>
-            <a:endParaRPr lang="en-US"/>
           </a:p>
         </p:txBody>
       </p:sp>
@@ -10334,10 +10840,9 @@
           <a:lstStyle/>
           <a:p>
             <a:r>
-              <a:rPr lang="en-US" smtClean="0"/>
+              <a:rPr lang="en-US"/>
               <a:t>9/5/2019</a:t>
             </a:r>
-            <a:endParaRPr lang="en-US"/>
           </a:p>
         </p:txBody>
       </p:sp>
@@ -10673,10 +11178,9 @@
           <a:lstStyle/>
           <a:p>
             <a:r>
-              <a:rPr lang="en-US" smtClean="0"/>
+              <a:rPr lang="en-US"/>
               <a:t>9/5/2019</a:t>
             </a:r>
-            <a:endParaRPr lang="en-US"/>
           </a:p>
         </p:txBody>
       </p:sp>
@@ -10811,13 +11315,8 @@
             </a:r>
             <a:r>
               <a:rPr lang="en-GB" dirty="0"/>
-              <a:t>: </a:t>
-            </a:r>
-            <a:r>
-              <a:rPr lang="en-GB" dirty="0" smtClean="0"/>
-              <a:t>0.0</a:t>
-            </a:r>
-            <a:endParaRPr lang="en-GB" dirty="0"/>
+              <a:t>: 0.0</a:t>
+            </a:r>
           </a:p>
           <a:p>
             <a:r>
@@ -10911,6 +11410,66 @@
           </a:p>
         </p:txBody>
       </p:sp>
+      <p:pic>
+        <p:nvPicPr>
+          <p:cNvPr id="6" name="Picture 5">
+            <a:extLst>
+              <a:ext uri="{FF2B5EF4-FFF2-40B4-BE49-F238E27FC236}">
+                <a16:creationId xmlns:a16="http://schemas.microsoft.com/office/drawing/2014/main" id="{32051D9F-2CC6-F542-8919-028EA9A02069}"/>
+              </a:ext>
+            </a:extLst>
+          </p:cNvPr>
+          <p:cNvPicPr>
+            <a:picLocks noChangeAspect="1"/>
+          </p:cNvPicPr>
+          <p:nvPr/>
+        </p:nvPicPr>
+        <p:blipFill>
+          <a:blip r:embed="rId2"/>
+          <a:stretch>
+            <a:fillRect/>
+          </a:stretch>
+        </p:blipFill>
+        <p:spPr>
+          <a:xfrm>
+            <a:off x="3906762" y="0"/>
+            <a:ext cx="4378476" cy="6858000"/>
+          </a:xfrm>
+          <a:prstGeom prst="rect">
+            <a:avLst/>
+          </a:prstGeom>
+        </p:spPr>
+      </p:pic>
+      <p:pic>
+        <p:nvPicPr>
+          <p:cNvPr id="12" name="Picture 11">
+            <a:extLst>
+              <a:ext uri="{FF2B5EF4-FFF2-40B4-BE49-F238E27FC236}">
+                <a16:creationId xmlns:a16="http://schemas.microsoft.com/office/drawing/2014/main" id="{78ECBF45-E1BD-6346-B95E-4027C6F639A3}"/>
+              </a:ext>
+            </a:extLst>
+          </p:cNvPr>
+          <p:cNvPicPr>
+            <a:picLocks noChangeAspect="1"/>
+          </p:cNvPicPr>
+          <p:nvPr/>
+        </p:nvPicPr>
+        <p:blipFill>
+          <a:blip r:embed="rId3"/>
+          <a:stretch>
+            <a:fillRect/>
+          </a:stretch>
+        </p:blipFill>
+        <p:spPr>
+          <a:xfrm>
+            <a:off x="1986999" y="-302849"/>
+            <a:ext cx="4378476" cy="6858000"/>
+          </a:xfrm>
+          <a:prstGeom prst="rect">
+            <a:avLst/>
+          </a:prstGeom>
+        </p:spPr>
+      </p:pic>
     </p:spTree>
     <p:extLst>
       <p:ext uri="{BB962C8B-B14F-4D97-AF65-F5344CB8AC3E}">
@@ -10985,10 +11544,9 @@
           <a:lstStyle/>
           <a:p>
             <a:r>
-              <a:rPr lang="en-US" smtClean="0"/>
+              <a:rPr lang="en-US"/>
               <a:t>9/5/2019</a:t>
             </a:r>
-            <a:endParaRPr lang="en-US"/>
           </a:p>
         </p:txBody>
       </p:sp>
@@ -11144,10 +11702,9 @@
           <a:lstStyle/>
           <a:p>
             <a:r>
-              <a:rPr lang="en-US" smtClean="0"/>
+              <a:rPr lang="en-US"/>
               <a:t>9/5/2019</a:t>
             </a:r>
-            <a:endParaRPr lang="en-US"/>
           </a:p>
         </p:txBody>
       </p:sp>
@@ -11282,13 +11839,8 @@
             </a:r>
             <a:r>
               <a:rPr lang="en-GB" dirty="0"/>
-              <a:t>: </a:t>
-            </a:r>
-            <a:r>
-              <a:rPr lang="en-GB" dirty="0" smtClean="0"/>
-              <a:t>0.1</a:t>
-            </a:r>
-            <a:endParaRPr lang="en-GB" dirty="0"/>
+              <a:t>: 0.1</a:t>
+            </a:r>
           </a:p>
           <a:p>
             <a:r>
@@ -11382,6 +11934,66 @@
           </a:p>
         </p:txBody>
       </p:sp>
+      <p:pic>
+        <p:nvPicPr>
+          <p:cNvPr id="6" name="Picture 5">
+            <a:extLst>
+              <a:ext uri="{FF2B5EF4-FFF2-40B4-BE49-F238E27FC236}">
+                <a16:creationId xmlns:a16="http://schemas.microsoft.com/office/drawing/2014/main" id="{721CAED7-241F-C04C-B440-36699067B997}"/>
+              </a:ext>
+            </a:extLst>
+          </p:cNvPr>
+          <p:cNvPicPr>
+            <a:picLocks noChangeAspect="1"/>
+          </p:cNvPicPr>
+          <p:nvPr/>
+        </p:nvPicPr>
+        <p:blipFill>
+          <a:blip r:embed="rId2"/>
+          <a:stretch>
+            <a:fillRect/>
+          </a:stretch>
+        </p:blipFill>
+        <p:spPr>
+          <a:xfrm>
+            <a:off x="3906762" y="0"/>
+            <a:ext cx="4378476" cy="6858000"/>
+          </a:xfrm>
+          <a:prstGeom prst="rect">
+            <a:avLst/>
+          </a:prstGeom>
+        </p:spPr>
+      </p:pic>
+      <p:pic>
+        <p:nvPicPr>
+          <p:cNvPr id="12" name="Picture 11">
+            <a:extLst>
+              <a:ext uri="{FF2B5EF4-FFF2-40B4-BE49-F238E27FC236}">
+                <a16:creationId xmlns:a16="http://schemas.microsoft.com/office/drawing/2014/main" id="{5E804D8B-6E81-7C4C-ABBD-2E47D14ABE72}"/>
+              </a:ext>
+            </a:extLst>
+          </p:cNvPr>
+          <p:cNvPicPr>
+            <a:picLocks noChangeAspect="1"/>
+          </p:cNvPicPr>
+          <p:nvPr/>
+        </p:nvPicPr>
+        <p:blipFill>
+          <a:blip r:embed="rId3"/>
+          <a:stretch>
+            <a:fillRect/>
+          </a:stretch>
+        </p:blipFill>
+        <p:spPr>
+          <a:xfrm>
+            <a:off x="1037369" y="-215653"/>
+            <a:ext cx="4378476" cy="6858000"/>
+          </a:xfrm>
+          <a:prstGeom prst="rect">
+            <a:avLst/>
+          </a:prstGeom>
+        </p:spPr>
+      </p:pic>
     </p:spTree>
     <p:extLst>
       <p:ext uri="{BB962C8B-B14F-4D97-AF65-F5344CB8AC3E}">
@@ -11428,10 +12040,9 @@
           <a:lstStyle/>
           <a:p>
             <a:r>
-              <a:rPr lang="en-US" smtClean="0"/>
+              <a:rPr lang="en-US"/>
               <a:t>9/5/2019</a:t>
             </a:r>
-            <a:endParaRPr lang="en-US"/>
           </a:p>
         </p:txBody>
       </p:sp>
@@ -11566,13 +12177,8 @@
             </a:r>
             <a:r>
               <a:rPr lang="en-GB" dirty="0"/>
-              <a:t>: </a:t>
-            </a:r>
-            <a:r>
-              <a:rPr lang="en-GB" dirty="0" smtClean="0"/>
-              <a:t>0.2</a:t>
-            </a:r>
-            <a:endParaRPr lang="en-GB" dirty="0"/>
+              <a:t>: 0.2</a:t>
+            </a:r>
           </a:p>
           <a:p>
             <a:r>
@@ -11666,6 +12272,66 @@
           </a:p>
         </p:txBody>
       </p:sp>
+      <p:pic>
+        <p:nvPicPr>
+          <p:cNvPr id="6" name="Picture 5">
+            <a:extLst>
+              <a:ext uri="{FF2B5EF4-FFF2-40B4-BE49-F238E27FC236}">
+                <a16:creationId xmlns:a16="http://schemas.microsoft.com/office/drawing/2014/main" id="{F10C761A-947E-7A4F-919C-230E6D90B04A}"/>
+              </a:ext>
+            </a:extLst>
+          </p:cNvPr>
+          <p:cNvPicPr>
+            <a:picLocks noChangeAspect="1"/>
+          </p:cNvPicPr>
+          <p:nvPr/>
+        </p:nvPicPr>
+        <p:blipFill>
+          <a:blip r:embed="rId2"/>
+          <a:stretch>
+            <a:fillRect/>
+          </a:stretch>
+        </p:blipFill>
+        <p:spPr>
+          <a:xfrm>
+            <a:off x="3906762" y="0"/>
+            <a:ext cx="4378476" cy="6858000"/>
+          </a:xfrm>
+          <a:prstGeom prst="rect">
+            <a:avLst/>
+          </a:prstGeom>
+        </p:spPr>
+      </p:pic>
+      <p:pic>
+        <p:nvPicPr>
+          <p:cNvPr id="12" name="Picture 11">
+            <a:extLst>
+              <a:ext uri="{FF2B5EF4-FFF2-40B4-BE49-F238E27FC236}">
+                <a16:creationId xmlns:a16="http://schemas.microsoft.com/office/drawing/2014/main" id="{01ACD5DC-F39B-A748-8F7E-1B6652B8D4DB}"/>
+              </a:ext>
+            </a:extLst>
+          </p:cNvPr>
+          <p:cNvPicPr>
+            <a:picLocks noChangeAspect="1"/>
+          </p:cNvPicPr>
+          <p:nvPr/>
+        </p:nvPicPr>
+        <p:blipFill>
+          <a:blip r:embed="rId3"/>
+          <a:stretch>
+            <a:fillRect/>
+          </a:stretch>
+        </p:blipFill>
+        <p:spPr>
+          <a:xfrm>
+            <a:off x="2040558" y="-33090"/>
+            <a:ext cx="4378476" cy="6858000"/>
+          </a:xfrm>
+          <a:prstGeom prst="rect">
+            <a:avLst/>
+          </a:prstGeom>
+        </p:spPr>
+      </p:pic>
     </p:spTree>
     <p:extLst>
       <p:ext uri="{BB962C8B-B14F-4D97-AF65-F5344CB8AC3E}">
@@ -11712,10 +12378,9 @@
           <a:lstStyle/>
           <a:p>
             <a:r>
-              <a:rPr lang="en-US" smtClean="0"/>
+              <a:rPr lang="en-US"/>
               <a:t>9/5/2019</a:t>
             </a:r>
-            <a:endParaRPr lang="en-US"/>
           </a:p>
         </p:txBody>
       </p:sp>
@@ -11850,13 +12515,8 @@
             </a:r>
             <a:r>
               <a:rPr lang="en-GB" dirty="0"/>
-              <a:t>: </a:t>
-            </a:r>
-            <a:r>
-              <a:rPr lang="en-GB" dirty="0" smtClean="0"/>
-              <a:t>0.3</a:t>
-            </a:r>
-            <a:endParaRPr lang="en-GB" dirty="0"/>
+              <a:t>: 0.3</a:t>
+            </a:r>
           </a:p>
           <a:p>
             <a:r>
@@ -11950,6 +12610,66 @@
           </a:p>
         </p:txBody>
       </p:sp>
+      <p:pic>
+        <p:nvPicPr>
+          <p:cNvPr id="6" name="Picture 5">
+            <a:extLst>
+              <a:ext uri="{FF2B5EF4-FFF2-40B4-BE49-F238E27FC236}">
+                <a16:creationId xmlns:a16="http://schemas.microsoft.com/office/drawing/2014/main" id="{7BC9DEEF-5086-4B41-AEA8-E090432592F8}"/>
+              </a:ext>
+            </a:extLst>
+          </p:cNvPr>
+          <p:cNvPicPr>
+            <a:picLocks noChangeAspect="1"/>
+          </p:cNvPicPr>
+          <p:nvPr/>
+        </p:nvPicPr>
+        <p:blipFill>
+          <a:blip r:embed="rId2"/>
+          <a:stretch>
+            <a:fillRect/>
+          </a:stretch>
+        </p:blipFill>
+        <p:spPr>
+          <a:xfrm>
+            <a:off x="3906762" y="0"/>
+            <a:ext cx="4378476" cy="6858000"/>
+          </a:xfrm>
+          <a:prstGeom prst="rect">
+            <a:avLst/>
+          </a:prstGeom>
+        </p:spPr>
+      </p:pic>
+      <p:pic>
+        <p:nvPicPr>
+          <p:cNvPr id="12" name="Picture 11">
+            <a:extLst>
+              <a:ext uri="{FF2B5EF4-FFF2-40B4-BE49-F238E27FC236}">
+                <a16:creationId xmlns:a16="http://schemas.microsoft.com/office/drawing/2014/main" id="{6E9AC9C0-4099-8742-AC8A-447D3EA43C83}"/>
+              </a:ext>
+            </a:extLst>
+          </p:cNvPr>
+          <p:cNvPicPr>
+            <a:picLocks noChangeAspect="1"/>
+          </p:cNvPicPr>
+          <p:nvPr/>
+        </p:nvPicPr>
+        <p:blipFill>
+          <a:blip r:embed="rId3"/>
+          <a:stretch>
+            <a:fillRect/>
+          </a:stretch>
+        </p:blipFill>
+        <p:spPr>
+          <a:xfrm>
+            <a:off x="2918623" y="33090"/>
+            <a:ext cx="4378476" cy="6858000"/>
+          </a:xfrm>
+          <a:prstGeom prst="rect">
+            <a:avLst/>
+          </a:prstGeom>
+        </p:spPr>
+      </p:pic>
     </p:spTree>
     <p:extLst>
       <p:ext uri="{BB962C8B-B14F-4D97-AF65-F5344CB8AC3E}">
@@ -11996,10 +12716,9 @@
           <a:lstStyle/>
           <a:p>
             <a:r>
-              <a:rPr lang="en-US" smtClean="0"/>
+              <a:rPr lang="en-US"/>
               <a:t>9/5/2019</a:t>
             </a:r>
-            <a:endParaRPr lang="en-US"/>
           </a:p>
         </p:txBody>
       </p:sp>
@@ -12134,13 +12853,8 @@
             </a:r>
             <a:r>
               <a:rPr lang="en-GB" dirty="0"/>
-              <a:t>: </a:t>
-            </a:r>
-            <a:r>
-              <a:rPr lang="en-GB" dirty="0" smtClean="0"/>
-              <a:t>0.4</a:t>
-            </a:r>
-            <a:endParaRPr lang="en-GB" dirty="0"/>
+              <a:t>: 0.4</a:t>
+            </a:r>
           </a:p>
           <a:p>
             <a:r>
@@ -12234,6 +12948,66 @@
           </a:p>
         </p:txBody>
       </p:sp>
+      <p:pic>
+        <p:nvPicPr>
+          <p:cNvPr id="6" name="Picture 5">
+            <a:extLst>
+              <a:ext uri="{FF2B5EF4-FFF2-40B4-BE49-F238E27FC236}">
+                <a16:creationId xmlns:a16="http://schemas.microsoft.com/office/drawing/2014/main" id="{6793382A-D498-4244-9D85-55FD9D7C014E}"/>
+              </a:ext>
+            </a:extLst>
+          </p:cNvPr>
+          <p:cNvPicPr>
+            <a:picLocks noChangeAspect="1"/>
+          </p:cNvPicPr>
+          <p:nvPr/>
+        </p:nvPicPr>
+        <p:blipFill>
+          <a:blip r:embed="rId2"/>
+          <a:stretch>
+            <a:fillRect/>
+          </a:stretch>
+        </p:blipFill>
+        <p:spPr>
+          <a:xfrm>
+            <a:off x="3906762" y="0"/>
+            <a:ext cx="4378476" cy="6858000"/>
+          </a:xfrm>
+          <a:prstGeom prst="rect">
+            <a:avLst/>
+          </a:prstGeom>
+        </p:spPr>
+      </p:pic>
+      <p:pic>
+        <p:nvPicPr>
+          <p:cNvPr id="12" name="Picture 11">
+            <a:extLst>
+              <a:ext uri="{FF2B5EF4-FFF2-40B4-BE49-F238E27FC236}">
+                <a16:creationId xmlns:a16="http://schemas.microsoft.com/office/drawing/2014/main" id="{32E46E24-7952-2F47-83A9-7CA8A05DBF9A}"/>
+              </a:ext>
+            </a:extLst>
+          </p:cNvPr>
+          <p:cNvPicPr>
+            <a:picLocks noChangeAspect="1"/>
+          </p:cNvPicPr>
+          <p:nvPr/>
+        </p:nvPicPr>
+        <p:blipFill>
+          <a:blip r:embed="rId3"/>
+          <a:stretch>
+            <a:fillRect/>
+          </a:stretch>
+        </p:blipFill>
+        <p:spPr>
+          <a:xfrm>
+            <a:off x="887382" y="148893"/>
+            <a:ext cx="4378476" cy="6858000"/>
+          </a:xfrm>
+          <a:prstGeom prst="rect">
+            <a:avLst/>
+          </a:prstGeom>
+        </p:spPr>
+      </p:pic>
     </p:spTree>
     <p:extLst>
       <p:ext uri="{BB962C8B-B14F-4D97-AF65-F5344CB8AC3E}">
@@ -12280,10 +13054,9 @@
           <a:lstStyle/>
           <a:p>
             <a:r>
-              <a:rPr lang="en-US" smtClean="0"/>
+              <a:rPr lang="en-US"/>
               <a:t>9/5/2019</a:t>
             </a:r>
-            <a:endParaRPr lang="en-US"/>
           </a:p>
         </p:txBody>
       </p:sp>
@@ -12619,10 +13392,9 @@
           <a:lstStyle/>
           <a:p>
             <a:r>
-              <a:rPr lang="en-US" smtClean="0"/>
+              <a:rPr lang="en-US"/>
               <a:t>9/5/2019</a:t>
             </a:r>
-            <a:endParaRPr lang="en-US"/>
           </a:p>
         </p:txBody>
       </p:sp>
@@ -12958,10 +13730,9 @@
           <a:lstStyle/>
           <a:p>
             <a:r>
-              <a:rPr lang="en-US" smtClean="0"/>
+              <a:rPr lang="en-US"/>
               <a:t>9/5/2019</a:t>
             </a:r>
-            <a:endParaRPr lang="en-US"/>
           </a:p>
         </p:txBody>
       </p:sp>
@@ -13333,10 +14104,9 @@
           <a:lstStyle/>
           <a:p>
             <a:r>
-              <a:rPr lang="en-US" smtClean="0"/>
+              <a:rPr lang="en-US"/>
               <a:t>9/5/2019</a:t>
             </a:r>
-            <a:endParaRPr lang="en-US"/>
           </a:p>
         </p:txBody>
       </p:sp>
@@ -13453,15 +14223,15 @@
           <a:lstStyle/>
           <a:p>
             <a:r>
-              <a:rPr lang="en-US" dirty="0" smtClean="0"/>
+              <a:rPr lang="en-US" dirty="0"/>
               <a:t>Expected Yields vs </a:t>
             </a:r>
             <a:r>
-              <a:rPr lang="en-US" dirty="0" err="1" smtClean="0"/>
+              <a:rPr lang="en-US" dirty="0" err="1"/>
               <a:t>JetMassSoftDrop</a:t>
             </a:r>
             <a:r>
-              <a:rPr lang="en-US" dirty="0" smtClean="0"/>
+              <a:rPr lang="en-US" dirty="0"/>
               <a:t> (double fill)</a:t>
             </a:r>
             <a:endParaRPr lang="en-GB" dirty="0"/>
@@ -13550,10 +14320,9 @@
           <a:lstStyle/>
           <a:p>
             <a:r>
-              <a:rPr lang="en-US" smtClean="0"/>
+              <a:rPr lang="en-US"/>
               <a:t>9/5/2019</a:t>
             </a:r>
-            <a:endParaRPr lang="en-US"/>
           </a:p>
         </p:txBody>
       </p:sp>
@@ -13670,15 +14439,15 @@
           <a:lstStyle/>
           <a:p>
             <a:r>
-              <a:rPr lang="en-US" dirty="0" smtClean="0"/>
+              <a:rPr lang="en-US" dirty="0"/>
               <a:t>Expected Yields vs </a:t>
             </a:r>
             <a:r>
-              <a:rPr lang="en-US" dirty="0" err="1" smtClean="0"/>
+              <a:rPr lang="en-US" dirty="0" err="1"/>
               <a:t>JetMassSoftDrop</a:t>
             </a:r>
             <a:r>
-              <a:rPr lang="en-US" dirty="0" smtClean="0"/>
+              <a:rPr lang="en-US" dirty="0"/>
               <a:t> (double fill)</a:t>
             </a:r>
             <a:endParaRPr lang="en-GB" dirty="0"/>
@@ -13767,10 +14536,9 @@
           <a:lstStyle/>
           <a:p>
             <a:r>
-              <a:rPr lang="en-US" smtClean="0"/>
+              <a:rPr lang="en-US"/>
               <a:t>9/5/2019</a:t>
             </a:r>
-            <a:endParaRPr lang="en-US"/>
           </a:p>
         </p:txBody>
       </p:sp>
@@ -13887,15 +14655,15 @@
           <a:lstStyle/>
           <a:p>
             <a:r>
-              <a:rPr lang="en-US" dirty="0" smtClean="0"/>
+              <a:rPr lang="en-US" dirty="0"/>
               <a:t>Expected Yields vs </a:t>
             </a:r>
             <a:r>
-              <a:rPr lang="en-US" dirty="0" err="1" smtClean="0"/>
+              <a:rPr lang="en-US" dirty="0" err="1"/>
               <a:t>JetMassSoftDrop</a:t>
             </a:r>
             <a:r>
-              <a:rPr lang="en-US" dirty="0" smtClean="0"/>
+              <a:rPr lang="en-US" dirty="0"/>
               <a:t> (double fill)</a:t>
             </a:r>
             <a:endParaRPr lang="en-GB" dirty="0"/>
@@ -13978,10 +14746,9 @@
           <a:lstStyle/>
           <a:p>
             <a:r>
-              <a:rPr lang="en-US" smtClean="0"/>
+              <a:rPr lang="en-US"/>
               <a:t>9/5/2019</a:t>
             </a:r>
-            <a:endParaRPr lang="en-US"/>
           </a:p>
         </p:txBody>
       </p:sp>
@@ -14082,13 +14849,8 @@
             </a:r>
             <a:r>
               <a:rPr lang="en-GB" dirty="0"/>
-              <a:t>: </a:t>
-            </a:r>
-            <a:r>
-              <a:rPr lang="en-GB" dirty="0" smtClean="0"/>
-              <a:t>0.0 </a:t>
-            </a:r>
-            <a:endParaRPr lang="en-GB" dirty="0"/>
+              <a:t>: 0.0 </a:t>
+            </a:r>
           </a:p>
           <a:p>
             <a:r>
@@ -14182,6 +14944,66 @@
           </a:p>
         </p:txBody>
       </p:sp>
+      <p:pic>
+        <p:nvPicPr>
+          <p:cNvPr id="7" name="Picture 6">
+            <a:extLst>
+              <a:ext uri="{FF2B5EF4-FFF2-40B4-BE49-F238E27FC236}">
+                <a16:creationId xmlns:a16="http://schemas.microsoft.com/office/drawing/2014/main" id="{55169459-F7AD-264F-85F0-1188F27C0196}"/>
+              </a:ext>
+            </a:extLst>
+          </p:cNvPr>
+          <p:cNvPicPr>
+            <a:picLocks noChangeAspect="1"/>
+          </p:cNvPicPr>
+          <p:nvPr/>
+        </p:nvPicPr>
+        <p:blipFill>
+          <a:blip r:embed="rId2"/>
+          <a:stretch>
+            <a:fillRect/>
+          </a:stretch>
+        </p:blipFill>
+        <p:spPr>
+          <a:xfrm>
+            <a:off x="3906762" y="0"/>
+            <a:ext cx="4378476" cy="6858000"/>
+          </a:xfrm>
+          <a:prstGeom prst="rect">
+            <a:avLst/>
+          </a:prstGeom>
+        </p:spPr>
+      </p:pic>
+      <p:pic>
+        <p:nvPicPr>
+          <p:cNvPr id="12" name="Picture 11">
+            <a:extLst>
+              <a:ext uri="{FF2B5EF4-FFF2-40B4-BE49-F238E27FC236}">
+                <a16:creationId xmlns:a16="http://schemas.microsoft.com/office/drawing/2014/main" id="{564BC618-4B6A-1241-8521-A6ED7DA66952}"/>
+              </a:ext>
+            </a:extLst>
+          </p:cNvPr>
+          <p:cNvPicPr>
+            <a:picLocks noChangeAspect="1"/>
+          </p:cNvPicPr>
+          <p:nvPr/>
+        </p:nvPicPr>
+        <p:blipFill>
+          <a:blip r:embed="rId3"/>
+          <a:stretch>
+            <a:fillRect/>
+          </a:stretch>
+        </p:blipFill>
+        <p:spPr>
+          <a:xfrm>
+            <a:off x="5160677" y="148893"/>
+            <a:ext cx="4378476" cy="6858000"/>
+          </a:xfrm>
+          <a:prstGeom prst="rect">
+            <a:avLst/>
+          </a:prstGeom>
+        </p:spPr>
+      </p:pic>
     </p:spTree>
     <p:extLst>
       <p:ext uri="{BB962C8B-B14F-4D97-AF65-F5344CB8AC3E}">
@@ -14234,10 +15056,9 @@
           <a:lstStyle/>
           <a:p>
             <a:r>
-              <a:rPr lang="en-US" smtClean="0"/>
+              <a:rPr lang="en-US"/>
               <a:t>9/5/2019</a:t>
             </a:r>
-            <a:endParaRPr lang="en-US"/>
           </a:p>
         </p:txBody>
       </p:sp>
@@ -14354,15 +15175,15 @@
           <a:lstStyle/>
           <a:p>
             <a:r>
-              <a:rPr lang="en-US" dirty="0" smtClean="0"/>
+              <a:rPr lang="en-US" dirty="0"/>
               <a:t>Expected Yields vs </a:t>
             </a:r>
             <a:r>
-              <a:rPr lang="en-US" dirty="0" err="1" smtClean="0"/>
+              <a:rPr lang="en-US" dirty="0" err="1"/>
               <a:t>JetMassSoftDrop</a:t>
             </a:r>
             <a:r>
-              <a:rPr lang="en-US" dirty="0" smtClean="0"/>
+              <a:rPr lang="en-US" dirty="0"/>
               <a:t> (double fill)</a:t>
             </a:r>
             <a:endParaRPr lang="en-GB" dirty="0"/>
@@ -14451,10 +15272,9 @@
           <a:lstStyle/>
           <a:p>
             <a:r>
-              <a:rPr lang="en-US" smtClean="0"/>
+              <a:rPr lang="en-US"/>
               <a:t>9/5/2019</a:t>
             </a:r>
-            <a:endParaRPr lang="en-US"/>
           </a:p>
         </p:txBody>
       </p:sp>
@@ -14571,15 +15391,15 @@
           <a:lstStyle/>
           <a:p>
             <a:r>
-              <a:rPr lang="en-US" dirty="0" smtClean="0"/>
+              <a:rPr lang="en-US" dirty="0"/>
               <a:t>Expected Yields vs </a:t>
             </a:r>
             <a:r>
-              <a:rPr lang="en-US" dirty="0" err="1" smtClean="0"/>
+              <a:rPr lang="en-US" dirty="0" err="1"/>
               <a:t>JetMassSoftDrop</a:t>
             </a:r>
             <a:r>
-              <a:rPr lang="en-US" dirty="0" smtClean="0"/>
+              <a:rPr lang="en-US" dirty="0"/>
               <a:t> (double fill)</a:t>
             </a:r>
             <a:endParaRPr lang="en-GB" dirty="0"/>
@@ -14668,10 +15488,9 @@
           <a:lstStyle/>
           <a:p>
             <a:r>
-              <a:rPr lang="en-US" smtClean="0"/>
+              <a:rPr lang="en-US"/>
               <a:t>9/5/2019</a:t>
             </a:r>
-            <a:endParaRPr lang="en-US"/>
           </a:p>
         </p:txBody>
       </p:sp>
@@ -14788,15 +15607,15 @@
           <a:lstStyle/>
           <a:p>
             <a:r>
-              <a:rPr lang="en-US" dirty="0" smtClean="0"/>
+              <a:rPr lang="en-US" dirty="0"/>
               <a:t>Expected Yields vs </a:t>
             </a:r>
             <a:r>
-              <a:rPr lang="en-US" dirty="0" err="1" smtClean="0"/>
+              <a:rPr lang="en-US" dirty="0" err="1"/>
               <a:t>JetMassSoftDrop</a:t>
             </a:r>
             <a:r>
-              <a:rPr lang="en-US" dirty="0" smtClean="0"/>
+              <a:rPr lang="en-US" dirty="0"/>
               <a:t> (double fill)</a:t>
             </a:r>
             <a:endParaRPr lang="en-GB" dirty="0"/>
@@ -14885,10 +15704,9 @@
           <a:lstStyle/>
           <a:p>
             <a:r>
-              <a:rPr lang="en-US" smtClean="0"/>
+              <a:rPr lang="en-US"/>
               <a:t>9/5/2019</a:t>
             </a:r>
-            <a:endParaRPr lang="en-US"/>
           </a:p>
         </p:txBody>
       </p:sp>
@@ -15005,15 +15823,15 @@
           <a:lstStyle/>
           <a:p>
             <a:r>
-              <a:rPr lang="en-US" dirty="0" smtClean="0"/>
+              <a:rPr lang="en-US" dirty="0"/>
               <a:t>Expected Yields vs </a:t>
             </a:r>
             <a:r>
-              <a:rPr lang="en-US" dirty="0" err="1" smtClean="0"/>
+              <a:rPr lang="en-US" dirty="0" err="1"/>
               <a:t>JetMassSoftDrop</a:t>
             </a:r>
             <a:r>
-              <a:rPr lang="en-US" dirty="0" smtClean="0"/>
+              <a:rPr lang="en-US" dirty="0"/>
               <a:t> (double fill)</a:t>
             </a:r>
             <a:endParaRPr lang="en-GB" dirty="0"/>
@@ -15102,10 +15920,9 @@
           <a:lstStyle/>
           <a:p>
             <a:r>
-              <a:rPr lang="en-US" smtClean="0"/>
+              <a:rPr lang="en-US"/>
               <a:t>9/5/2019</a:t>
             </a:r>
-            <a:endParaRPr lang="en-US"/>
           </a:p>
         </p:txBody>
       </p:sp>
@@ -15222,15 +16039,15 @@
           <a:lstStyle/>
           <a:p>
             <a:r>
-              <a:rPr lang="en-US" dirty="0" smtClean="0"/>
+              <a:rPr lang="en-US" dirty="0"/>
               <a:t>Expected Yields vs </a:t>
             </a:r>
             <a:r>
-              <a:rPr lang="en-US" dirty="0" err="1" smtClean="0"/>
+              <a:rPr lang="en-US" dirty="0" err="1"/>
               <a:t>JetMassSoftDrop</a:t>
             </a:r>
             <a:r>
-              <a:rPr lang="en-US" dirty="0" smtClean="0"/>
+              <a:rPr lang="en-US" dirty="0"/>
               <a:t> (double fill)</a:t>
             </a:r>
             <a:endParaRPr lang="en-GB" dirty="0"/>
@@ -15319,10 +16136,9 @@
           <a:lstStyle/>
           <a:p>
             <a:r>
-              <a:rPr lang="en-US" smtClean="0"/>
+              <a:rPr lang="en-US"/>
               <a:t>9/5/2019</a:t>
             </a:r>
-            <a:endParaRPr lang="en-US"/>
           </a:p>
         </p:txBody>
       </p:sp>
@@ -15439,15 +16255,15 @@
           <a:lstStyle/>
           <a:p>
             <a:r>
-              <a:rPr lang="en-US" dirty="0" smtClean="0"/>
+              <a:rPr lang="en-US" dirty="0"/>
               <a:t>Expected Yields vs </a:t>
             </a:r>
             <a:r>
-              <a:rPr lang="en-US" dirty="0" err="1" smtClean="0"/>
+              <a:rPr lang="en-US" dirty="0" err="1"/>
               <a:t>JetMassSoftDrop</a:t>
             </a:r>
             <a:r>
-              <a:rPr lang="en-US" dirty="0" smtClean="0"/>
+              <a:rPr lang="en-US" dirty="0"/>
               <a:t> (double fill)</a:t>
             </a:r>
             <a:endParaRPr lang="en-GB" dirty="0"/>
@@ -15536,10 +16352,9 @@
           <a:lstStyle/>
           <a:p>
             <a:r>
-              <a:rPr lang="en-US" smtClean="0"/>
+              <a:rPr lang="en-US"/>
               <a:t>9/5/2019</a:t>
             </a:r>
-            <a:endParaRPr lang="en-US"/>
           </a:p>
         </p:txBody>
       </p:sp>
@@ -15656,15 +16471,15 @@
           <a:lstStyle/>
           <a:p>
             <a:r>
-              <a:rPr lang="en-US" dirty="0" smtClean="0"/>
+              <a:rPr lang="en-US" dirty="0"/>
               <a:t>Expected Yields vs </a:t>
             </a:r>
             <a:r>
-              <a:rPr lang="en-US" dirty="0" err="1" smtClean="0"/>
+              <a:rPr lang="en-US" dirty="0" err="1"/>
               <a:t>JetMassSoftDrop</a:t>
             </a:r>
             <a:r>
-              <a:rPr lang="en-US" dirty="0" smtClean="0"/>
+              <a:rPr lang="en-US" dirty="0"/>
               <a:t> (double fill)</a:t>
             </a:r>
             <a:endParaRPr lang="en-GB" dirty="0"/>
@@ -15753,10 +16568,9 @@
           <a:lstStyle/>
           <a:p>
             <a:r>
-              <a:rPr lang="en-US" smtClean="0"/>
+              <a:rPr lang="en-US"/>
               <a:t>9/5/2019</a:t>
             </a:r>
-            <a:endParaRPr lang="en-US"/>
           </a:p>
         </p:txBody>
       </p:sp>
@@ -15873,15 +16687,15 @@
           <a:lstStyle/>
           <a:p>
             <a:r>
-              <a:rPr lang="en-US" dirty="0" smtClean="0"/>
+              <a:rPr lang="en-US" dirty="0"/>
               <a:t>Expected Yields vs </a:t>
             </a:r>
             <a:r>
-              <a:rPr lang="en-US" dirty="0" err="1" smtClean="0"/>
+              <a:rPr lang="en-US" dirty="0" err="1"/>
               <a:t>JetMassSoftDrop</a:t>
             </a:r>
             <a:r>
-              <a:rPr lang="en-US" dirty="0" smtClean="0"/>
+              <a:rPr lang="en-US" dirty="0"/>
               <a:t> (double fill)</a:t>
             </a:r>
             <a:endParaRPr lang="en-GB" dirty="0"/>
@@ -15970,10 +16784,9 @@
           <a:lstStyle/>
           <a:p>
             <a:r>
-              <a:rPr lang="en-US" smtClean="0"/>
+              <a:rPr lang="en-US"/>
               <a:t>9/5/2019</a:t>
             </a:r>
-            <a:endParaRPr lang="en-US"/>
           </a:p>
         </p:txBody>
       </p:sp>
@@ -16090,15 +16903,15 @@
           <a:lstStyle/>
           <a:p>
             <a:r>
-              <a:rPr lang="en-US" dirty="0" smtClean="0"/>
+              <a:rPr lang="en-US" dirty="0"/>
               <a:t>Expected Yields vs </a:t>
             </a:r>
             <a:r>
-              <a:rPr lang="en-US" dirty="0" err="1" smtClean="0"/>
+              <a:rPr lang="en-US" dirty="0" err="1"/>
               <a:t>JetMassSoftDrop</a:t>
             </a:r>
             <a:r>
-              <a:rPr lang="en-US" dirty="0" smtClean="0"/>
+              <a:rPr lang="en-US" dirty="0"/>
               <a:t> (double fill)</a:t>
             </a:r>
             <a:endParaRPr lang="en-GB" dirty="0"/>
@@ -16187,10 +17000,9 @@
           <a:lstStyle/>
           <a:p>
             <a:r>
-              <a:rPr lang="en-US" smtClean="0"/>
+              <a:rPr lang="en-US"/>
               <a:t>9/5/2019</a:t>
             </a:r>
-            <a:endParaRPr lang="en-US"/>
           </a:p>
         </p:txBody>
       </p:sp>
@@ -16307,15 +17119,15 @@
           <a:lstStyle/>
           <a:p>
             <a:r>
-              <a:rPr lang="en-US" dirty="0" smtClean="0"/>
+              <a:rPr lang="en-US" dirty="0"/>
               <a:t>Expected Yields vs </a:t>
             </a:r>
             <a:r>
-              <a:rPr lang="en-US" dirty="0" err="1" smtClean="0"/>
+              <a:rPr lang="en-US" dirty="0" err="1"/>
               <a:t>JetMassSoftDrop</a:t>
             </a:r>
             <a:r>
-              <a:rPr lang="en-US" dirty="0" smtClean="0"/>
+              <a:rPr lang="en-US" dirty="0"/>
               <a:t> (double fill)</a:t>
             </a:r>
             <a:endParaRPr lang="en-GB" dirty="0"/>
@@ -16398,10 +17210,9 @@
           <a:lstStyle/>
           <a:p>
             <a:r>
-              <a:rPr lang="en-US" smtClean="0"/>
+              <a:rPr lang="en-US"/>
               <a:t>9/5/2019</a:t>
             </a:r>
-            <a:endParaRPr lang="en-US"/>
           </a:p>
         </p:txBody>
       </p:sp>
@@ -16502,13 +17313,8 @@
             </a:r>
             <a:r>
               <a:rPr lang="en-GB" dirty="0"/>
-              <a:t>: </a:t>
-            </a:r>
-            <a:r>
-              <a:rPr lang="en-GB" dirty="0" smtClean="0"/>
-              <a:t>0.1</a:t>
-            </a:r>
-            <a:endParaRPr lang="en-GB" dirty="0"/>
+              <a:t>: 0.1</a:t>
+            </a:r>
           </a:p>
           <a:p>
             <a:r>
@@ -16602,6 +17408,66 @@
           </a:p>
         </p:txBody>
       </p:sp>
+      <p:pic>
+        <p:nvPicPr>
+          <p:cNvPr id="7" name="Picture 6">
+            <a:extLst>
+              <a:ext uri="{FF2B5EF4-FFF2-40B4-BE49-F238E27FC236}">
+                <a16:creationId xmlns:a16="http://schemas.microsoft.com/office/drawing/2014/main" id="{A5615ACB-A26A-B84E-A082-2C7A09FCDC20}"/>
+              </a:ext>
+            </a:extLst>
+          </p:cNvPr>
+          <p:cNvPicPr>
+            <a:picLocks noChangeAspect="1"/>
+          </p:cNvPicPr>
+          <p:nvPr/>
+        </p:nvPicPr>
+        <p:blipFill>
+          <a:blip r:embed="rId2"/>
+          <a:stretch>
+            <a:fillRect/>
+          </a:stretch>
+        </p:blipFill>
+        <p:spPr>
+          <a:xfrm>
+            <a:off x="3906762" y="0"/>
+            <a:ext cx="4378476" cy="6858000"/>
+          </a:xfrm>
+          <a:prstGeom prst="rect">
+            <a:avLst/>
+          </a:prstGeom>
+        </p:spPr>
+      </p:pic>
+      <p:pic>
+        <p:nvPicPr>
+          <p:cNvPr id="12" name="Picture 11">
+            <a:extLst>
+              <a:ext uri="{FF2B5EF4-FFF2-40B4-BE49-F238E27FC236}">
+                <a16:creationId xmlns:a16="http://schemas.microsoft.com/office/drawing/2014/main" id="{AA152345-6799-9B46-992E-DC25A05974D2}"/>
+              </a:ext>
+            </a:extLst>
+          </p:cNvPr>
+          <p:cNvPicPr>
+            <a:picLocks noChangeAspect="1"/>
+          </p:cNvPicPr>
+          <p:nvPr/>
+        </p:nvPicPr>
+        <p:blipFill>
+          <a:blip r:embed="rId3"/>
+          <a:stretch>
+            <a:fillRect/>
+          </a:stretch>
+        </p:blipFill>
+        <p:spPr>
+          <a:xfrm>
+            <a:off x="4736904" y="33090"/>
+            <a:ext cx="4378476" cy="6858000"/>
+          </a:xfrm>
+          <a:prstGeom prst="rect">
+            <a:avLst/>
+          </a:prstGeom>
+        </p:spPr>
+      </p:pic>
     </p:spTree>
     <p:extLst>
       <p:ext uri="{BB962C8B-B14F-4D97-AF65-F5344CB8AC3E}">
@@ -16654,10 +17520,9 @@
           <a:lstStyle/>
           <a:p>
             <a:r>
-              <a:rPr lang="en-US" smtClean="0"/>
+              <a:rPr lang="en-US"/>
               <a:t>9/5/2019</a:t>
             </a:r>
-            <a:endParaRPr lang="en-US"/>
           </a:p>
         </p:txBody>
       </p:sp>
@@ -16774,15 +17639,15 @@
           <a:lstStyle/>
           <a:p>
             <a:r>
-              <a:rPr lang="en-US" dirty="0" smtClean="0"/>
+              <a:rPr lang="en-US" dirty="0"/>
               <a:t>Expected Yields vs </a:t>
             </a:r>
             <a:r>
-              <a:rPr lang="en-US" dirty="0" err="1" smtClean="0"/>
+              <a:rPr lang="en-US" dirty="0" err="1"/>
               <a:t>JetMassSoftDrop</a:t>
             </a:r>
             <a:r>
-              <a:rPr lang="en-US" dirty="0" smtClean="0"/>
+              <a:rPr lang="en-US" dirty="0"/>
               <a:t> (double fill)</a:t>
             </a:r>
             <a:endParaRPr lang="en-GB" dirty="0"/>
@@ -16871,10 +17736,9 @@
           <a:lstStyle/>
           <a:p>
             <a:r>
-              <a:rPr lang="en-US" smtClean="0"/>
+              <a:rPr lang="en-US"/>
               <a:t>9/5/2019</a:t>
             </a:r>
-            <a:endParaRPr lang="en-US"/>
           </a:p>
         </p:txBody>
       </p:sp>
@@ -16991,15 +17855,15 @@
           <a:lstStyle/>
           <a:p>
             <a:r>
-              <a:rPr lang="en-US" dirty="0" smtClean="0"/>
+              <a:rPr lang="en-US" dirty="0"/>
               <a:t>Expected Yields vs </a:t>
             </a:r>
             <a:r>
-              <a:rPr lang="en-US" dirty="0" err="1" smtClean="0"/>
+              <a:rPr lang="en-US" dirty="0" err="1"/>
               <a:t>JetMassSoftDrop</a:t>
             </a:r>
             <a:r>
-              <a:rPr lang="en-US" dirty="0" smtClean="0"/>
+              <a:rPr lang="en-US" dirty="0"/>
               <a:t> (double fill)</a:t>
             </a:r>
             <a:endParaRPr lang="en-GB" dirty="0"/>
@@ -17088,10 +17952,9 @@
           <a:lstStyle/>
           <a:p>
             <a:r>
-              <a:rPr lang="en-US" smtClean="0"/>
+              <a:rPr lang="en-US"/>
               <a:t>9/5/2019</a:t>
             </a:r>
-            <a:endParaRPr lang="en-US"/>
           </a:p>
         </p:txBody>
       </p:sp>
@@ -17208,15 +18071,15 @@
           <a:lstStyle/>
           <a:p>
             <a:r>
-              <a:rPr lang="en-US" dirty="0" smtClean="0"/>
+              <a:rPr lang="en-US" dirty="0"/>
               <a:t>Expected Yields vs </a:t>
             </a:r>
             <a:r>
-              <a:rPr lang="en-US" dirty="0" err="1" smtClean="0"/>
+              <a:rPr lang="en-US" dirty="0" err="1"/>
               <a:t>JetMassSoftDrop</a:t>
             </a:r>
             <a:r>
-              <a:rPr lang="en-US" dirty="0" smtClean="0"/>
+              <a:rPr lang="en-US" dirty="0"/>
               <a:t> (double fill)</a:t>
             </a:r>
             <a:endParaRPr lang="en-GB" dirty="0"/>
@@ -17299,10 +18162,9 @@
           <a:lstStyle/>
           <a:p>
             <a:r>
-              <a:rPr lang="en-US" smtClean="0"/>
+              <a:rPr lang="en-US"/>
               <a:t>9/5/2019</a:t>
             </a:r>
-            <a:endParaRPr lang="en-US"/>
           </a:p>
         </p:txBody>
       </p:sp>
@@ -17403,13 +18265,8 @@
             </a:r>
             <a:r>
               <a:rPr lang="en-GB" dirty="0"/>
-              <a:t>: </a:t>
-            </a:r>
-            <a:r>
-              <a:rPr lang="en-GB" dirty="0" smtClean="0"/>
-              <a:t>0.2</a:t>
-            </a:r>
-            <a:endParaRPr lang="en-GB" dirty="0"/>
+              <a:t>: 0.2</a:t>
+            </a:r>
           </a:p>
           <a:p>
             <a:r>
@@ -17503,6 +18360,66 @@
           </a:p>
         </p:txBody>
       </p:sp>
+      <p:pic>
+        <p:nvPicPr>
+          <p:cNvPr id="7" name="Picture 6">
+            <a:extLst>
+              <a:ext uri="{FF2B5EF4-FFF2-40B4-BE49-F238E27FC236}">
+                <a16:creationId xmlns:a16="http://schemas.microsoft.com/office/drawing/2014/main" id="{1EF6B74F-49EA-A248-A132-1BEAF592ED9A}"/>
+              </a:ext>
+            </a:extLst>
+          </p:cNvPr>
+          <p:cNvPicPr>
+            <a:picLocks noChangeAspect="1"/>
+          </p:cNvPicPr>
+          <p:nvPr/>
+        </p:nvPicPr>
+        <p:blipFill>
+          <a:blip r:embed="rId2"/>
+          <a:stretch>
+            <a:fillRect/>
+          </a:stretch>
+        </p:blipFill>
+        <p:spPr>
+          <a:xfrm>
+            <a:off x="3906762" y="0"/>
+            <a:ext cx="4378476" cy="6858000"/>
+          </a:xfrm>
+          <a:prstGeom prst="rect">
+            <a:avLst/>
+          </a:prstGeom>
+        </p:spPr>
+      </p:pic>
+      <p:pic>
+        <p:nvPicPr>
+          <p:cNvPr id="12" name="Picture 11">
+            <a:extLst>
+              <a:ext uri="{FF2B5EF4-FFF2-40B4-BE49-F238E27FC236}">
+                <a16:creationId xmlns:a16="http://schemas.microsoft.com/office/drawing/2014/main" id="{C4F5DA0A-1D3B-F349-818D-AF0EA2E59168}"/>
+              </a:ext>
+            </a:extLst>
+          </p:cNvPr>
+          <p:cNvPicPr>
+            <a:picLocks noChangeAspect="1"/>
+          </p:cNvPicPr>
+          <p:nvPr/>
+        </p:nvPicPr>
+        <p:blipFill>
+          <a:blip r:embed="rId3"/>
+          <a:stretch>
+            <a:fillRect/>
+          </a:stretch>
+        </p:blipFill>
+        <p:spPr>
+          <a:xfrm>
+            <a:off x="3395212" y="-302849"/>
+            <a:ext cx="4378476" cy="6858000"/>
+          </a:xfrm>
+          <a:prstGeom prst="rect">
+            <a:avLst/>
+          </a:prstGeom>
+        </p:spPr>
+      </p:pic>
     </p:spTree>
     <p:extLst>
       <p:ext uri="{BB962C8B-B14F-4D97-AF65-F5344CB8AC3E}">
@@ -17549,10 +18466,9 @@
           <a:lstStyle/>
           <a:p>
             <a:r>
-              <a:rPr lang="en-US" smtClean="0"/>
+              <a:rPr lang="en-US"/>
               <a:t>9/5/2019</a:t>
             </a:r>
-            <a:endParaRPr lang="en-US"/>
           </a:p>
         </p:txBody>
       </p:sp>
@@ -17653,13 +18569,8 @@
             </a:r>
             <a:r>
               <a:rPr lang="en-GB" dirty="0"/>
-              <a:t>: </a:t>
-            </a:r>
-            <a:r>
-              <a:rPr lang="en-GB" dirty="0" smtClean="0"/>
-              <a:t>0.3</a:t>
-            </a:r>
-            <a:endParaRPr lang="en-GB" dirty="0"/>
+              <a:t>: 0.3</a:t>
+            </a:r>
           </a:p>
           <a:p>
             <a:r>
@@ -17753,6 +18664,66 @@
           </a:p>
         </p:txBody>
       </p:sp>
+      <p:pic>
+        <p:nvPicPr>
+          <p:cNvPr id="7" name="Picture 6">
+            <a:extLst>
+              <a:ext uri="{FF2B5EF4-FFF2-40B4-BE49-F238E27FC236}">
+                <a16:creationId xmlns:a16="http://schemas.microsoft.com/office/drawing/2014/main" id="{DD83DFBF-203A-B74A-A388-7F33B39C47F4}"/>
+              </a:ext>
+            </a:extLst>
+          </p:cNvPr>
+          <p:cNvPicPr>
+            <a:picLocks noChangeAspect="1"/>
+          </p:cNvPicPr>
+          <p:nvPr/>
+        </p:nvPicPr>
+        <p:blipFill>
+          <a:blip r:embed="rId2"/>
+          <a:stretch>
+            <a:fillRect/>
+          </a:stretch>
+        </p:blipFill>
+        <p:spPr>
+          <a:xfrm>
+            <a:off x="3906762" y="0"/>
+            <a:ext cx="4378476" cy="6858000"/>
+          </a:xfrm>
+          <a:prstGeom prst="rect">
+            <a:avLst/>
+          </a:prstGeom>
+        </p:spPr>
+      </p:pic>
+      <p:pic>
+        <p:nvPicPr>
+          <p:cNvPr id="12" name="Picture 11">
+            <a:extLst>
+              <a:ext uri="{FF2B5EF4-FFF2-40B4-BE49-F238E27FC236}">
+                <a16:creationId xmlns:a16="http://schemas.microsoft.com/office/drawing/2014/main" id="{A3957916-89D7-B140-9411-9DC9A8018559}"/>
+              </a:ext>
+            </a:extLst>
+          </p:cNvPr>
+          <p:cNvPicPr>
+            <a:picLocks noChangeAspect="1"/>
+          </p:cNvPicPr>
+          <p:nvPr/>
+        </p:nvPicPr>
+        <p:blipFill>
+          <a:blip r:embed="rId3"/>
+          <a:stretch>
+            <a:fillRect/>
+          </a:stretch>
+        </p:blipFill>
+        <p:spPr>
+          <a:xfrm>
+            <a:off x="868763" y="0"/>
+            <a:ext cx="4378476" cy="6858000"/>
+          </a:xfrm>
+          <a:prstGeom prst="rect">
+            <a:avLst/>
+          </a:prstGeom>
+        </p:spPr>
+      </p:pic>
     </p:spTree>
     <p:extLst>
       <p:ext uri="{BB962C8B-B14F-4D97-AF65-F5344CB8AC3E}">
@@ -17799,10 +18770,9 @@
           <a:lstStyle/>
           <a:p>
             <a:r>
-              <a:rPr lang="en-US" smtClean="0"/>
+              <a:rPr lang="en-US"/>
               <a:t>9/5/2019</a:t>
             </a:r>
-            <a:endParaRPr lang="en-US"/>
           </a:p>
         </p:txBody>
       </p:sp>
@@ -17903,13 +18873,8 @@
             </a:r>
             <a:r>
               <a:rPr lang="en-GB" dirty="0"/>
-              <a:t>: </a:t>
-            </a:r>
-            <a:r>
-              <a:rPr lang="en-GB" dirty="0" smtClean="0"/>
-              <a:t>0.4</a:t>
-            </a:r>
-            <a:endParaRPr lang="en-GB" dirty="0"/>
+              <a:t>: 0.4</a:t>
+            </a:r>
           </a:p>
           <a:p>
             <a:r>
@@ -18003,6 +18968,66 @@
           </a:p>
         </p:txBody>
       </p:sp>
+      <p:pic>
+        <p:nvPicPr>
+          <p:cNvPr id="7" name="Picture 6">
+            <a:extLst>
+              <a:ext uri="{FF2B5EF4-FFF2-40B4-BE49-F238E27FC236}">
+                <a16:creationId xmlns:a16="http://schemas.microsoft.com/office/drawing/2014/main" id="{B9203B54-596D-FF47-A71C-09ED4E692CAA}"/>
+              </a:ext>
+            </a:extLst>
+          </p:cNvPr>
+          <p:cNvPicPr>
+            <a:picLocks noChangeAspect="1"/>
+          </p:cNvPicPr>
+          <p:nvPr/>
+        </p:nvPicPr>
+        <p:blipFill>
+          <a:blip r:embed="rId2"/>
+          <a:stretch>
+            <a:fillRect/>
+          </a:stretch>
+        </p:blipFill>
+        <p:spPr>
+          <a:xfrm>
+            <a:off x="3906762" y="0"/>
+            <a:ext cx="4378476" cy="6858000"/>
+          </a:xfrm>
+          <a:prstGeom prst="rect">
+            <a:avLst/>
+          </a:prstGeom>
+        </p:spPr>
+      </p:pic>
+      <p:pic>
+        <p:nvPicPr>
+          <p:cNvPr id="12" name="Picture 11">
+            <a:extLst>
+              <a:ext uri="{FF2B5EF4-FFF2-40B4-BE49-F238E27FC236}">
+                <a16:creationId xmlns:a16="http://schemas.microsoft.com/office/drawing/2014/main" id="{90587709-0018-D545-B30F-F2D80DA72076}"/>
+              </a:ext>
+            </a:extLst>
+          </p:cNvPr>
+          <p:cNvPicPr>
+            <a:picLocks noChangeAspect="1"/>
+          </p:cNvPicPr>
+          <p:nvPr/>
+        </p:nvPicPr>
+        <p:blipFill>
+          <a:blip r:embed="rId3"/>
+          <a:stretch>
+            <a:fillRect/>
+          </a:stretch>
+        </p:blipFill>
+        <p:spPr>
+          <a:xfrm>
+            <a:off x="1911329" y="-302849"/>
+            <a:ext cx="4378476" cy="6858000"/>
+          </a:xfrm>
+          <a:prstGeom prst="rect">
+            <a:avLst/>
+          </a:prstGeom>
+        </p:spPr>
+      </p:pic>
     </p:spTree>
     <p:extLst>
       <p:ext uri="{BB962C8B-B14F-4D97-AF65-F5344CB8AC3E}">
@@ -18049,10 +19074,9 @@
           <a:lstStyle/>
           <a:p>
             <a:r>
-              <a:rPr lang="en-US" smtClean="0"/>
+              <a:rPr lang="en-US"/>
               <a:t>9/5/2019</a:t>
             </a:r>
-            <a:endParaRPr lang="en-US"/>
           </a:p>
         </p:txBody>
       </p:sp>
@@ -18153,13 +19177,8 @@
             </a:r>
             <a:r>
               <a:rPr lang="en-GB" dirty="0"/>
-              <a:t>: </a:t>
-            </a:r>
-            <a:r>
-              <a:rPr lang="en-GB" dirty="0" smtClean="0"/>
-              <a:t>0.6 </a:t>
-            </a:r>
-            <a:endParaRPr lang="en-GB" dirty="0"/>
+              <a:t>: 0.6 </a:t>
+            </a:r>
           </a:p>
           <a:p>
             <a:r>

--- a/Documents for Progress/StatusReport_Eff_SignalOverBkg_AllMVA_allbtag_09_05_19.pptx
+++ b/Documents for Progress/StatusReport_Eff_SignalOverBkg_AllMVA_allbtag_09_05_19.pptx
@@ -5,7 +5,7 @@
     <p:sldMasterId id="2147483875" r:id="rId1"/>
   </p:sldMasterIdLst>
   <p:notesMasterIdLst>
-    <p:notesMasterId r:id="rId54"/>
+    <p:notesMasterId r:id="rId53"/>
   </p:notesMasterIdLst>
   <p:sldIdLst>
     <p:sldId id="256" r:id="rId2"/>
@@ -16,50 +16,49 @@
     <p:sldId id="303" r:id="rId7"/>
     <p:sldId id="304" r:id="rId8"/>
     <p:sldId id="305" r:id="rId9"/>
-    <p:sldId id="301" r:id="rId10"/>
-    <p:sldId id="302" r:id="rId11"/>
-    <p:sldId id="271" r:id="rId12"/>
-    <p:sldId id="272" r:id="rId13"/>
-    <p:sldId id="273" r:id="rId14"/>
-    <p:sldId id="307" r:id="rId15"/>
-    <p:sldId id="308" r:id="rId16"/>
-    <p:sldId id="309" r:id="rId17"/>
-    <p:sldId id="310" r:id="rId18"/>
-    <p:sldId id="306" r:id="rId19"/>
-    <p:sldId id="274" r:id="rId20"/>
-    <p:sldId id="275" r:id="rId21"/>
-    <p:sldId id="288" r:id="rId22"/>
-    <p:sldId id="322" r:id="rId23"/>
-    <p:sldId id="323" r:id="rId24"/>
-    <p:sldId id="324" r:id="rId25"/>
-    <p:sldId id="332" r:id="rId26"/>
-    <p:sldId id="321" r:id="rId27"/>
-    <p:sldId id="278" r:id="rId28"/>
-    <p:sldId id="279" r:id="rId29"/>
-    <p:sldId id="280" r:id="rId30"/>
-    <p:sldId id="328" r:id="rId31"/>
-    <p:sldId id="329" r:id="rId32"/>
-    <p:sldId id="330" r:id="rId33"/>
-    <p:sldId id="331" r:id="rId34"/>
-    <p:sldId id="327" r:id="rId35"/>
-    <p:sldId id="281" r:id="rId36"/>
-    <p:sldId id="282" r:id="rId37"/>
-    <p:sldId id="294" r:id="rId38"/>
-    <p:sldId id="312" r:id="rId39"/>
-    <p:sldId id="313" r:id="rId40"/>
-    <p:sldId id="314" r:id="rId41"/>
-    <p:sldId id="315" r:id="rId42"/>
-    <p:sldId id="311" r:id="rId43"/>
-    <p:sldId id="295" r:id="rId44"/>
-    <p:sldId id="296" r:id="rId45"/>
-    <p:sldId id="297" r:id="rId46"/>
-    <p:sldId id="317" r:id="rId47"/>
-    <p:sldId id="318" r:id="rId48"/>
-    <p:sldId id="319" r:id="rId49"/>
-    <p:sldId id="320" r:id="rId50"/>
-    <p:sldId id="316" r:id="rId51"/>
-    <p:sldId id="298" r:id="rId52"/>
-    <p:sldId id="299" r:id="rId53"/>
+    <p:sldId id="302" r:id="rId10"/>
+    <p:sldId id="271" r:id="rId11"/>
+    <p:sldId id="272" r:id="rId12"/>
+    <p:sldId id="273" r:id="rId13"/>
+    <p:sldId id="307" r:id="rId14"/>
+    <p:sldId id="308" r:id="rId15"/>
+    <p:sldId id="309" r:id="rId16"/>
+    <p:sldId id="310" r:id="rId17"/>
+    <p:sldId id="306" r:id="rId18"/>
+    <p:sldId id="274" r:id="rId19"/>
+    <p:sldId id="275" r:id="rId20"/>
+    <p:sldId id="288" r:id="rId21"/>
+    <p:sldId id="322" r:id="rId22"/>
+    <p:sldId id="323" r:id="rId23"/>
+    <p:sldId id="324" r:id="rId24"/>
+    <p:sldId id="332" r:id="rId25"/>
+    <p:sldId id="321" r:id="rId26"/>
+    <p:sldId id="278" r:id="rId27"/>
+    <p:sldId id="279" r:id="rId28"/>
+    <p:sldId id="280" r:id="rId29"/>
+    <p:sldId id="328" r:id="rId30"/>
+    <p:sldId id="329" r:id="rId31"/>
+    <p:sldId id="330" r:id="rId32"/>
+    <p:sldId id="331" r:id="rId33"/>
+    <p:sldId id="327" r:id="rId34"/>
+    <p:sldId id="281" r:id="rId35"/>
+    <p:sldId id="282" r:id="rId36"/>
+    <p:sldId id="294" r:id="rId37"/>
+    <p:sldId id="312" r:id="rId38"/>
+    <p:sldId id="313" r:id="rId39"/>
+    <p:sldId id="314" r:id="rId40"/>
+    <p:sldId id="315" r:id="rId41"/>
+    <p:sldId id="311" r:id="rId42"/>
+    <p:sldId id="295" r:id="rId43"/>
+    <p:sldId id="296" r:id="rId44"/>
+    <p:sldId id="297" r:id="rId45"/>
+    <p:sldId id="317" r:id="rId46"/>
+    <p:sldId id="318" r:id="rId47"/>
+    <p:sldId id="319" r:id="rId48"/>
+    <p:sldId id="320" r:id="rId49"/>
+    <p:sldId id="316" r:id="rId50"/>
+    <p:sldId id="298" r:id="rId51"/>
+    <p:sldId id="299" r:id="rId52"/>
   </p:sldIdLst>
   <p:sldSz cx="12192000" cy="6858000"/>
   <p:notesSz cx="6858000" cy="9144000"/>
@@ -4373,9 +4372,17 @@
               <a:rPr lang="en-US" sz="4200" dirty="0"/>
               <a:t> for several selection Categories</a:t>
             </a:r>
+            <a:r>
+              <a:rPr lang="en-US" sz="4500" dirty="0"/>
+              <a:t/>
+            </a:r>
             <a:br>
               <a:rPr lang="en-US" sz="4500" dirty="0"/>
             </a:br>
+            <a:r>
+              <a:rPr lang="en-US" sz="4500" dirty="0"/>
+              <a:t/>
+            </a:r>
             <a:br>
               <a:rPr lang="en-US" sz="4500" dirty="0"/>
             </a:br>
@@ -4655,7 +4662,7 @@
             </a:r>
             <a:r>
               <a:rPr lang="en-GB" dirty="0"/>
-              <a:t>: 0.6 </a:t>
+              <a:t>: 0.7 </a:t>
             </a:r>
           </a:p>
           <a:p>
@@ -4729,7 +4736,7 @@
       </p:sp>
       <p:sp>
         <p:nvSpPr>
-          <p:cNvPr id="4" name="Slide Number Placeholder 3"/>
+          <p:cNvPr id="7" name="Slide Number Placeholder 6"/>
           <p:cNvSpPr>
             <a:spLocks noGrp="1"/>
           </p:cNvSpPr>
@@ -4752,10 +4759,10 @@
       </p:sp>
       <p:pic>
         <p:nvPicPr>
-          <p:cNvPr id="7" name="Picture 6">
+          <p:cNvPr id="10" name="Picture 9">
             <a:extLst>
               <a:ext uri="{FF2B5EF4-FFF2-40B4-BE49-F238E27FC236}">
-                <a16:creationId xmlns:a16="http://schemas.microsoft.com/office/drawing/2014/main" id="{A5F38E07-DBC2-784D-ABBE-F43955842A1F}"/>
+                <a16:creationId xmlns:a16="http://schemas.microsoft.com/office/drawing/2014/main" id="{0DD23CAA-E92E-3A48-A021-8FBC6071C65E}"/>
               </a:ext>
             </a:extLst>
           </p:cNvPr>
@@ -4772,8 +4779,8 @@
         </p:blipFill>
         <p:spPr>
           <a:xfrm>
-            <a:off x="191043" y="1280267"/>
-            <a:ext cx="6116115" cy="4467389"/>
+            <a:off x="191043" y="1361227"/>
+            <a:ext cx="6116115" cy="4414422"/>
           </a:xfrm>
           <a:prstGeom prst="rect">
             <a:avLst/>
@@ -4782,10 +4789,10 @@
       </p:pic>
       <p:pic>
         <p:nvPicPr>
-          <p:cNvPr id="12" name="Picture 11">
+          <p:cNvPr id="14" name="Picture 13">
             <a:extLst>
               <a:ext uri="{FF2B5EF4-FFF2-40B4-BE49-F238E27FC236}">
-                <a16:creationId xmlns:a16="http://schemas.microsoft.com/office/drawing/2014/main" id="{FD9CD2FD-CDA0-D947-B243-9C35F5C1A461}"/>
+                <a16:creationId xmlns:a16="http://schemas.microsoft.com/office/drawing/2014/main" id="{7D55083B-5FD9-5143-9E71-E4DD0B0097FE}"/>
               </a:ext>
             </a:extLst>
           </p:cNvPr>
@@ -4802,8 +4809,8 @@
         </p:blipFill>
         <p:spPr>
           <a:xfrm>
-            <a:off x="6057322" y="1361226"/>
-            <a:ext cx="6116115" cy="4386429"/>
+            <a:off x="5930652" y="1361226"/>
+            <a:ext cx="6116115" cy="4414423"/>
           </a:xfrm>
           <a:prstGeom prst="rect">
             <a:avLst/>
@@ -4813,7 +4820,7 @@
     </p:spTree>
     <p:extLst>
       <p:ext uri="{BB962C8B-B14F-4D97-AF65-F5344CB8AC3E}">
-        <p14:creationId xmlns:p14="http://schemas.microsoft.com/office/powerpoint/2010/main" val="2806121722"/>
+        <p14:creationId xmlns:p14="http://schemas.microsoft.com/office/powerpoint/2010/main" val="137508689"/>
       </p:ext>
     </p:extLst>
   </p:cSld>
@@ -4959,7 +4966,7 @@
             </a:r>
             <a:r>
               <a:rPr lang="en-GB" dirty="0"/>
-              <a:t>: 0.7 </a:t>
+              <a:t>: 0.8</a:t>
             </a:r>
           </a:p>
           <a:p>
@@ -5033,7 +5040,7 @@
       </p:sp>
       <p:sp>
         <p:nvSpPr>
-          <p:cNvPr id="7" name="Slide Number Placeholder 6"/>
+          <p:cNvPr id="4" name="Slide Number Placeholder 3"/>
           <p:cNvSpPr>
             <a:spLocks noGrp="1"/>
           </p:cNvSpPr>
@@ -5059,7 +5066,7 @@
           <p:cNvPr id="10" name="Picture 9">
             <a:extLst>
               <a:ext uri="{FF2B5EF4-FFF2-40B4-BE49-F238E27FC236}">
-                <a16:creationId xmlns:a16="http://schemas.microsoft.com/office/drawing/2014/main" id="{0DD23CAA-E92E-3A48-A021-8FBC6071C65E}"/>
+                <a16:creationId xmlns:a16="http://schemas.microsoft.com/office/drawing/2014/main" id="{354C45AE-123B-2A49-B4E1-2D0ECBF7EFA8}"/>
               </a:ext>
             </a:extLst>
           </p:cNvPr>
@@ -5076,8 +5083,8 @@
         </p:blipFill>
         <p:spPr>
           <a:xfrm>
-            <a:off x="191043" y="1361227"/>
-            <a:ext cx="6116115" cy="4414422"/>
+            <a:off x="45810" y="1374420"/>
+            <a:ext cx="6116115" cy="4503866"/>
           </a:xfrm>
           <a:prstGeom prst="rect">
             <a:avLst/>
@@ -5089,7 +5096,7 @@
           <p:cNvPr id="14" name="Picture 13">
             <a:extLst>
               <a:ext uri="{FF2B5EF4-FFF2-40B4-BE49-F238E27FC236}">
-                <a16:creationId xmlns:a16="http://schemas.microsoft.com/office/drawing/2014/main" id="{7D55083B-5FD9-5143-9E71-E4DD0B0097FE}"/>
+                <a16:creationId xmlns:a16="http://schemas.microsoft.com/office/drawing/2014/main" id="{CA380506-A637-B941-8B82-30D20248937A}"/>
               </a:ext>
             </a:extLst>
           </p:cNvPr>
@@ -5106,8 +5113,8 @@
         </p:blipFill>
         <p:spPr>
           <a:xfrm>
-            <a:off x="5930652" y="1361226"/>
-            <a:ext cx="6116115" cy="4414423"/>
+            <a:off x="6046708" y="1374420"/>
+            <a:ext cx="6116115" cy="4503866"/>
           </a:xfrm>
           <a:prstGeom prst="rect">
             <a:avLst/>
@@ -5117,7 +5124,7 @@
     </p:spTree>
     <p:extLst>
       <p:ext uri="{BB962C8B-B14F-4D97-AF65-F5344CB8AC3E}">
-        <p14:creationId xmlns:p14="http://schemas.microsoft.com/office/powerpoint/2010/main" val="137508689"/>
+        <p14:creationId xmlns:p14="http://schemas.microsoft.com/office/powerpoint/2010/main" val="1819420524"/>
       </p:ext>
     </p:extLst>
   </p:cSld>
@@ -5263,7 +5270,7 @@
             </a:r>
             <a:r>
               <a:rPr lang="en-GB" dirty="0"/>
-              <a:t>: 0.8</a:t>
+              <a:t>: 0.0 </a:t>
             </a:r>
           </a:p>
           <a:p>
@@ -5273,7 +5280,7 @@
             </a:r>
             <a:r>
               <a:rPr lang="en-GB" dirty="0"/>
-              <a:t>: Loose working point</a:t>
+              <a:t>: Medium working point</a:t>
             </a:r>
           </a:p>
         </p:txBody>
@@ -5337,7 +5344,7 @@
       </p:sp>
       <p:sp>
         <p:nvSpPr>
-          <p:cNvPr id="4" name="Slide Number Placeholder 3"/>
+          <p:cNvPr id="7" name="Slide Number Placeholder 6"/>
           <p:cNvSpPr>
             <a:spLocks noGrp="1"/>
           </p:cNvSpPr>
@@ -5360,10 +5367,10 @@
       </p:sp>
       <p:pic>
         <p:nvPicPr>
-          <p:cNvPr id="10" name="Picture 9">
+          <p:cNvPr id="6" name="Picture 5">
             <a:extLst>
               <a:ext uri="{FF2B5EF4-FFF2-40B4-BE49-F238E27FC236}">
-                <a16:creationId xmlns:a16="http://schemas.microsoft.com/office/drawing/2014/main" id="{354C45AE-123B-2A49-B4E1-2D0ECBF7EFA8}"/>
+                <a16:creationId xmlns:a16="http://schemas.microsoft.com/office/drawing/2014/main" id="{500C32B0-487C-B949-A06A-BDC2F4C6A4F1}"/>
               </a:ext>
             </a:extLst>
           </p:cNvPr>
@@ -5380,8 +5387,8 @@
         </p:blipFill>
         <p:spPr>
           <a:xfrm>
-            <a:off x="45810" y="1374420"/>
-            <a:ext cx="6116115" cy="4503866"/>
+            <a:off x="45810" y="1237512"/>
+            <a:ext cx="6116115" cy="4650104"/>
           </a:xfrm>
           <a:prstGeom prst="rect">
             <a:avLst/>
@@ -5390,10 +5397,10 @@
       </p:pic>
       <p:pic>
         <p:nvPicPr>
-          <p:cNvPr id="14" name="Picture 13">
+          <p:cNvPr id="12" name="Picture 11">
             <a:extLst>
               <a:ext uri="{FF2B5EF4-FFF2-40B4-BE49-F238E27FC236}">
-                <a16:creationId xmlns:a16="http://schemas.microsoft.com/office/drawing/2014/main" id="{CA380506-A637-B941-8B82-30D20248937A}"/>
+                <a16:creationId xmlns:a16="http://schemas.microsoft.com/office/drawing/2014/main" id="{51BAF088-393C-0B4C-9FB5-FD61B89A4956}"/>
               </a:ext>
             </a:extLst>
           </p:cNvPr>
@@ -5410,8 +5417,8 @@
         </p:blipFill>
         <p:spPr>
           <a:xfrm>
-            <a:off x="6046708" y="1374420"/>
-            <a:ext cx="6116115" cy="4503866"/>
+            <a:off x="6057322" y="1211126"/>
+            <a:ext cx="6116115" cy="4676489"/>
           </a:xfrm>
           <a:prstGeom prst="rect">
             <a:avLst/>
@@ -5421,7 +5428,7 @@
     </p:spTree>
     <p:extLst>
       <p:ext uri="{BB962C8B-B14F-4D97-AF65-F5344CB8AC3E}">
-        <p14:creationId xmlns:p14="http://schemas.microsoft.com/office/powerpoint/2010/main" val="1819420524"/>
+        <p14:creationId xmlns:p14="http://schemas.microsoft.com/office/powerpoint/2010/main" val="746244064"/>
       </p:ext>
     </p:extLst>
   </p:cSld>
@@ -5567,7 +5574,7 @@
             </a:r>
             <a:r>
               <a:rPr lang="en-GB" dirty="0"/>
-              <a:t>: 0.0 </a:t>
+              <a:t>: 0.1</a:t>
             </a:r>
           </a:p>
           <a:p>
@@ -5667,7 +5674,7 @@
           <p:cNvPr id="6" name="Picture 5">
             <a:extLst>
               <a:ext uri="{FF2B5EF4-FFF2-40B4-BE49-F238E27FC236}">
-                <a16:creationId xmlns:a16="http://schemas.microsoft.com/office/drawing/2014/main" id="{500C32B0-487C-B949-A06A-BDC2F4C6A4F1}"/>
+                <a16:creationId xmlns:a16="http://schemas.microsoft.com/office/drawing/2014/main" id="{8276FC04-6F35-A24D-99BF-3FA478D0B7A2}"/>
               </a:ext>
             </a:extLst>
           </p:cNvPr>
@@ -5684,8 +5691,8 @@
         </p:blipFill>
         <p:spPr>
           <a:xfrm>
-            <a:off x="914630" y="-33090"/>
-            <a:ext cx="4378476" cy="6858000"/>
+            <a:off x="83663" y="1230704"/>
+            <a:ext cx="6116115" cy="4767281"/>
           </a:xfrm>
           <a:prstGeom prst="rect">
             <a:avLst/>
@@ -5697,7 +5704,7 @@
           <p:cNvPr id="12" name="Picture 11">
             <a:extLst>
               <a:ext uri="{FF2B5EF4-FFF2-40B4-BE49-F238E27FC236}">
-                <a16:creationId xmlns:a16="http://schemas.microsoft.com/office/drawing/2014/main" id="{51BAF088-393C-0B4C-9FB5-FD61B89A4956}"/>
+                <a16:creationId xmlns:a16="http://schemas.microsoft.com/office/drawing/2014/main" id="{FDCA24FC-D6BD-254A-B87A-2003F25ABF8E}"/>
               </a:ext>
             </a:extLst>
           </p:cNvPr>
@@ -5714,8 +5721,8 @@
         </p:blipFill>
         <p:spPr>
           <a:xfrm>
-            <a:off x="3906762" y="0"/>
-            <a:ext cx="4378476" cy="6858000"/>
+            <a:off x="6097587" y="1230705"/>
+            <a:ext cx="6116115" cy="4767280"/>
           </a:xfrm>
           <a:prstGeom prst="rect">
             <a:avLst/>
@@ -5725,7 +5732,7 @@
     </p:spTree>
     <p:extLst>
       <p:ext uri="{BB962C8B-B14F-4D97-AF65-F5344CB8AC3E}">
-        <p14:creationId xmlns:p14="http://schemas.microsoft.com/office/powerpoint/2010/main" val="746244064"/>
+        <p14:creationId xmlns:p14="http://schemas.microsoft.com/office/powerpoint/2010/main" val="1076027124"/>
       </p:ext>
     </p:extLst>
   </p:cSld>
@@ -5871,7 +5878,7 @@
             </a:r>
             <a:r>
               <a:rPr lang="en-GB" dirty="0"/>
-              <a:t>: 0.1</a:t>
+              <a:t>: 0.2 </a:t>
             </a:r>
           </a:p>
           <a:p>
@@ -5971,7 +5978,7 @@
           <p:cNvPr id="6" name="Picture 5">
             <a:extLst>
               <a:ext uri="{FF2B5EF4-FFF2-40B4-BE49-F238E27FC236}">
-                <a16:creationId xmlns:a16="http://schemas.microsoft.com/office/drawing/2014/main" id="{8276FC04-6F35-A24D-99BF-3FA478D0B7A2}"/>
+                <a16:creationId xmlns:a16="http://schemas.microsoft.com/office/drawing/2014/main" id="{375C6DD5-AD84-0948-B2C9-926B1997B6EC}"/>
               </a:ext>
             </a:extLst>
           </p:cNvPr>
@@ -5988,8 +5995,8 @@
         </p:blipFill>
         <p:spPr>
           <a:xfrm>
-            <a:off x="1911329" y="0"/>
-            <a:ext cx="4378476" cy="6858000"/>
+            <a:off x="83663" y="1275378"/>
+            <a:ext cx="6116115" cy="4722607"/>
           </a:xfrm>
           <a:prstGeom prst="rect">
             <a:avLst/>
@@ -6001,7 +6008,7 @@
           <p:cNvPr id="12" name="Picture 11">
             <a:extLst>
               <a:ext uri="{FF2B5EF4-FFF2-40B4-BE49-F238E27FC236}">
-                <a16:creationId xmlns:a16="http://schemas.microsoft.com/office/drawing/2014/main" id="{FDCA24FC-D6BD-254A-B87A-2003F25ABF8E}"/>
+                <a16:creationId xmlns:a16="http://schemas.microsoft.com/office/drawing/2014/main" id="{A3F50376-2F22-D942-B0C0-4D1649C8209F}"/>
               </a:ext>
             </a:extLst>
           </p:cNvPr>
@@ -6018,8 +6025,8 @@
         </p:blipFill>
         <p:spPr>
           <a:xfrm>
-            <a:off x="3906762" y="0"/>
-            <a:ext cx="4378476" cy="6858000"/>
+            <a:off x="5930652" y="1301764"/>
+            <a:ext cx="6116115" cy="4696222"/>
           </a:xfrm>
           <a:prstGeom prst="rect">
             <a:avLst/>
@@ -6029,7 +6036,7 @@
     </p:spTree>
     <p:extLst>
       <p:ext uri="{BB962C8B-B14F-4D97-AF65-F5344CB8AC3E}">
-        <p14:creationId xmlns:p14="http://schemas.microsoft.com/office/powerpoint/2010/main" val="1076027124"/>
+        <p14:creationId xmlns:p14="http://schemas.microsoft.com/office/powerpoint/2010/main" val="3310564721"/>
       </p:ext>
     </p:extLst>
   </p:cSld>
@@ -6175,7 +6182,7 @@
             </a:r>
             <a:r>
               <a:rPr lang="en-GB" dirty="0"/>
-              <a:t>: 0.2 </a:t>
+              <a:t>: 0.3</a:t>
             </a:r>
           </a:p>
           <a:p>
@@ -6275,7 +6282,7 @@
           <p:cNvPr id="6" name="Picture 5">
             <a:extLst>
               <a:ext uri="{FF2B5EF4-FFF2-40B4-BE49-F238E27FC236}">
-                <a16:creationId xmlns:a16="http://schemas.microsoft.com/office/drawing/2014/main" id="{375C6DD5-AD84-0948-B2C9-926B1997B6EC}"/>
+                <a16:creationId xmlns:a16="http://schemas.microsoft.com/office/drawing/2014/main" id="{6C8F4AD0-C315-FD4E-9AEC-167230015B35}"/>
               </a:ext>
             </a:extLst>
           </p:cNvPr>
@@ -6292,8 +6299,8 @@
         </p:blipFill>
         <p:spPr>
           <a:xfrm>
-            <a:off x="1911329" y="-302849"/>
-            <a:ext cx="4378476" cy="6858000"/>
+            <a:off x="83663" y="1103068"/>
+            <a:ext cx="6116115" cy="4625928"/>
           </a:xfrm>
           <a:prstGeom prst="rect">
             <a:avLst/>
@@ -6305,7 +6312,7 @@
           <p:cNvPr id="12" name="Picture 11">
             <a:extLst>
               <a:ext uri="{FF2B5EF4-FFF2-40B4-BE49-F238E27FC236}">
-                <a16:creationId xmlns:a16="http://schemas.microsoft.com/office/drawing/2014/main" id="{A3F50376-2F22-D942-B0C0-4D1649C8209F}"/>
+                <a16:creationId xmlns:a16="http://schemas.microsoft.com/office/drawing/2014/main" id="{D9C5D23B-337A-0547-8C3B-F6F9585A27EC}"/>
               </a:ext>
             </a:extLst>
           </p:cNvPr>
@@ -6322,8 +6329,8 @@
         </p:blipFill>
         <p:spPr>
           <a:xfrm>
-            <a:off x="3906762" y="0"/>
-            <a:ext cx="4378476" cy="6858000"/>
+            <a:off x="5968505" y="1103068"/>
+            <a:ext cx="6116115" cy="4625928"/>
           </a:xfrm>
           <a:prstGeom prst="rect">
             <a:avLst/>
@@ -6333,7 +6340,7 @@
     </p:spTree>
     <p:extLst>
       <p:ext uri="{BB962C8B-B14F-4D97-AF65-F5344CB8AC3E}">
-        <p14:creationId xmlns:p14="http://schemas.microsoft.com/office/powerpoint/2010/main" val="3310564721"/>
+        <p14:creationId xmlns:p14="http://schemas.microsoft.com/office/powerpoint/2010/main" val="2281797635"/>
       </p:ext>
     </p:extLst>
   </p:cSld>
@@ -6479,7 +6486,7 @@
             </a:r>
             <a:r>
               <a:rPr lang="en-GB" dirty="0"/>
-              <a:t>: 0.3</a:t>
+              <a:t>: 0.4 </a:t>
             </a:r>
           </a:p>
           <a:p>
@@ -6579,7 +6586,7 @@
           <p:cNvPr id="6" name="Picture 5">
             <a:extLst>
               <a:ext uri="{FF2B5EF4-FFF2-40B4-BE49-F238E27FC236}">
-                <a16:creationId xmlns:a16="http://schemas.microsoft.com/office/drawing/2014/main" id="{6C8F4AD0-C315-FD4E-9AEC-167230015B35}"/>
+                <a16:creationId xmlns:a16="http://schemas.microsoft.com/office/drawing/2014/main" id="{7EEA96CF-B9D2-4B4E-9644-EFB16457FCC6}"/>
               </a:ext>
             </a:extLst>
           </p:cNvPr>
@@ -6596,8 +6603,8 @@
         </p:blipFill>
         <p:spPr>
           <a:xfrm>
-            <a:off x="1911329" y="-398215"/>
-            <a:ext cx="4378476" cy="6858000"/>
+            <a:off x="83663" y="1076683"/>
+            <a:ext cx="6116115" cy="4820264"/>
           </a:xfrm>
           <a:prstGeom prst="rect">
             <a:avLst/>
@@ -6609,7 +6616,7 @@
           <p:cNvPr id="12" name="Picture 11">
             <a:extLst>
               <a:ext uri="{FF2B5EF4-FFF2-40B4-BE49-F238E27FC236}">
-                <a16:creationId xmlns:a16="http://schemas.microsoft.com/office/drawing/2014/main" id="{D9C5D23B-337A-0547-8C3B-F6F9585A27EC}"/>
+                <a16:creationId xmlns:a16="http://schemas.microsoft.com/office/drawing/2014/main" id="{813655C0-EC65-FB42-A884-1DD9A5C931C7}"/>
               </a:ext>
             </a:extLst>
           </p:cNvPr>
@@ -6626,8 +6633,8 @@
         </p:blipFill>
         <p:spPr>
           <a:xfrm>
-            <a:off x="3906762" y="0"/>
-            <a:ext cx="4378476" cy="6858000"/>
+            <a:off x="5930652" y="1103067"/>
+            <a:ext cx="6116115" cy="4793879"/>
           </a:xfrm>
           <a:prstGeom prst="rect">
             <a:avLst/>
@@ -6637,7 +6644,7 @@
     </p:spTree>
     <p:extLst>
       <p:ext uri="{BB962C8B-B14F-4D97-AF65-F5344CB8AC3E}">
-        <p14:creationId xmlns:p14="http://schemas.microsoft.com/office/powerpoint/2010/main" val="2281797635"/>
+        <p14:creationId xmlns:p14="http://schemas.microsoft.com/office/powerpoint/2010/main" val="1283477355"/>
       </p:ext>
     </p:extLst>
   </p:cSld>
@@ -6783,7 +6790,7 @@
             </a:r>
             <a:r>
               <a:rPr lang="en-GB" dirty="0"/>
-              <a:t>: 0.4 </a:t>
+              <a:t>: 0.6 </a:t>
             </a:r>
           </a:p>
           <a:p>
@@ -6880,10 +6887,10 @@
       </p:sp>
       <p:pic>
         <p:nvPicPr>
-          <p:cNvPr id="6" name="Picture 5">
+          <p:cNvPr id="4" name="Picture 3">
             <a:extLst>
               <a:ext uri="{FF2B5EF4-FFF2-40B4-BE49-F238E27FC236}">
-                <a16:creationId xmlns:a16="http://schemas.microsoft.com/office/drawing/2014/main" id="{7EEA96CF-B9D2-4B4E-9644-EFB16457FCC6}"/>
+                <a16:creationId xmlns:a16="http://schemas.microsoft.com/office/drawing/2014/main" id="{61FFCBAF-3942-0840-AC81-6D156B75EC43}"/>
               </a:ext>
             </a:extLst>
           </p:cNvPr>
@@ -6900,8 +6907,8 @@
         </p:blipFill>
         <p:spPr>
           <a:xfrm>
-            <a:off x="2591360" y="148893"/>
-            <a:ext cx="4378476" cy="6858000"/>
+            <a:off x="0" y="0"/>
+            <a:ext cx="12192000" cy="6858000"/>
           </a:xfrm>
           <a:prstGeom prst="rect">
             <a:avLst/>
@@ -6913,7 +6920,7 @@
           <p:cNvPr id="12" name="Picture 11">
             <a:extLst>
               <a:ext uri="{FF2B5EF4-FFF2-40B4-BE49-F238E27FC236}">
-                <a16:creationId xmlns:a16="http://schemas.microsoft.com/office/drawing/2014/main" id="{813655C0-EC65-FB42-A884-1DD9A5C931C7}"/>
+                <a16:creationId xmlns:a16="http://schemas.microsoft.com/office/drawing/2014/main" id="{86539BEE-A0C0-3345-BA1C-96165028A4F5}"/>
               </a:ext>
             </a:extLst>
           </p:cNvPr>
@@ -6930,8 +6937,38 @@
         </p:blipFill>
         <p:spPr>
           <a:xfrm>
-            <a:off x="3906762" y="0"/>
-            <a:ext cx="4378476" cy="6858000"/>
+            <a:off x="6057322" y="1377772"/>
+            <a:ext cx="6116115" cy="4444530"/>
+          </a:xfrm>
+          <a:prstGeom prst="rect">
+            <a:avLst/>
+          </a:prstGeom>
+        </p:spPr>
+      </p:pic>
+      <p:pic>
+        <p:nvPicPr>
+          <p:cNvPr id="15" name="Picture 14">
+            <a:extLst>
+              <a:ext uri="{FF2B5EF4-FFF2-40B4-BE49-F238E27FC236}">
+                <a16:creationId xmlns:a16="http://schemas.microsoft.com/office/drawing/2014/main" id="{CABC55DA-5763-7640-A7AC-FE7EB52FE0FA}"/>
+              </a:ext>
+            </a:extLst>
+          </p:cNvPr>
+          <p:cNvPicPr>
+            <a:picLocks noChangeAspect="1"/>
+          </p:cNvPicPr>
+          <p:nvPr/>
+        </p:nvPicPr>
+        <p:blipFill>
+          <a:blip r:embed="rId4"/>
+          <a:stretch>
+            <a:fillRect/>
+          </a:stretch>
+        </p:blipFill>
+        <p:spPr>
+          <a:xfrm>
+            <a:off x="0" y="1377772"/>
+            <a:ext cx="6116115" cy="4444530"/>
           </a:xfrm>
           <a:prstGeom prst="rect">
             <a:avLst/>
@@ -6941,7 +6978,7 @@
     </p:spTree>
     <p:extLst>
       <p:ext uri="{BB962C8B-B14F-4D97-AF65-F5344CB8AC3E}">
-        <p14:creationId xmlns:p14="http://schemas.microsoft.com/office/powerpoint/2010/main" val="1283477355"/>
+        <p14:creationId xmlns:p14="http://schemas.microsoft.com/office/powerpoint/2010/main" val="874060689"/>
       </p:ext>
     </p:extLst>
   </p:cSld>
@@ -7039,7 +7076,7 @@
         <p:spPr>
           <a:xfrm>
             <a:off x="-99422" y="768906"/>
-            <a:ext cx="6406580" cy="307777"/>
+            <a:ext cx="6406580" cy="523220"/>
           </a:xfrm>
           <a:prstGeom prst="rect">
             <a:avLst/>
@@ -7058,6 +7095,21 @@
               <a:t>nominal TT_TuneCUETP8M2T4_13TeV-powherg-pythia8</a:t>
             </a:r>
           </a:p>
+          <a:p>
+            <a:pPr algn="ctr"/>
+            <a:r>
+              <a:rPr lang="en-GB" sz="1400" dirty="0"/>
+              <a:t> Over </a:t>
+            </a:r>
+            <a:r>
+              <a:rPr lang="en-GB" sz="1400" dirty="0" err="1"/>
+              <a:t>Bkg</a:t>
+            </a:r>
+            <a:r>
+              <a:rPr lang="en-GB" sz="1400" dirty="0"/>
+              <a:t> (All Categories)</a:t>
+            </a:r>
+          </a:p>
         </p:txBody>
       </p:sp>
       <p:sp>
@@ -7087,7 +7139,7 @@
             </a:r>
             <a:r>
               <a:rPr lang="en-GB" dirty="0"/>
-              <a:t>: 0.6 </a:t>
+              <a:t>: 0.7 </a:t>
             </a:r>
           </a:p>
           <a:p>
@@ -7184,10 +7236,10 @@
       </p:sp>
       <p:pic>
         <p:nvPicPr>
-          <p:cNvPr id="4" name="Picture 3">
+          <p:cNvPr id="10" name="Picture 9">
             <a:extLst>
               <a:ext uri="{FF2B5EF4-FFF2-40B4-BE49-F238E27FC236}">
-                <a16:creationId xmlns:a16="http://schemas.microsoft.com/office/drawing/2014/main" id="{61FFCBAF-3942-0840-AC81-6D156B75EC43}"/>
+                <a16:creationId xmlns:a16="http://schemas.microsoft.com/office/drawing/2014/main" id="{8A691020-9E90-0B43-B403-74927E445193}"/>
               </a:ext>
             </a:extLst>
           </p:cNvPr>
@@ -7204,8 +7256,8 @@
         </p:blipFill>
         <p:spPr>
           <a:xfrm>
-            <a:off x="0" y="0"/>
-            <a:ext cx="12192000" cy="6858000"/>
+            <a:off x="6069144" y="1215182"/>
+            <a:ext cx="6116115" cy="4593746"/>
           </a:xfrm>
           <a:prstGeom prst="rect">
             <a:avLst/>
@@ -7214,10 +7266,10 @@
       </p:pic>
       <p:pic>
         <p:nvPicPr>
-          <p:cNvPr id="12" name="Picture 11">
+          <p:cNvPr id="14" name="Picture 13">
             <a:extLst>
               <a:ext uri="{FF2B5EF4-FFF2-40B4-BE49-F238E27FC236}">
-                <a16:creationId xmlns:a16="http://schemas.microsoft.com/office/drawing/2014/main" id="{86539BEE-A0C0-3345-BA1C-96165028A4F5}"/>
+                <a16:creationId xmlns:a16="http://schemas.microsoft.com/office/drawing/2014/main" id="{2C97EC43-C3A6-0E4F-BCAE-685F8FBCAB72}"/>
               </a:ext>
             </a:extLst>
           </p:cNvPr>
@@ -7234,38 +7286,8 @@
         </p:blipFill>
         <p:spPr>
           <a:xfrm>
-            <a:off x="6057322" y="1377772"/>
-            <a:ext cx="6116115" cy="4444530"/>
-          </a:xfrm>
-          <a:prstGeom prst="rect">
-            <a:avLst/>
-          </a:prstGeom>
-        </p:spPr>
-      </p:pic>
-      <p:pic>
-        <p:nvPicPr>
-          <p:cNvPr id="15" name="Picture 14">
-            <a:extLst>
-              <a:ext uri="{FF2B5EF4-FFF2-40B4-BE49-F238E27FC236}">
-                <a16:creationId xmlns:a16="http://schemas.microsoft.com/office/drawing/2014/main" id="{CABC55DA-5763-7640-A7AC-FE7EB52FE0FA}"/>
-              </a:ext>
-            </a:extLst>
-          </p:cNvPr>
-          <p:cNvPicPr>
-            <a:picLocks noChangeAspect="1"/>
-          </p:cNvPicPr>
-          <p:nvPr/>
-        </p:nvPicPr>
-        <p:blipFill>
-          <a:blip r:embed="rId4"/>
-          <a:stretch>
-            <a:fillRect/>
-          </a:stretch>
-        </p:blipFill>
-        <p:spPr>
-          <a:xfrm>
-            <a:off x="0" y="1377772"/>
-            <a:ext cx="6116115" cy="4444530"/>
+            <a:off x="83663" y="1215182"/>
+            <a:ext cx="5985481" cy="4593746"/>
           </a:xfrm>
           <a:prstGeom prst="rect">
             <a:avLst/>
@@ -7275,7 +7297,7 @@
     </p:spTree>
     <p:extLst>
       <p:ext uri="{BB962C8B-B14F-4D97-AF65-F5344CB8AC3E}">
-        <p14:creationId xmlns:p14="http://schemas.microsoft.com/office/powerpoint/2010/main" val="874060689"/>
+        <p14:creationId xmlns:p14="http://schemas.microsoft.com/office/powerpoint/2010/main" val="4251647727"/>
       </p:ext>
     </p:extLst>
   </p:cSld>
@@ -7373,7 +7395,7 @@
         <p:spPr>
           <a:xfrm>
             <a:off x="-99422" y="768906"/>
-            <a:ext cx="6406580" cy="523220"/>
+            <a:ext cx="6406580" cy="307777"/>
           </a:xfrm>
           <a:prstGeom prst="rect">
             <a:avLst/>
@@ -7392,21 +7414,6 @@
               <a:t>nominal TT_TuneCUETP8M2T4_13TeV-powherg-pythia8</a:t>
             </a:r>
           </a:p>
-          <a:p>
-            <a:pPr algn="ctr"/>
-            <a:r>
-              <a:rPr lang="en-GB" sz="1400" dirty="0"/>
-              <a:t> Over </a:t>
-            </a:r>
-            <a:r>
-              <a:rPr lang="en-GB" sz="1400" dirty="0" err="1"/>
-              <a:t>Bkg</a:t>
-            </a:r>
-            <a:r>
-              <a:rPr lang="en-GB" sz="1400" dirty="0"/>
-              <a:t> (All Categories)</a:t>
-            </a:r>
-          </a:p>
         </p:txBody>
       </p:sp>
       <p:sp>
@@ -7436,7 +7443,7 @@
             </a:r>
             <a:r>
               <a:rPr lang="en-GB" dirty="0"/>
-              <a:t>: 0.7 </a:t>
+              <a:t>: 0.8</a:t>
             </a:r>
           </a:p>
           <a:p>
@@ -7536,7 +7543,7 @@
           <p:cNvPr id="10" name="Picture 9">
             <a:extLst>
               <a:ext uri="{FF2B5EF4-FFF2-40B4-BE49-F238E27FC236}">
-                <a16:creationId xmlns:a16="http://schemas.microsoft.com/office/drawing/2014/main" id="{8A691020-9E90-0B43-B403-74927E445193}"/>
+                <a16:creationId xmlns:a16="http://schemas.microsoft.com/office/drawing/2014/main" id="{28CDB837-75BB-C544-A2B9-F50D414A8B1A}"/>
               </a:ext>
             </a:extLst>
           </p:cNvPr>
@@ -7553,8 +7560,8 @@
         </p:blipFill>
         <p:spPr>
           <a:xfrm>
-            <a:off x="6069144" y="1215182"/>
-            <a:ext cx="6116115" cy="4593746"/>
+            <a:off x="83663" y="1230704"/>
+            <a:ext cx="6116115" cy="4470299"/>
           </a:xfrm>
           <a:prstGeom prst="rect">
             <a:avLst/>
@@ -7566,7 +7573,7 @@
           <p:cNvPr id="14" name="Picture 13">
             <a:extLst>
               <a:ext uri="{FF2B5EF4-FFF2-40B4-BE49-F238E27FC236}">
-                <a16:creationId xmlns:a16="http://schemas.microsoft.com/office/drawing/2014/main" id="{2C97EC43-C3A6-0E4F-BCAE-685F8FBCAB72}"/>
+                <a16:creationId xmlns:a16="http://schemas.microsoft.com/office/drawing/2014/main" id="{F4A884CE-B717-1540-9294-63CD355FDC81}"/>
               </a:ext>
             </a:extLst>
           </p:cNvPr>
@@ -7583,8 +7590,8 @@
         </p:blipFill>
         <p:spPr>
           <a:xfrm>
-            <a:off x="83663" y="1215182"/>
-            <a:ext cx="5985481" cy="4593746"/>
+            <a:off x="5930652" y="1230703"/>
+            <a:ext cx="6116115" cy="4470299"/>
           </a:xfrm>
           <a:prstGeom prst="rect">
             <a:avLst/>
@@ -7594,7 +7601,7 @@
     </p:spTree>
     <p:extLst>
       <p:ext uri="{BB962C8B-B14F-4D97-AF65-F5344CB8AC3E}">
-        <p14:creationId xmlns:p14="http://schemas.microsoft.com/office/powerpoint/2010/main" val="4251647727"/>
+        <p14:creationId xmlns:p14="http://schemas.microsoft.com/office/powerpoint/2010/main" val="2528589119"/>
       </p:ext>
     </p:extLst>
   </p:cSld>
@@ -8176,13 +8183,32 @@
           <a:p>
             <a:r>
               <a:rPr lang="en-US" sz="3600" dirty="0"/>
-              <a:t>Efficiency vs </a:t>
+              <a:t>Signal over </a:t>
             </a:r>
             <a:r>
               <a:rPr lang="en-US" sz="3600" dirty="0" err="1"/>
-              <a:t>mTTbarParton</a:t>
-            </a:r>
-            <a:endParaRPr lang="en-US" sz="3600" dirty="0"/>
+              <a:t>Bkg</a:t>
+            </a:r>
+            <a:r>
+              <a:rPr lang="en-US" sz="3600" dirty="0"/>
+              <a:t> for </a:t>
+            </a:r>
+            <a:r>
+              <a:rPr lang="en-US" sz="3600" dirty="0" err="1"/>
+              <a:t>mJJ</a:t>
+            </a:r>
+            <a:r>
+              <a:rPr lang="en-US" sz="3600" dirty="0"/>
+              <a:t> (</a:t>
+            </a:r>
+            <a:r>
+              <a:rPr lang="en-US" sz="3600" dirty="0" err="1"/>
+              <a:t>reco</a:t>
+            </a:r>
+            <a:r>
+              <a:rPr lang="en-US" sz="3600" dirty="0"/>
+              <a:t>)</a:t>
+            </a:r>
           </a:p>
         </p:txBody>
       </p:sp>
@@ -8195,7 +8221,7 @@
         <p:spPr>
           <a:xfrm>
             <a:off x="-99422" y="768906"/>
-            <a:ext cx="6406580" cy="307777"/>
+            <a:ext cx="6406580" cy="523220"/>
           </a:xfrm>
           <a:prstGeom prst="rect">
             <a:avLst/>
@@ -8214,6 +8240,21 @@
               <a:t>nominal TT_TuneCUETP8M2T4_13TeV-powherg-pythia8</a:t>
             </a:r>
           </a:p>
+          <a:p>
+            <a:pPr algn="ctr"/>
+            <a:r>
+              <a:rPr lang="en-GB" sz="1400" dirty="0"/>
+              <a:t> Over </a:t>
+            </a:r>
+            <a:r>
+              <a:rPr lang="en-GB" sz="1400" dirty="0" err="1"/>
+              <a:t>Bkg</a:t>
+            </a:r>
+            <a:r>
+              <a:rPr lang="en-GB" sz="1400" dirty="0"/>
+              <a:t> (All Categories)</a:t>
+            </a:r>
+          </a:p>
         </p:txBody>
       </p:sp>
       <p:sp>
@@ -8243,7 +8284,7 @@
             </a:r>
             <a:r>
               <a:rPr lang="en-GB" dirty="0"/>
-              <a:t>: 0.8</a:t>
+              <a:t>: 0.0</a:t>
             </a:r>
           </a:p>
           <a:p>
@@ -8253,7 +8294,7 @@
             </a:r>
             <a:r>
               <a:rPr lang="en-GB" dirty="0"/>
-              <a:t>: Medium working point</a:t>
+              <a:t>: Loose working point</a:t>
             </a:r>
           </a:p>
         </p:txBody>
@@ -8317,7 +8358,7 @@
       </p:sp>
       <p:sp>
         <p:nvSpPr>
-          <p:cNvPr id="7" name="Slide Number Placeholder 6"/>
+          <p:cNvPr id="4" name="Slide Number Placeholder 3"/>
           <p:cNvSpPr>
             <a:spLocks noGrp="1"/>
           </p:cNvSpPr>
@@ -8343,7 +8384,7 @@
           <p:cNvPr id="10" name="Picture 9">
             <a:extLst>
               <a:ext uri="{FF2B5EF4-FFF2-40B4-BE49-F238E27FC236}">
-                <a16:creationId xmlns:a16="http://schemas.microsoft.com/office/drawing/2014/main" id="{28CDB837-75BB-C544-A2B9-F50D414A8B1A}"/>
+                <a16:creationId xmlns:a16="http://schemas.microsoft.com/office/drawing/2014/main" id="{F0D674D1-F7CD-C747-ACDA-B454E66A420D}"/>
               </a:ext>
             </a:extLst>
           </p:cNvPr>
@@ -8360,8 +8401,8 @@
         </p:blipFill>
         <p:spPr>
           <a:xfrm>
-            <a:off x="83663" y="1230704"/>
-            <a:ext cx="6116115" cy="4470299"/>
+            <a:off x="6097587" y="1318444"/>
+            <a:ext cx="6116115" cy="4490484"/>
           </a:xfrm>
           <a:prstGeom prst="rect">
             <a:avLst/>
@@ -8370,10 +8411,10 @@
       </p:pic>
       <p:pic>
         <p:nvPicPr>
-          <p:cNvPr id="14" name="Picture 13">
+          <p:cNvPr id="13" name="Picture 12">
             <a:extLst>
               <a:ext uri="{FF2B5EF4-FFF2-40B4-BE49-F238E27FC236}">
-                <a16:creationId xmlns:a16="http://schemas.microsoft.com/office/drawing/2014/main" id="{F4A884CE-B717-1540-9294-63CD355FDC81}"/>
+                <a16:creationId xmlns:a16="http://schemas.microsoft.com/office/drawing/2014/main" id="{AC154D6F-181A-AB4F-9EFD-5FC5FE4F416B}"/>
               </a:ext>
             </a:extLst>
           </p:cNvPr>
@@ -8390,8 +8431,8 @@
         </p:blipFill>
         <p:spPr>
           <a:xfrm>
-            <a:off x="5930652" y="1230703"/>
-            <a:ext cx="6116115" cy="4470299"/>
+            <a:off x="83663" y="1292126"/>
+            <a:ext cx="6116115" cy="4516802"/>
           </a:xfrm>
           <a:prstGeom prst="rect">
             <a:avLst/>
@@ -8401,7 +8442,7 @@
     </p:spTree>
     <p:extLst>
       <p:ext uri="{BB962C8B-B14F-4D97-AF65-F5344CB8AC3E}">
-        <p14:creationId xmlns:p14="http://schemas.microsoft.com/office/powerpoint/2010/main" val="2528589119"/>
+        <p14:creationId xmlns:p14="http://schemas.microsoft.com/office/powerpoint/2010/main" val="3107067426"/>
       </p:ext>
     </p:extLst>
   </p:cSld>
@@ -8581,7 +8622,7 @@
             </a:r>
             <a:r>
               <a:rPr lang="en-GB" dirty="0"/>
-              <a:t>: 0.0</a:t>
+              <a:t>: 0.1</a:t>
             </a:r>
           </a:p>
           <a:p>
@@ -8678,10 +8719,10 @@
       </p:sp>
       <p:pic>
         <p:nvPicPr>
-          <p:cNvPr id="10" name="Picture 9">
+          <p:cNvPr id="7" name="Picture 6">
             <a:extLst>
               <a:ext uri="{FF2B5EF4-FFF2-40B4-BE49-F238E27FC236}">
-                <a16:creationId xmlns:a16="http://schemas.microsoft.com/office/drawing/2014/main" id="{F0D674D1-F7CD-C747-ACDA-B454E66A420D}"/>
+                <a16:creationId xmlns:a16="http://schemas.microsoft.com/office/drawing/2014/main" id="{4471DE96-B52B-F54D-8DD8-3CFFD0291E39}"/>
               </a:ext>
             </a:extLst>
           </p:cNvPr>
@@ -8698,8 +8739,8 @@
         </p:blipFill>
         <p:spPr>
           <a:xfrm>
-            <a:off x="3906762" y="0"/>
-            <a:ext cx="4378476" cy="6858000"/>
+            <a:off x="6057322" y="1365112"/>
+            <a:ext cx="6116115" cy="4443815"/>
           </a:xfrm>
           <a:prstGeom prst="rect">
             <a:avLst/>
@@ -8708,10 +8749,10 @@
       </p:pic>
       <p:pic>
         <p:nvPicPr>
-          <p:cNvPr id="13" name="Picture 12">
+          <p:cNvPr id="12" name="Picture 11">
             <a:extLst>
               <a:ext uri="{FF2B5EF4-FFF2-40B4-BE49-F238E27FC236}">
-                <a16:creationId xmlns:a16="http://schemas.microsoft.com/office/drawing/2014/main" id="{AC154D6F-181A-AB4F-9EFD-5FC5FE4F416B}"/>
+                <a16:creationId xmlns:a16="http://schemas.microsoft.com/office/drawing/2014/main" id="{21010601-0954-E84A-AA4D-9F2D6E26EC22}"/>
               </a:ext>
             </a:extLst>
           </p:cNvPr>
@@ -8728,8 +8769,8 @@
         </p:blipFill>
         <p:spPr>
           <a:xfrm>
-            <a:off x="1717524" y="-148893"/>
-            <a:ext cx="4378476" cy="6858000"/>
+            <a:off x="-58793" y="1365111"/>
+            <a:ext cx="6116115" cy="4443815"/>
           </a:xfrm>
           <a:prstGeom prst="rect">
             <a:avLst/>
@@ -8739,7 +8780,7 @@
     </p:spTree>
     <p:extLst>
       <p:ext uri="{BB962C8B-B14F-4D97-AF65-F5344CB8AC3E}">
-        <p14:creationId xmlns:p14="http://schemas.microsoft.com/office/powerpoint/2010/main" val="3107067426"/>
+        <p14:creationId xmlns:p14="http://schemas.microsoft.com/office/powerpoint/2010/main" val="2040627900"/>
       </p:ext>
     </p:extLst>
   </p:cSld>
@@ -8919,7 +8960,7 @@
             </a:r>
             <a:r>
               <a:rPr lang="en-GB" dirty="0"/>
-              <a:t>: 0.1</a:t>
+              <a:t>: 0.2</a:t>
             </a:r>
           </a:p>
           <a:p>
@@ -9019,7 +9060,7 @@
           <p:cNvPr id="7" name="Picture 6">
             <a:extLst>
               <a:ext uri="{FF2B5EF4-FFF2-40B4-BE49-F238E27FC236}">
-                <a16:creationId xmlns:a16="http://schemas.microsoft.com/office/drawing/2014/main" id="{4471DE96-B52B-F54D-8DD8-3CFFD0291E39}"/>
+                <a16:creationId xmlns:a16="http://schemas.microsoft.com/office/drawing/2014/main" id="{BE0FBBB1-E806-AE4F-85E7-53F9214541B6}"/>
               </a:ext>
             </a:extLst>
           </p:cNvPr>
@@ -9036,8 +9077,8 @@
         </p:blipFill>
         <p:spPr>
           <a:xfrm>
-            <a:off x="3906762" y="0"/>
-            <a:ext cx="4378476" cy="6858000"/>
+            <a:off x="6097587" y="1365113"/>
+            <a:ext cx="6116115" cy="4597770"/>
           </a:xfrm>
           <a:prstGeom prst="rect">
             <a:avLst/>
@@ -9049,7 +9090,7 @@
           <p:cNvPr id="12" name="Picture 11">
             <a:extLst>
               <a:ext uri="{FF2B5EF4-FFF2-40B4-BE49-F238E27FC236}">
-                <a16:creationId xmlns:a16="http://schemas.microsoft.com/office/drawing/2014/main" id="{21010601-0954-E84A-AA4D-9F2D6E26EC22}"/>
+                <a16:creationId xmlns:a16="http://schemas.microsoft.com/office/drawing/2014/main" id="{59FA65FB-EE34-DD4C-83BC-E571E19734A5}"/>
               </a:ext>
             </a:extLst>
           </p:cNvPr>
@@ -9066,8 +9107,8 @@
         </p:blipFill>
         <p:spPr>
           <a:xfrm>
-            <a:off x="2122255" y="0"/>
-            <a:ext cx="4378476" cy="6858000"/>
+            <a:off x="83663" y="1365113"/>
+            <a:ext cx="6116115" cy="4597770"/>
           </a:xfrm>
           <a:prstGeom prst="rect">
             <a:avLst/>
@@ -9077,7 +9118,7 @@
     </p:spTree>
     <p:extLst>
       <p:ext uri="{BB962C8B-B14F-4D97-AF65-F5344CB8AC3E}">
-        <p14:creationId xmlns:p14="http://schemas.microsoft.com/office/powerpoint/2010/main" val="2040627900"/>
+        <p14:creationId xmlns:p14="http://schemas.microsoft.com/office/powerpoint/2010/main" val="1962746700"/>
       </p:ext>
     </p:extLst>
   </p:cSld>
@@ -9257,7 +9298,7 @@
             </a:r>
             <a:r>
               <a:rPr lang="en-GB" dirty="0"/>
-              <a:t>: 0.2</a:t>
+              <a:t>: 0.3</a:t>
             </a:r>
           </a:p>
           <a:p>
@@ -9357,7 +9398,7 @@
           <p:cNvPr id="7" name="Picture 6">
             <a:extLst>
               <a:ext uri="{FF2B5EF4-FFF2-40B4-BE49-F238E27FC236}">
-                <a16:creationId xmlns:a16="http://schemas.microsoft.com/office/drawing/2014/main" id="{BE0FBBB1-E806-AE4F-85E7-53F9214541B6}"/>
+                <a16:creationId xmlns:a16="http://schemas.microsoft.com/office/drawing/2014/main" id="{7B3CA76E-56F6-2841-AE99-79A503A2EC71}"/>
               </a:ext>
             </a:extLst>
           </p:cNvPr>
@@ -9374,8 +9415,8 @@
         </p:blipFill>
         <p:spPr>
           <a:xfrm>
-            <a:off x="3906762" y="0"/>
-            <a:ext cx="4378476" cy="6858000"/>
+            <a:off x="6075885" y="1292125"/>
+            <a:ext cx="6116115" cy="4516801"/>
           </a:xfrm>
           <a:prstGeom prst="rect">
             <a:avLst/>
@@ -9387,7 +9428,7 @@
           <p:cNvPr id="12" name="Picture 11">
             <a:extLst>
               <a:ext uri="{FF2B5EF4-FFF2-40B4-BE49-F238E27FC236}">
-                <a16:creationId xmlns:a16="http://schemas.microsoft.com/office/drawing/2014/main" id="{59FA65FB-EE34-DD4C-83BC-E571E19734A5}"/>
+                <a16:creationId xmlns:a16="http://schemas.microsoft.com/office/drawing/2014/main" id="{309C278B-4325-4248-9BAA-88DF2A3E1A1A}"/>
               </a:ext>
             </a:extLst>
           </p:cNvPr>
@@ -9404,8 +9445,8 @@
         </p:blipFill>
         <p:spPr>
           <a:xfrm>
-            <a:off x="2045316" y="-33090"/>
-            <a:ext cx="4378476" cy="6858000"/>
+            <a:off x="90229" y="1275378"/>
+            <a:ext cx="6116115" cy="4533549"/>
           </a:xfrm>
           <a:prstGeom prst="rect">
             <a:avLst/>
@@ -9415,7 +9456,7 @@
     </p:spTree>
     <p:extLst>
       <p:ext uri="{BB962C8B-B14F-4D97-AF65-F5344CB8AC3E}">
-        <p14:creationId xmlns:p14="http://schemas.microsoft.com/office/powerpoint/2010/main" val="1962746700"/>
+        <p14:creationId xmlns:p14="http://schemas.microsoft.com/office/powerpoint/2010/main" val="4292262994"/>
       </p:ext>
     </p:extLst>
   </p:cSld>
@@ -9595,7 +9636,7 @@
             </a:r>
             <a:r>
               <a:rPr lang="en-GB" dirty="0"/>
-              <a:t>: 0.3</a:t>
+              <a:t>: 0.4</a:t>
             </a:r>
           </a:p>
           <a:p>
@@ -9695,7 +9736,7 @@
           <p:cNvPr id="7" name="Picture 6">
             <a:extLst>
               <a:ext uri="{FF2B5EF4-FFF2-40B4-BE49-F238E27FC236}">
-                <a16:creationId xmlns:a16="http://schemas.microsoft.com/office/drawing/2014/main" id="{7B3CA76E-56F6-2841-AE99-79A503A2EC71}"/>
+                <a16:creationId xmlns:a16="http://schemas.microsoft.com/office/drawing/2014/main" id="{ADF59781-46E0-F94D-9EFA-DDDAC102B33C}"/>
               </a:ext>
             </a:extLst>
           </p:cNvPr>
@@ -9712,8 +9753,8 @@
         </p:blipFill>
         <p:spPr>
           <a:xfrm>
-            <a:off x="3906762" y="0"/>
-            <a:ext cx="4378476" cy="6858000"/>
+            <a:off x="6097587" y="1519067"/>
+            <a:ext cx="6116115" cy="4536499"/>
           </a:xfrm>
           <a:prstGeom prst="rect">
             <a:avLst/>
@@ -9725,7 +9766,7 @@
           <p:cNvPr id="12" name="Picture 11">
             <a:extLst>
               <a:ext uri="{FF2B5EF4-FFF2-40B4-BE49-F238E27FC236}">
-                <a16:creationId xmlns:a16="http://schemas.microsoft.com/office/drawing/2014/main" id="{309C278B-4325-4248-9BAA-88DF2A3E1A1A}"/>
+                <a16:creationId xmlns:a16="http://schemas.microsoft.com/office/drawing/2014/main" id="{6B617CB0-705B-9642-9BC1-7CD018F5E868}"/>
               </a:ext>
             </a:extLst>
           </p:cNvPr>
@@ -9742,8 +9783,8 @@
         </p:blipFill>
         <p:spPr>
           <a:xfrm>
-            <a:off x="1928682" y="-302849"/>
-            <a:ext cx="4378476" cy="6858000"/>
+            <a:off x="83663" y="1365113"/>
+            <a:ext cx="6116115" cy="4690454"/>
           </a:xfrm>
           <a:prstGeom prst="rect">
             <a:avLst/>
@@ -9753,7 +9794,7 @@
     </p:spTree>
     <p:extLst>
       <p:ext uri="{BB962C8B-B14F-4D97-AF65-F5344CB8AC3E}">
-        <p14:creationId xmlns:p14="http://schemas.microsoft.com/office/powerpoint/2010/main" val="4292262994"/>
+        <p14:creationId xmlns:p14="http://schemas.microsoft.com/office/powerpoint/2010/main" val="3186758016"/>
       </p:ext>
     </p:extLst>
   </p:cSld>
@@ -9933,7 +9974,7 @@
             </a:r>
             <a:r>
               <a:rPr lang="en-GB" dirty="0"/>
-              <a:t>: 0.4</a:t>
+              <a:t>: 0.6</a:t>
             </a:r>
           </a:p>
           <a:p>
@@ -10030,10 +10071,10 @@
       </p:sp>
       <p:pic>
         <p:nvPicPr>
-          <p:cNvPr id="7" name="Picture 6">
+          <p:cNvPr id="10" name="Picture 9">
             <a:extLst>
               <a:ext uri="{FF2B5EF4-FFF2-40B4-BE49-F238E27FC236}">
-                <a16:creationId xmlns:a16="http://schemas.microsoft.com/office/drawing/2014/main" id="{ADF59781-46E0-F94D-9EFA-DDDAC102B33C}"/>
+                <a16:creationId xmlns:a16="http://schemas.microsoft.com/office/drawing/2014/main" id="{459199A4-CEEB-3449-ABB2-E8F4842855D7}"/>
               </a:ext>
             </a:extLst>
           </p:cNvPr>
@@ -10050,8 +10091,8 @@
         </p:blipFill>
         <p:spPr>
           <a:xfrm>
-            <a:off x="3906762" y="0"/>
-            <a:ext cx="4378476" cy="6858000"/>
+            <a:off x="5785420" y="1481184"/>
+            <a:ext cx="6116115" cy="4397102"/>
           </a:xfrm>
           <a:prstGeom prst="rect">
             <a:avLst/>
@@ -10060,10 +10101,10 @@
       </p:pic>
       <p:pic>
         <p:nvPicPr>
-          <p:cNvPr id="12" name="Picture 11">
+          <p:cNvPr id="14" name="Picture 13">
             <a:extLst>
               <a:ext uri="{FF2B5EF4-FFF2-40B4-BE49-F238E27FC236}">
-                <a16:creationId xmlns:a16="http://schemas.microsoft.com/office/drawing/2014/main" id="{6B617CB0-705B-9642-9BC1-7CD018F5E868}"/>
+                <a16:creationId xmlns:a16="http://schemas.microsoft.com/office/drawing/2014/main" id="{0A683D6E-9367-FE44-95FB-47CCBFDFAFD5}"/>
               </a:ext>
             </a:extLst>
           </p:cNvPr>
@@ -10080,8 +10121,8 @@
         </p:blipFill>
         <p:spPr>
           <a:xfrm>
-            <a:off x="1911329" y="-33090"/>
-            <a:ext cx="4378476" cy="6858000"/>
+            <a:off x="83663" y="1481184"/>
+            <a:ext cx="5953243" cy="4397102"/>
           </a:xfrm>
           <a:prstGeom prst="rect">
             <a:avLst/>
@@ -10091,7 +10132,7 @@
     </p:spTree>
     <p:extLst>
       <p:ext uri="{BB962C8B-B14F-4D97-AF65-F5344CB8AC3E}">
-        <p14:creationId xmlns:p14="http://schemas.microsoft.com/office/powerpoint/2010/main" val="3186758016"/>
+        <p14:creationId xmlns:p14="http://schemas.microsoft.com/office/powerpoint/2010/main" val="1367054586"/>
       </p:ext>
     </p:extLst>
   </p:cSld>
@@ -10271,7 +10312,7 @@
             </a:r>
             <a:r>
               <a:rPr lang="en-GB" dirty="0"/>
-              <a:t>: 0.6</a:t>
+              <a:t>: 0.7</a:t>
             </a:r>
           </a:p>
           <a:p>
@@ -10345,7 +10386,7 @@
       </p:sp>
       <p:sp>
         <p:nvSpPr>
-          <p:cNvPr id="4" name="Slide Number Placeholder 3"/>
+          <p:cNvPr id="7" name="Slide Number Placeholder 6"/>
           <p:cNvSpPr>
             <a:spLocks noGrp="1"/>
           </p:cNvSpPr>
@@ -10368,10 +10409,10 @@
       </p:sp>
       <p:pic>
         <p:nvPicPr>
-          <p:cNvPr id="10" name="Picture 9">
+          <p:cNvPr id="4" name="Picture 3">
             <a:extLst>
               <a:ext uri="{FF2B5EF4-FFF2-40B4-BE49-F238E27FC236}">
-                <a16:creationId xmlns:a16="http://schemas.microsoft.com/office/drawing/2014/main" id="{459199A4-CEEB-3449-ABB2-E8F4842855D7}"/>
+                <a16:creationId xmlns:a16="http://schemas.microsoft.com/office/drawing/2014/main" id="{5A5B8682-5459-AF42-88BB-5E864D374D88}"/>
               </a:ext>
             </a:extLst>
           </p:cNvPr>
@@ -10388,8 +10429,8 @@
         </p:blipFill>
         <p:spPr>
           <a:xfrm>
-            <a:off x="5785420" y="1481184"/>
-            <a:ext cx="6116115" cy="4397102"/>
+            <a:off x="0" y="0"/>
+            <a:ext cx="12192000" cy="6858000"/>
           </a:xfrm>
           <a:prstGeom prst="rect">
             <a:avLst/>
@@ -10398,10 +10439,10 @@
       </p:pic>
       <p:pic>
         <p:nvPicPr>
-          <p:cNvPr id="14" name="Picture 13">
+          <p:cNvPr id="12" name="Picture 11">
             <a:extLst>
               <a:ext uri="{FF2B5EF4-FFF2-40B4-BE49-F238E27FC236}">
-                <a16:creationId xmlns:a16="http://schemas.microsoft.com/office/drawing/2014/main" id="{0A683D6E-9367-FE44-95FB-47CCBFDFAFD5}"/>
+                <a16:creationId xmlns:a16="http://schemas.microsoft.com/office/drawing/2014/main" id="{71730867-8D2F-E041-857F-BC4E315E6FAC}"/>
               </a:ext>
             </a:extLst>
           </p:cNvPr>
@@ -10418,8 +10459,38 @@
         </p:blipFill>
         <p:spPr>
           <a:xfrm>
-            <a:off x="83663" y="1481184"/>
-            <a:ext cx="5953243" cy="4397102"/>
+            <a:off x="5930652" y="1557811"/>
+            <a:ext cx="6116115" cy="4371542"/>
+          </a:xfrm>
+          <a:prstGeom prst="rect">
+            <a:avLst/>
+          </a:prstGeom>
+        </p:spPr>
+      </p:pic>
+      <p:pic>
+        <p:nvPicPr>
+          <p:cNvPr id="15" name="Picture 14">
+            <a:extLst>
+              <a:ext uri="{FF2B5EF4-FFF2-40B4-BE49-F238E27FC236}">
+                <a16:creationId xmlns:a16="http://schemas.microsoft.com/office/drawing/2014/main" id="{6C89AF73-D7A3-164F-B391-8817EBA7C910}"/>
+              </a:ext>
+            </a:extLst>
+          </p:cNvPr>
+          <p:cNvPicPr>
+            <a:picLocks noChangeAspect="1"/>
+          </p:cNvPicPr>
+          <p:nvPr/>
+        </p:nvPicPr>
+        <p:blipFill>
+          <a:blip r:embed="rId4"/>
+          <a:stretch>
+            <a:fillRect/>
+          </a:stretch>
+        </p:blipFill>
+        <p:spPr>
+          <a:xfrm>
+            <a:off x="83664" y="1557810"/>
+            <a:ext cx="5992222" cy="4371543"/>
           </a:xfrm>
           <a:prstGeom prst="rect">
             <a:avLst/>
@@ -10429,7 +10500,7 @@
     </p:spTree>
     <p:extLst>
       <p:ext uri="{BB962C8B-B14F-4D97-AF65-F5344CB8AC3E}">
-        <p14:creationId xmlns:p14="http://schemas.microsoft.com/office/powerpoint/2010/main" val="1367054586"/>
+        <p14:creationId xmlns:p14="http://schemas.microsoft.com/office/powerpoint/2010/main" val="1037027503"/>
       </p:ext>
     </p:extLst>
   </p:cSld>
@@ -10609,7 +10680,7 @@
             </a:r>
             <a:r>
               <a:rPr lang="en-GB" dirty="0"/>
-              <a:t>: 0.7</a:t>
+              <a:t>: 0.8</a:t>
             </a:r>
           </a:p>
           <a:p>
@@ -10706,10 +10777,10 @@
       </p:sp>
       <p:pic>
         <p:nvPicPr>
-          <p:cNvPr id="4" name="Picture 3">
+          <p:cNvPr id="10" name="Picture 9">
             <a:extLst>
               <a:ext uri="{FF2B5EF4-FFF2-40B4-BE49-F238E27FC236}">
-                <a16:creationId xmlns:a16="http://schemas.microsoft.com/office/drawing/2014/main" id="{5A5B8682-5459-AF42-88BB-5E864D374D88}"/>
+                <a16:creationId xmlns:a16="http://schemas.microsoft.com/office/drawing/2014/main" id="{31E6BCD0-3E17-014E-8401-7D22115D456D}"/>
               </a:ext>
             </a:extLst>
           </p:cNvPr>
@@ -10726,8 +10797,8 @@
         </p:blipFill>
         <p:spPr>
           <a:xfrm>
-            <a:off x="0" y="0"/>
-            <a:ext cx="12192000" cy="6858000"/>
+            <a:off x="5930652" y="1507522"/>
+            <a:ext cx="6116115" cy="4455360"/>
           </a:xfrm>
           <a:prstGeom prst="rect">
             <a:avLst/>
@@ -10736,10 +10807,10 @@
       </p:pic>
       <p:pic>
         <p:nvPicPr>
-          <p:cNvPr id="12" name="Picture 11">
+          <p:cNvPr id="14" name="Picture 13">
             <a:extLst>
               <a:ext uri="{FF2B5EF4-FFF2-40B4-BE49-F238E27FC236}">
-                <a16:creationId xmlns:a16="http://schemas.microsoft.com/office/drawing/2014/main" id="{71730867-8D2F-E041-857F-BC4E315E6FAC}"/>
+                <a16:creationId xmlns:a16="http://schemas.microsoft.com/office/drawing/2014/main" id="{6621416F-3C4E-2140-8922-A10F7BCD14EF}"/>
               </a:ext>
             </a:extLst>
           </p:cNvPr>
@@ -10756,38 +10827,8 @@
         </p:blipFill>
         <p:spPr>
           <a:xfrm>
-            <a:off x="5930652" y="1557811"/>
-            <a:ext cx="6116115" cy="4371542"/>
-          </a:xfrm>
-          <a:prstGeom prst="rect">
-            <a:avLst/>
-          </a:prstGeom>
-        </p:spPr>
-      </p:pic>
-      <p:pic>
-        <p:nvPicPr>
-          <p:cNvPr id="15" name="Picture 14">
-            <a:extLst>
-              <a:ext uri="{FF2B5EF4-FFF2-40B4-BE49-F238E27FC236}">
-                <a16:creationId xmlns:a16="http://schemas.microsoft.com/office/drawing/2014/main" id="{6C89AF73-D7A3-164F-B391-8817EBA7C910}"/>
-              </a:ext>
-            </a:extLst>
-          </p:cNvPr>
-          <p:cNvPicPr>
-            <a:picLocks noChangeAspect="1"/>
-          </p:cNvPicPr>
-          <p:nvPr/>
-        </p:nvPicPr>
-        <p:blipFill>
-          <a:blip r:embed="rId4"/>
-          <a:stretch>
-            <a:fillRect/>
-          </a:stretch>
-        </p:blipFill>
-        <p:spPr>
-          <a:xfrm>
-            <a:off x="83664" y="1557810"/>
-            <a:ext cx="5992222" cy="4371543"/>
+            <a:off x="191043" y="1507521"/>
+            <a:ext cx="5739609" cy="4455361"/>
           </a:xfrm>
           <a:prstGeom prst="rect">
             <a:avLst/>
@@ -10797,7 +10838,7 @@
     </p:spTree>
     <p:extLst>
       <p:ext uri="{BB962C8B-B14F-4D97-AF65-F5344CB8AC3E}">
-        <p14:creationId xmlns:p14="http://schemas.microsoft.com/office/powerpoint/2010/main" val="1037027503"/>
+        <p14:creationId xmlns:p14="http://schemas.microsoft.com/office/powerpoint/2010/main" val="3328447116"/>
       </p:ext>
     </p:extLst>
   </p:cSld>
@@ -10977,7 +11018,7 @@
             </a:r>
             <a:r>
               <a:rPr lang="en-GB" dirty="0"/>
-              <a:t>: 0.8</a:t>
+              <a:t>: 0.0</a:t>
             </a:r>
           </a:p>
           <a:p>
@@ -10987,7 +11028,7 @@
             </a:r>
             <a:r>
               <a:rPr lang="en-GB" dirty="0"/>
-              <a:t>: Loose working point</a:t>
+              <a:t>: Medium working point</a:t>
             </a:r>
           </a:p>
         </p:txBody>
@@ -11074,10 +11115,10 @@
       </p:sp>
       <p:pic>
         <p:nvPicPr>
-          <p:cNvPr id="10" name="Picture 9">
+          <p:cNvPr id="6" name="Picture 5">
             <a:extLst>
               <a:ext uri="{FF2B5EF4-FFF2-40B4-BE49-F238E27FC236}">
-                <a16:creationId xmlns:a16="http://schemas.microsoft.com/office/drawing/2014/main" id="{31E6BCD0-3E17-014E-8401-7D22115D456D}"/>
+                <a16:creationId xmlns:a16="http://schemas.microsoft.com/office/drawing/2014/main" id="{32051D9F-2CC6-F542-8919-028EA9A02069}"/>
               </a:ext>
             </a:extLst>
           </p:cNvPr>
@@ -11094,8 +11135,8 @@
         </p:blipFill>
         <p:spPr>
           <a:xfrm>
-            <a:off x="5930652" y="1507522"/>
-            <a:ext cx="6116115" cy="4455360"/>
+            <a:off x="6057322" y="1280355"/>
+            <a:ext cx="6116115" cy="4705860"/>
           </a:xfrm>
           <a:prstGeom prst="rect">
             <a:avLst/>
@@ -11104,10 +11145,10 @@
       </p:pic>
       <p:pic>
         <p:nvPicPr>
-          <p:cNvPr id="14" name="Picture 13">
+          <p:cNvPr id="12" name="Picture 11">
             <a:extLst>
               <a:ext uri="{FF2B5EF4-FFF2-40B4-BE49-F238E27FC236}">
-                <a16:creationId xmlns:a16="http://schemas.microsoft.com/office/drawing/2014/main" id="{6621416F-3C4E-2140-8922-A10F7BCD14EF}"/>
+                <a16:creationId xmlns:a16="http://schemas.microsoft.com/office/drawing/2014/main" id="{78ECBF45-E1BD-6346-B95E-4027C6F639A3}"/>
               </a:ext>
             </a:extLst>
           </p:cNvPr>
@@ -11124,8 +11165,8 @@
         </p:blipFill>
         <p:spPr>
           <a:xfrm>
-            <a:off x="191043" y="1507521"/>
-            <a:ext cx="5739609" cy="4455361"/>
+            <a:off x="45810" y="1300573"/>
+            <a:ext cx="6116115" cy="4685642"/>
           </a:xfrm>
           <a:prstGeom prst="rect">
             <a:avLst/>
@@ -11135,7 +11176,7 @@
     </p:spTree>
     <p:extLst>
       <p:ext uri="{BB962C8B-B14F-4D97-AF65-F5344CB8AC3E}">
-        <p14:creationId xmlns:p14="http://schemas.microsoft.com/office/powerpoint/2010/main" val="3328447116"/>
+        <p14:creationId xmlns:p14="http://schemas.microsoft.com/office/powerpoint/2010/main" val="2530179306"/>
       </p:ext>
     </p:extLst>
   </p:cSld>
@@ -11315,7 +11356,7 @@
             </a:r>
             <a:r>
               <a:rPr lang="en-GB" dirty="0"/>
-              <a:t>: 0.0</a:t>
+              <a:t>: 0.1</a:t>
             </a:r>
           </a:p>
           <a:p>
@@ -11415,7 +11456,7 @@
           <p:cNvPr id="6" name="Picture 5">
             <a:extLst>
               <a:ext uri="{FF2B5EF4-FFF2-40B4-BE49-F238E27FC236}">
-                <a16:creationId xmlns:a16="http://schemas.microsoft.com/office/drawing/2014/main" id="{32051D9F-2CC6-F542-8919-028EA9A02069}"/>
+                <a16:creationId xmlns:a16="http://schemas.microsoft.com/office/drawing/2014/main" id="{721CAED7-241F-C04C-B440-36699067B997}"/>
               </a:ext>
             </a:extLst>
           </p:cNvPr>
@@ -11432,8 +11473,8 @@
         </p:blipFill>
         <p:spPr>
           <a:xfrm>
-            <a:off x="3906762" y="0"/>
-            <a:ext cx="4378476" cy="6858000"/>
+            <a:off x="6075885" y="1365112"/>
+            <a:ext cx="6116115" cy="4632873"/>
           </a:xfrm>
           <a:prstGeom prst="rect">
             <a:avLst/>
@@ -11445,7 +11486,7 @@
           <p:cNvPr id="12" name="Picture 11">
             <a:extLst>
               <a:ext uri="{FF2B5EF4-FFF2-40B4-BE49-F238E27FC236}">
-                <a16:creationId xmlns:a16="http://schemas.microsoft.com/office/drawing/2014/main" id="{78ECBF45-E1BD-6346-B95E-4027C6F639A3}"/>
+                <a16:creationId xmlns:a16="http://schemas.microsoft.com/office/drawing/2014/main" id="{5E804D8B-6E81-7C4C-ABBD-2E47D14ABE72}"/>
               </a:ext>
             </a:extLst>
           </p:cNvPr>
@@ -11462,8 +11503,8 @@
         </p:blipFill>
         <p:spPr>
           <a:xfrm>
-            <a:off x="1986999" y="-302849"/>
-            <a:ext cx="4378476" cy="6858000"/>
+            <a:off x="45810" y="1292125"/>
+            <a:ext cx="6116115" cy="4705859"/>
           </a:xfrm>
           <a:prstGeom prst="rect">
             <a:avLst/>
@@ -11473,7 +11514,7 @@
     </p:spTree>
     <p:extLst>
       <p:ext uri="{BB962C8B-B14F-4D97-AF65-F5344CB8AC3E}">
-        <p14:creationId xmlns:p14="http://schemas.microsoft.com/office/powerpoint/2010/main" val="2530179306"/>
+        <p14:creationId xmlns:p14="http://schemas.microsoft.com/office/powerpoint/2010/main" val="1620332407"/>
       </p:ext>
     </p:extLst>
   </p:cSld>
@@ -11839,7 +11880,7 @@
             </a:r>
             <a:r>
               <a:rPr lang="en-GB" dirty="0"/>
-              <a:t>: 0.1</a:t>
+              <a:t>: 0.2</a:t>
             </a:r>
           </a:p>
           <a:p>
@@ -11939,7 +11980,7 @@
           <p:cNvPr id="6" name="Picture 5">
             <a:extLst>
               <a:ext uri="{FF2B5EF4-FFF2-40B4-BE49-F238E27FC236}">
-                <a16:creationId xmlns:a16="http://schemas.microsoft.com/office/drawing/2014/main" id="{721CAED7-241F-C04C-B440-36699067B997}"/>
+                <a16:creationId xmlns:a16="http://schemas.microsoft.com/office/drawing/2014/main" id="{F10C761A-947E-7A4F-919C-230E6D90B04A}"/>
               </a:ext>
             </a:extLst>
           </p:cNvPr>
@@ -11956,8 +11997,8 @@
         </p:blipFill>
         <p:spPr>
           <a:xfrm>
-            <a:off x="3906762" y="0"/>
-            <a:ext cx="4378476" cy="6858000"/>
+            <a:off x="6038996" y="1421529"/>
+            <a:ext cx="6116115" cy="4484746"/>
           </a:xfrm>
           <a:prstGeom prst="rect">
             <a:avLst/>
@@ -11969,7 +12010,7 @@
           <p:cNvPr id="12" name="Picture 11">
             <a:extLst>
               <a:ext uri="{FF2B5EF4-FFF2-40B4-BE49-F238E27FC236}">
-                <a16:creationId xmlns:a16="http://schemas.microsoft.com/office/drawing/2014/main" id="{5E804D8B-6E81-7C4C-ABBD-2E47D14ABE72}"/>
+                <a16:creationId xmlns:a16="http://schemas.microsoft.com/office/drawing/2014/main" id="{01ACD5DC-F39B-A748-8F7E-1B6652B8D4DB}"/>
               </a:ext>
             </a:extLst>
           </p:cNvPr>
@@ -11986,8 +12027,8 @@
         </p:blipFill>
         <p:spPr>
           <a:xfrm>
-            <a:off x="1037369" y="-215653"/>
-            <a:ext cx="4378476" cy="6858000"/>
+            <a:off x="83663" y="1326999"/>
+            <a:ext cx="6046549" cy="4579276"/>
           </a:xfrm>
           <a:prstGeom prst="rect">
             <a:avLst/>
@@ -11997,7 +12038,7 @@
     </p:spTree>
     <p:extLst>
       <p:ext uri="{BB962C8B-B14F-4D97-AF65-F5344CB8AC3E}">
-        <p14:creationId xmlns:p14="http://schemas.microsoft.com/office/powerpoint/2010/main" val="1620332407"/>
+        <p14:creationId xmlns:p14="http://schemas.microsoft.com/office/powerpoint/2010/main" val="4201496803"/>
       </p:ext>
     </p:extLst>
   </p:cSld>
@@ -12177,7 +12218,7 @@
             </a:r>
             <a:r>
               <a:rPr lang="en-GB" dirty="0"/>
-              <a:t>: 0.2</a:t>
+              <a:t>: 0.3</a:t>
             </a:r>
           </a:p>
           <a:p>
@@ -12277,7 +12318,7 @@
           <p:cNvPr id="6" name="Picture 5">
             <a:extLst>
               <a:ext uri="{FF2B5EF4-FFF2-40B4-BE49-F238E27FC236}">
-                <a16:creationId xmlns:a16="http://schemas.microsoft.com/office/drawing/2014/main" id="{F10C761A-947E-7A4F-919C-230E6D90B04A}"/>
+                <a16:creationId xmlns:a16="http://schemas.microsoft.com/office/drawing/2014/main" id="{7BC9DEEF-5086-4B41-AEA8-E090432592F8}"/>
               </a:ext>
             </a:extLst>
           </p:cNvPr>
@@ -12294,8 +12335,8 @@
         </p:blipFill>
         <p:spPr>
           <a:xfrm>
-            <a:off x="3906762" y="0"/>
-            <a:ext cx="4378476" cy="6858000"/>
+            <a:off x="6057322" y="1195099"/>
+            <a:ext cx="6116115" cy="4613827"/>
           </a:xfrm>
           <a:prstGeom prst="rect">
             <a:avLst/>
@@ -12307,7 +12348,7 @@
           <p:cNvPr id="12" name="Picture 11">
             <a:extLst>
               <a:ext uri="{FF2B5EF4-FFF2-40B4-BE49-F238E27FC236}">
-                <a16:creationId xmlns:a16="http://schemas.microsoft.com/office/drawing/2014/main" id="{01ACD5DC-F39B-A748-8F7E-1B6652B8D4DB}"/>
+                <a16:creationId xmlns:a16="http://schemas.microsoft.com/office/drawing/2014/main" id="{6E9AC9C0-4099-8742-AC8A-447D3EA43C83}"/>
               </a:ext>
             </a:extLst>
           </p:cNvPr>
@@ -12324,8 +12365,8 @@
         </p:blipFill>
         <p:spPr>
           <a:xfrm>
-            <a:off x="2040558" y="-33090"/>
-            <a:ext cx="4378476" cy="6858000"/>
+            <a:off x="83663" y="1098072"/>
+            <a:ext cx="6116115" cy="4710855"/>
           </a:xfrm>
           <a:prstGeom prst="rect">
             <a:avLst/>
@@ -12335,7 +12376,7 @@
     </p:spTree>
     <p:extLst>
       <p:ext uri="{BB962C8B-B14F-4D97-AF65-F5344CB8AC3E}">
-        <p14:creationId xmlns:p14="http://schemas.microsoft.com/office/powerpoint/2010/main" val="4201496803"/>
+        <p14:creationId xmlns:p14="http://schemas.microsoft.com/office/powerpoint/2010/main" val="2529903863"/>
       </p:ext>
     </p:extLst>
   </p:cSld>
@@ -12515,7 +12556,7 @@
             </a:r>
             <a:r>
               <a:rPr lang="en-GB" dirty="0"/>
-              <a:t>: 0.3</a:t>
+              <a:t>: 0.4</a:t>
             </a:r>
           </a:p>
           <a:p>
@@ -12615,7 +12656,7 @@
           <p:cNvPr id="6" name="Picture 5">
             <a:extLst>
               <a:ext uri="{FF2B5EF4-FFF2-40B4-BE49-F238E27FC236}">
-                <a16:creationId xmlns:a16="http://schemas.microsoft.com/office/drawing/2014/main" id="{7BC9DEEF-5086-4B41-AEA8-E090432592F8}"/>
+                <a16:creationId xmlns:a16="http://schemas.microsoft.com/office/drawing/2014/main" id="{6793382A-D498-4244-9D85-55FD9D7C014E}"/>
               </a:ext>
             </a:extLst>
           </p:cNvPr>
@@ -12632,8 +12673,8 @@
         </p:blipFill>
         <p:spPr>
           <a:xfrm>
-            <a:off x="3906762" y="0"/>
-            <a:ext cx="4378476" cy="6858000"/>
+            <a:off x="6057322" y="1365113"/>
+            <a:ext cx="6116115" cy="4443814"/>
           </a:xfrm>
           <a:prstGeom prst="rect">
             <a:avLst/>
@@ -12645,7 +12686,7 @@
           <p:cNvPr id="12" name="Picture 11">
             <a:extLst>
               <a:ext uri="{FF2B5EF4-FFF2-40B4-BE49-F238E27FC236}">
-                <a16:creationId xmlns:a16="http://schemas.microsoft.com/office/drawing/2014/main" id="{6E9AC9C0-4099-8742-AC8A-447D3EA43C83}"/>
+                <a16:creationId xmlns:a16="http://schemas.microsoft.com/office/drawing/2014/main" id="{32E46E24-7952-2F47-83A9-7CA8A05DBF9A}"/>
               </a:ext>
             </a:extLst>
           </p:cNvPr>
@@ -12662,8 +12703,8 @@
         </p:blipFill>
         <p:spPr>
           <a:xfrm>
-            <a:off x="2918623" y="33090"/>
-            <a:ext cx="4378476" cy="6858000"/>
+            <a:off x="27677" y="1308450"/>
+            <a:ext cx="6116115" cy="4500477"/>
           </a:xfrm>
           <a:prstGeom prst="rect">
             <a:avLst/>
@@ -12673,7 +12714,7 @@
     </p:spTree>
     <p:extLst>
       <p:ext uri="{BB962C8B-B14F-4D97-AF65-F5344CB8AC3E}">
-        <p14:creationId xmlns:p14="http://schemas.microsoft.com/office/powerpoint/2010/main" val="2529903863"/>
+        <p14:creationId xmlns:p14="http://schemas.microsoft.com/office/powerpoint/2010/main" val="1951828376"/>
       </p:ext>
     </p:extLst>
   </p:cSld>
@@ -12853,7 +12894,7 @@
             </a:r>
             <a:r>
               <a:rPr lang="en-GB" dirty="0"/>
-              <a:t>: 0.4</a:t>
+              <a:t>: 0.6</a:t>
             </a:r>
           </a:p>
           <a:p>
@@ -12950,10 +12991,10 @@
       </p:sp>
       <p:pic>
         <p:nvPicPr>
-          <p:cNvPr id="6" name="Picture 5">
+          <p:cNvPr id="10" name="Picture 9">
             <a:extLst>
               <a:ext uri="{FF2B5EF4-FFF2-40B4-BE49-F238E27FC236}">
-                <a16:creationId xmlns:a16="http://schemas.microsoft.com/office/drawing/2014/main" id="{6793382A-D498-4244-9D85-55FD9D7C014E}"/>
+                <a16:creationId xmlns:a16="http://schemas.microsoft.com/office/drawing/2014/main" id="{E1B2BE97-E4EB-E84E-90A7-A08EDD0B9B04}"/>
               </a:ext>
             </a:extLst>
           </p:cNvPr>
@@ -12970,8 +13011,8 @@
         </p:blipFill>
         <p:spPr>
           <a:xfrm>
-            <a:off x="3906762" y="0"/>
-            <a:ext cx="4378476" cy="6858000"/>
+            <a:off x="6057322" y="1477482"/>
+            <a:ext cx="6116115" cy="4400804"/>
           </a:xfrm>
           <a:prstGeom prst="rect">
             <a:avLst/>
@@ -12980,10 +13021,10 @@
       </p:pic>
       <p:pic>
         <p:nvPicPr>
-          <p:cNvPr id="12" name="Picture 11">
+          <p:cNvPr id="14" name="Picture 13">
             <a:extLst>
               <a:ext uri="{FF2B5EF4-FFF2-40B4-BE49-F238E27FC236}">
-                <a16:creationId xmlns:a16="http://schemas.microsoft.com/office/drawing/2014/main" id="{32E46E24-7952-2F47-83A9-7CA8A05DBF9A}"/>
+                <a16:creationId xmlns:a16="http://schemas.microsoft.com/office/drawing/2014/main" id="{8A81D18E-758B-F648-B7C8-AEEF4AC8E886}"/>
               </a:ext>
             </a:extLst>
           </p:cNvPr>
@@ -13000,8 +13041,8 @@
         </p:blipFill>
         <p:spPr>
           <a:xfrm>
-            <a:off x="887382" y="148893"/>
-            <a:ext cx="4378476" cy="6858000"/>
+            <a:off x="83663" y="1384804"/>
+            <a:ext cx="5973659" cy="4493482"/>
           </a:xfrm>
           <a:prstGeom prst="rect">
             <a:avLst/>
@@ -13011,7 +13052,7 @@
     </p:spTree>
     <p:extLst>
       <p:ext uri="{BB962C8B-B14F-4D97-AF65-F5344CB8AC3E}">
-        <p14:creationId xmlns:p14="http://schemas.microsoft.com/office/powerpoint/2010/main" val="1951828376"/>
+        <p14:creationId xmlns:p14="http://schemas.microsoft.com/office/powerpoint/2010/main" val="2707148472"/>
       </p:ext>
     </p:extLst>
   </p:cSld>
@@ -13191,7 +13232,7 @@
             </a:r>
             <a:r>
               <a:rPr lang="en-GB" dirty="0"/>
-              <a:t>: 0.6</a:t>
+              <a:t>: 0.7</a:t>
             </a:r>
           </a:p>
           <a:p>
@@ -13291,7 +13332,7 @@
           <p:cNvPr id="10" name="Picture 9">
             <a:extLst>
               <a:ext uri="{FF2B5EF4-FFF2-40B4-BE49-F238E27FC236}">
-                <a16:creationId xmlns:a16="http://schemas.microsoft.com/office/drawing/2014/main" id="{E1B2BE97-E4EB-E84E-90A7-A08EDD0B9B04}"/>
+                <a16:creationId xmlns:a16="http://schemas.microsoft.com/office/drawing/2014/main" id="{1065F406-AE9E-954F-A359-23562AB24725}"/>
               </a:ext>
             </a:extLst>
           </p:cNvPr>
@@ -13308,8 +13349,8 @@
         </p:blipFill>
         <p:spPr>
           <a:xfrm>
-            <a:off x="6057322" y="1477482"/>
-            <a:ext cx="6116115" cy="4400804"/>
+            <a:off x="5930652" y="1361227"/>
+            <a:ext cx="6116115" cy="4601656"/>
           </a:xfrm>
           <a:prstGeom prst="rect">
             <a:avLst/>
@@ -13321,7 +13362,7 @@
           <p:cNvPr id="14" name="Picture 13">
             <a:extLst>
               <a:ext uri="{FF2B5EF4-FFF2-40B4-BE49-F238E27FC236}">
-                <a16:creationId xmlns:a16="http://schemas.microsoft.com/office/drawing/2014/main" id="{8A81D18E-758B-F648-B7C8-AEEF4AC8E886}"/>
+                <a16:creationId xmlns:a16="http://schemas.microsoft.com/office/drawing/2014/main" id="{D62D1852-DCC6-9748-BEEF-929595BB9EE0}"/>
               </a:ext>
             </a:extLst>
           </p:cNvPr>
@@ -13338,8 +13379,8 @@
         </p:blipFill>
         <p:spPr>
           <a:xfrm>
-            <a:off x="83663" y="1384804"/>
-            <a:ext cx="5973659" cy="4493482"/>
+            <a:off x="83663" y="1419763"/>
+            <a:ext cx="5846989" cy="4543120"/>
           </a:xfrm>
           <a:prstGeom prst="rect">
             <a:avLst/>
@@ -13349,7 +13390,7 @@
     </p:spTree>
     <p:extLst>
       <p:ext uri="{BB962C8B-B14F-4D97-AF65-F5344CB8AC3E}">
-        <p14:creationId xmlns:p14="http://schemas.microsoft.com/office/powerpoint/2010/main" val="2707148472"/>
+        <p14:creationId xmlns:p14="http://schemas.microsoft.com/office/powerpoint/2010/main" val="1675552753"/>
       </p:ext>
     </p:extLst>
   </p:cSld>
@@ -13529,7 +13570,7 @@
             </a:r>
             <a:r>
               <a:rPr lang="en-GB" dirty="0"/>
-              <a:t>: 0.7</a:t>
+              <a:t>: 0.8</a:t>
             </a:r>
           </a:p>
           <a:p>
@@ -13626,10 +13667,10 @@
       </p:sp>
       <p:pic>
         <p:nvPicPr>
-          <p:cNvPr id="10" name="Picture 9">
+          <p:cNvPr id="12" name="Picture 11">
             <a:extLst>
               <a:ext uri="{FF2B5EF4-FFF2-40B4-BE49-F238E27FC236}">
-                <a16:creationId xmlns:a16="http://schemas.microsoft.com/office/drawing/2014/main" id="{1065F406-AE9E-954F-A359-23562AB24725}"/>
+                <a16:creationId xmlns:a16="http://schemas.microsoft.com/office/drawing/2014/main" id="{CEC8A0C1-E6AE-9B44-8788-4B2EF96C44D9}"/>
               </a:ext>
             </a:extLst>
           </p:cNvPr>
@@ -13646,8 +13687,8 @@
         </p:blipFill>
         <p:spPr>
           <a:xfrm>
-            <a:off x="5930652" y="1361227"/>
-            <a:ext cx="6116115" cy="4601656"/>
+            <a:off x="0" y="0"/>
+            <a:ext cx="12192000" cy="6858000"/>
           </a:xfrm>
           <a:prstGeom prst="rect">
             <a:avLst/>
@@ -13656,10 +13697,10 @@
       </p:pic>
       <p:pic>
         <p:nvPicPr>
-          <p:cNvPr id="14" name="Picture 13">
+          <p:cNvPr id="451" name="Picture 450">
             <a:extLst>
               <a:ext uri="{FF2B5EF4-FFF2-40B4-BE49-F238E27FC236}">
-                <a16:creationId xmlns:a16="http://schemas.microsoft.com/office/drawing/2014/main" id="{D62D1852-DCC6-9748-BEEF-929595BB9EE0}"/>
+                <a16:creationId xmlns:a16="http://schemas.microsoft.com/office/drawing/2014/main" id="{1C754A04-EB10-C24F-85E4-6BB9E6ED6003}"/>
               </a:ext>
             </a:extLst>
           </p:cNvPr>
@@ -13676,8 +13717,38 @@
         </p:blipFill>
         <p:spPr>
           <a:xfrm>
-            <a:off x="83663" y="1419763"/>
-            <a:ext cx="5846989" cy="4543120"/>
+            <a:off x="6307158" y="1515182"/>
+            <a:ext cx="5866279" cy="4447700"/>
+          </a:xfrm>
+          <a:prstGeom prst="rect">
+            <a:avLst/>
+          </a:prstGeom>
+        </p:spPr>
+      </p:pic>
+      <p:pic>
+        <p:nvPicPr>
+          <p:cNvPr id="453" name="Picture 452">
+            <a:extLst>
+              <a:ext uri="{FF2B5EF4-FFF2-40B4-BE49-F238E27FC236}">
+                <a16:creationId xmlns:a16="http://schemas.microsoft.com/office/drawing/2014/main" id="{4AD47693-49BA-0242-B991-258D59D24A3B}"/>
+              </a:ext>
+            </a:extLst>
+          </p:cNvPr>
+          <p:cNvPicPr>
+            <a:picLocks noChangeAspect="1"/>
+          </p:cNvPicPr>
+          <p:nvPr/>
+        </p:nvPicPr>
+        <p:blipFill>
+          <a:blip r:embed="rId4"/>
+          <a:stretch>
+            <a:fillRect/>
+          </a:stretch>
+        </p:blipFill>
+        <p:spPr>
+          <a:xfrm>
+            <a:off x="191043" y="1564129"/>
+            <a:ext cx="5883186" cy="4398753"/>
           </a:xfrm>
           <a:prstGeom prst="rect">
             <a:avLst/>
@@ -13687,7 +13758,7 @@
     </p:spTree>
     <p:extLst>
       <p:ext uri="{BB962C8B-B14F-4D97-AF65-F5344CB8AC3E}">
-        <p14:creationId xmlns:p14="http://schemas.microsoft.com/office/powerpoint/2010/main" val="1675552753"/>
+        <p14:creationId xmlns:p14="http://schemas.microsoft.com/office/powerpoint/2010/main" val="571602100"/>
       </p:ext>
     </p:extLst>
   </p:cSld>
@@ -13716,32 +13787,10 @@
       </p:grpSpPr>
       <p:sp>
         <p:nvSpPr>
-          <p:cNvPr id="3" name="Date Placeholder 2"/>
-          <p:cNvSpPr>
-            <a:spLocks noGrp="1"/>
-          </p:cNvSpPr>
-          <p:nvPr>
-            <p:ph type="dt" sz="half" idx="10"/>
-          </p:nvPr>
-        </p:nvSpPr>
-        <p:spPr/>
-        <p:txBody>
-          <a:bodyPr/>
-          <a:lstStyle/>
-          <a:p>
-            <a:r>
-              <a:rPr lang="en-US"/>
-              <a:t>9/5/2019</a:t>
-            </a:r>
-          </a:p>
-        </p:txBody>
-      </p:sp>
-      <p:sp>
-        <p:nvSpPr>
-          <p:cNvPr id="2" name="Title 1">
+          <p:cNvPr id="2" name="Date Placeholder 1">
             <a:extLst>
               <a:ext uri="{FF2B5EF4-FFF2-40B4-BE49-F238E27FC236}">
-                <a16:creationId xmlns:a16="http://schemas.microsoft.com/office/drawing/2014/main" id="{5CF40D89-DF1E-8F4E-93AC-378FC1818147}"/>
+                <a16:creationId xmlns:a16="http://schemas.microsoft.com/office/drawing/2014/main" id="{35B3737C-223A-4C4E-A537-DF6F6BC930A8}"/>
               </a:ext>
             </a:extLst>
           </p:cNvPr>
@@ -13749,142 +13798,30 @@
             <a:spLocks noGrp="1"/>
           </p:cNvSpPr>
           <p:nvPr>
-            <p:ph type="title" idx="4294967295"/>
-          </p:nvPr>
-        </p:nvSpPr>
-        <p:spPr>
-          <a:xfrm>
-            <a:off x="83663" y="302849"/>
-            <a:ext cx="10515600" cy="338420"/>
-          </a:xfrm>
-        </p:spPr>
-        <p:txBody>
-          <a:bodyPr>
-            <a:normAutofit fontScale="90000"/>
-          </a:bodyPr>
-          <a:lstStyle/>
-          <a:p>
-            <a:r>
-              <a:rPr lang="en-US" sz="3600" dirty="0"/>
-              <a:t>Signal over </a:t>
-            </a:r>
-            <a:r>
-              <a:rPr lang="en-US" sz="3600" dirty="0" err="1"/>
-              <a:t>Bkg</a:t>
-            </a:r>
-            <a:r>
-              <a:rPr lang="en-US" sz="3600" dirty="0"/>
-              <a:t> for </a:t>
-            </a:r>
-            <a:r>
-              <a:rPr lang="en-US" sz="3600" dirty="0" err="1"/>
-              <a:t>mJJ</a:t>
-            </a:r>
-            <a:r>
-              <a:rPr lang="en-US" sz="3600" dirty="0"/>
-              <a:t> (</a:t>
-            </a:r>
-            <a:r>
-              <a:rPr lang="en-US" sz="3600" dirty="0" err="1"/>
-              <a:t>reco</a:t>
-            </a:r>
-            <a:r>
-              <a:rPr lang="en-US" sz="3600" dirty="0"/>
-              <a:t>)</a:t>
-            </a:r>
-          </a:p>
-        </p:txBody>
-      </p:sp>
-      <p:sp>
-        <p:nvSpPr>
-          <p:cNvPr id="11" name="TextBox 10"/>
-          <p:cNvSpPr txBox="1"/>
-          <p:nvPr/>
-        </p:nvSpPr>
-        <p:spPr>
-          <a:xfrm>
-            <a:off x="-99422" y="768906"/>
-            <a:ext cx="6406580" cy="523220"/>
-          </a:xfrm>
-          <a:prstGeom prst="rect">
-            <a:avLst/>
-          </a:prstGeom>
-          <a:noFill/>
-        </p:spPr>
-        <p:txBody>
-          <a:bodyPr wrap="square" rtlCol="0">
-            <a:spAutoFit/>
-          </a:bodyPr>
-          <a:lstStyle/>
-          <a:p>
-            <a:pPr algn="ctr"/>
-            <a:r>
-              <a:rPr lang="en-GB" sz="1400" dirty="0"/>
-              <a:t>nominal TT_TuneCUETP8M2T4_13TeV-powherg-pythia8</a:t>
-            </a:r>
-          </a:p>
-          <a:p>
-            <a:pPr algn="ctr"/>
-            <a:r>
-              <a:rPr lang="en-GB" sz="1400" dirty="0"/>
-              <a:t> Over </a:t>
-            </a:r>
-            <a:r>
-              <a:rPr lang="en-GB" sz="1400" dirty="0" err="1"/>
-              <a:t>Bkg</a:t>
-            </a:r>
-            <a:r>
-              <a:rPr lang="en-GB" sz="1400" dirty="0"/>
-              <a:t> (All Categories)</a:t>
-            </a:r>
-          </a:p>
-        </p:txBody>
-      </p:sp>
-      <p:sp>
-        <p:nvSpPr>
-          <p:cNvPr id="8" name="Rectangle 7"/>
-          <p:cNvSpPr/>
-          <p:nvPr/>
-        </p:nvSpPr>
-        <p:spPr>
-          <a:xfrm>
-            <a:off x="5584450" y="148893"/>
-            <a:ext cx="3530930" cy="646331"/>
-          </a:xfrm>
-          <a:prstGeom prst="rect">
-            <a:avLst/>
-          </a:prstGeom>
-        </p:spPr>
-        <p:txBody>
-          <a:bodyPr wrap="square">
-            <a:spAutoFit/>
-          </a:bodyPr>
-          <a:lstStyle/>
-          <a:p>
-            <a:r>
-              <a:rPr lang="en-GB" b="1" dirty="0"/>
-              <a:t>Top tagger cut </a:t>
-            </a:r>
-            <a:r>
-              <a:rPr lang="en-GB" dirty="0"/>
-              <a:t>: 0.8</a:t>
-            </a:r>
-          </a:p>
-          <a:p>
-            <a:r>
-              <a:rPr lang="en-GB" b="1" dirty="0"/>
-              <a:t>B-tagging</a:t>
-            </a:r>
-            <a:r>
-              <a:rPr lang="en-GB" dirty="0"/>
-              <a:t>: Medium working point</a:t>
-            </a:r>
-          </a:p>
-        </p:txBody>
-      </p:sp>
-      <p:sp>
-        <p:nvSpPr>
-          <p:cNvPr id="5" name="Footer Placeholder 4"/>
+            <p:ph type="dt" sz="half" idx="10"/>
+          </p:nvPr>
+        </p:nvSpPr>
+        <p:spPr/>
+        <p:txBody>
+          <a:bodyPr/>
+          <a:lstStyle/>
+          <a:p>
+            <a:r>
+              <a:rPr lang="en-US"/>
+              <a:t>9/5/2019</a:t>
+            </a:r>
+          </a:p>
+        </p:txBody>
+      </p:sp>
+      <p:sp>
+        <p:nvSpPr>
+          <p:cNvPr id="3" name="Footer Placeholder 2">
+            <a:extLst>
+              <a:ext uri="{FF2B5EF4-FFF2-40B4-BE49-F238E27FC236}">
+                <a16:creationId xmlns:a16="http://schemas.microsoft.com/office/drawing/2014/main" id="{48B42933-F65E-4A47-966B-D57C2D1C6047}"/>
+              </a:ext>
+            </a:extLst>
+          </p:cNvPr>
           <p:cNvSpPr>
             <a:spLocks noGrp="1"/>
           </p:cNvSpPr>
@@ -13907,41 +13844,13 @@
       </p:sp>
       <p:sp>
         <p:nvSpPr>
-          <p:cNvPr id="9" name="TextBox 8"/>
-          <p:cNvSpPr txBox="1"/>
-          <p:nvPr/>
-        </p:nvSpPr>
-        <p:spPr>
-          <a:xfrm>
-            <a:off x="5785420" y="795291"/>
-            <a:ext cx="6406580" cy="307777"/>
-          </a:xfrm>
-          <a:prstGeom prst="rect">
-            <a:avLst/>
-          </a:prstGeom>
-          <a:noFill/>
-        </p:spPr>
-        <p:txBody>
-          <a:bodyPr wrap="square" rtlCol="0">
-            <a:spAutoFit/>
-          </a:bodyPr>
-          <a:lstStyle/>
-          <a:p>
-            <a:pPr algn="ctr"/>
-            <a:r>
-              <a:rPr lang="en-GB" sz="1400" dirty="0" err="1"/>
-              <a:t>Mtt</a:t>
-            </a:r>
-            <a:r>
-              <a:rPr lang="en-GB" sz="1400" dirty="0"/>
-              <a:t> Samples</a:t>
-            </a:r>
-          </a:p>
-        </p:txBody>
-      </p:sp>
-      <p:sp>
-        <p:nvSpPr>
-          <p:cNvPr id="7" name="Slide Number Placeholder 6"/>
+          <p:cNvPr id="4" name="Slide Number Placeholder 3">
+            <a:extLst>
+              <a:ext uri="{FF2B5EF4-FFF2-40B4-BE49-F238E27FC236}">
+                <a16:creationId xmlns:a16="http://schemas.microsoft.com/office/drawing/2014/main" id="{AA985858-F8FD-2D4D-930D-1C2187810613}"/>
+              </a:ext>
+            </a:extLst>
+          </p:cNvPr>
           <p:cNvSpPr>
             <a:spLocks noGrp="1"/>
           </p:cNvSpPr>
@@ -13962,90 +13871,100 @@
           </a:p>
         </p:txBody>
       </p:sp>
-      <p:pic>
-        <p:nvPicPr>
-          <p:cNvPr id="12" name="Picture 11">
+      <p:sp>
+        <p:nvSpPr>
+          <p:cNvPr id="5" name="TextBox 4">
             <a:extLst>
               <a:ext uri="{FF2B5EF4-FFF2-40B4-BE49-F238E27FC236}">
-                <a16:creationId xmlns:a16="http://schemas.microsoft.com/office/drawing/2014/main" id="{CEC8A0C1-E6AE-9B44-8788-4B2EF96C44D9}"/>
+                <a16:creationId xmlns:a16="http://schemas.microsoft.com/office/drawing/2014/main" id="{D235AA29-F185-574C-8859-4AEA9F229940}"/>
               </a:ext>
             </a:extLst>
           </p:cNvPr>
+          <p:cNvSpPr txBox="1"/>
+          <p:nvPr/>
+        </p:nvSpPr>
+        <p:spPr>
+          <a:xfrm>
+            <a:off x="128450" y="200932"/>
+            <a:ext cx="11726091" cy="369332"/>
+          </a:xfrm>
+          <a:prstGeom prst="rect">
+            <a:avLst/>
+          </a:prstGeom>
+          <a:noFill/>
+        </p:spPr>
+        <p:txBody>
+          <a:bodyPr wrap="square" rtlCol="0">
+            <a:spAutoFit/>
+          </a:bodyPr>
+          <a:lstStyle/>
+          <a:p>
+            <a:endParaRPr lang="en-US" dirty="0"/>
+          </a:p>
+        </p:txBody>
+      </p:sp>
+      <p:sp>
+        <p:nvSpPr>
+          <p:cNvPr id="6" name="TextBox 5"/>
+          <p:cNvSpPr txBox="1"/>
+          <p:nvPr/>
+        </p:nvSpPr>
+        <p:spPr>
+          <a:xfrm>
+            <a:off x="429208" y="200932"/>
+            <a:ext cx="11206065" cy="369332"/>
+          </a:xfrm>
+          <a:prstGeom prst="rect">
+            <a:avLst/>
+          </a:prstGeom>
+          <a:noFill/>
+        </p:spPr>
+        <p:txBody>
+          <a:bodyPr wrap="square" rtlCol="0">
+            <a:spAutoFit/>
+          </a:bodyPr>
+          <a:lstStyle/>
+          <a:p>
+            <a:r>
+              <a:rPr lang="en-US" dirty="0"/>
+              <a:t>Expected Yields vs </a:t>
+            </a:r>
+            <a:r>
+              <a:rPr lang="en-US" dirty="0" err="1"/>
+              <a:t>JetMassSoftDrop</a:t>
+            </a:r>
+            <a:r>
+              <a:rPr lang="en-US" dirty="0"/>
+              <a:t> (double fill)</a:t>
+            </a:r>
+            <a:endParaRPr lang="en-GB" dirty="0"/>
+          </a:p>
+        </p:txBody>
+      </p:sp>
+      <p:pic>
+        <p:nvPicPr>
+          <p:cNvPr id="8" name="Picture 7"/>
           <p:cNvPicPr>
             <a:picLocks noChangeAspect="1"/>
           </p:cNvPicPr>
           <p:nvPr/>
         </p:nvPicPr>
         <p:blipFill>
-          <a:blip r:embed="rId2"/>
+          <a:blip r:embed="rId2">
+            <a:extLst>
+              <a:ext uri="{28A0092B-C50C-407E-A947-70E740481C1C}">
+                <a14:useLocalDpi xmlns:a14="http://schemas.microsoft.com/office/drawing/2010/main" val="0"/>
+              </a:ext>
+            </a:extLst>
+          </a:blip>
           <a:stretch>
             <a:fillRect/>
           </a:stretch>
         </p:blipFill>
         <p:spPr>
           <a:xfrm>
-            <a:off x="0" y="0"/>
-            <a:ext cx="12192000" cy="6858000"/>
-          </a:xfrm>
-          <a:prstGeom prst="rect">
-            <a:avLst/>
-          </a:prstGeom>
-        </p:spPr>
-      </p:pic>
-      <p:pic>
-        <p:nvPicPr>
-          <p:cNvPr id="451" name="Picture 450">
-            <a:extLst>
-              <a:ext uri="{FF2B5EF4-FFF2-40B4-BE49-F238E27FC236}">
-                <a16:creationId xmlns:a16="http://schemas.microsoft.com/office/drawing/2014/main" id="{1C754A04-EB10-C24F-85E4-6BB9E6ED6003}"/>
-              </a:ext>
-            </a:extLst>
-          </p:cNvPr>
-          <p:cNvPicPr>
-            <a:picLocks noChangeAspect="1"/>
-          </p:cNvPicPr>
-          <p:nvPr/>
-        </p:nvPicPr>
-        <p:blipFill>
-          <a:blip r:embed="rId3"/>
-          <a:stretch>
-            <a:fillRect/>
-          </a:stretch>
-        </p:blipFill>
-        <p:spPr>
-          <a:xfrm>
-            <a:off x="6307158" y="1515182"/>
-            <a:ext cx="5866279" cy="4447700"/>
-          </a:xfrm>
-          <a:prstGeom prst="rect">
-            <a:avLst/>
-          </a:prstGeom>
-        </p:spPr>
-      </p:pic>
-      <p:pic>
-        <p:nvPicPr>
-          <p:cNvPr id="453" name="Picture 452">
-            <a:extLst>
-              <a:ext uri="{FF2B5EF4-FFF2-40B4-BE49-F238E27FC236}">
-                <a16:creationId xmlns:a16="http://schemas.microsoft.com/office/drawing/2014/main" id="{4AD47693-49BA-0242-B991-258D59D24A3B}"/>
-              </a:ext>
-            </a:extLst>
-          </p:cNvPr>
-          <p:cNvPicPr>
-            <a:picLocks noChangeAspect="1"/>
-          </p:cNvPicPr>
-          <p:nvPr/>
-        </p:nvPicPr>
-        <p:blipFill>
-          <a:blip r:embed="rId4"/>
-          <a:stretch>
-            <a:fillRect/>
-          </a:stretch>
-        </p:blipFill>
-        <p:spPr>
-          <a:xfrm>
-            <a:off x="191043" y="1564129"/>
-            <a:ext cx="5883186" cy="4398753"/>
+            <a:off x="1819275" y="700087"/>
+            <a:ext cx="8553450" cy="5457825"/>
           </a:xfrm>
           <a:prstGeom prst="rect">
             <a:avLst/>
@@ -14055,7 +13974,7 @@
     </p:spTree>
     <p:extLst>
       <p:ext uri="{BB962C8B-B14F-4D97-AF65-F5344CB8AC3E}">
-        <p14:creationId xmlns:p14="http://schemas.microsoft.com/office/powerpoint/2010/main" val="571602100"/>
+        <p14:creationId xmlns:p14="http://schemas.microsoft.com/office/powerpoint/2010/main" val="2835245837"/>
       </p:ext>
     </p:extLst>
   </p:cSld>
@@ -14240,7 +14159,7 @@
       </p:sp>
       <p:pic>
         <p:nvPicPr>
-          <p:cNvPr id="8" name="Picture 7"/>
+          <p:cNvPr id="7" name="Picture 6"/>
           <p:cNvPicPr>
             <a:picLocks noChangeAspect="1"/>
           </p:cNvPicPr>
@@ -14271,7 +14190,7 @@
     </p:spTree>
     <p:extLst>
       <p:ext uri="{BB962C8B-B14F-4D97-AF65-F5344CB8AC3E}">
-        <p14:creationId xmlns:p14="http://schemas.microsoft.com/office/powerpoint/2010/main" val="2835245837"/>
+        <p14:creationId xmlns:p14="http://schemas.microsoft.com/office/powerpoint/2010/main" val="701571623"/>
       </p:ext>
     </p:extLst>
   </p:cSld>
@@ -14487,7 +14406,7 @@
     </p:spTree>
     <p:extLst>
       <p:ext uri="{BB962C8B-B14F-4D97-AF65-F5344CB8AC3E}">
-        <p14:creationId xmlns:p14="http://schemas.microsoft.com/office/powerpoint/2010/main" val="701571623"/>
+        <p14:creationId xmlns:p14="http://schemas.microsoft.com/office/powerpoint/2010/main" val="3071998737"/>
       </p:ext>
     </p:extLst>
   </p:cSld>
@@ -14703,7 +14622,7 @@
     </p:spTree>
     <p:extLst>
       <p:ext uri="{BB962C8B-B14F-4D97-AF65-F5344CB8AC3E}">
-        <p14:creationId xmlns:p14="http://schemas.microsoft.com/office/powerpoint/2010/main" val="3071998737"/>
+        <p14:creationId xmlns:p14="http://schemas.microsoft.com/office/powerpoint/2010/main" val="1073232545"/>
       </p:ext>
     </p:extLst>
   </p:cSld>
@@ -14966,8 +14885,8 @@
         </p:blipFill>
         <p:spPr>
           <a:xfrm>
-            <a:off x="3906762" y="0"/>
-            <a:ext cx="4378476" cy="6858000"/>
+            <a:off x="83663" y="1204319"/>
+            <a:ext cx="6116115" cy="4608651"/>
           </a:xfrm>
           <a:prstGeom prst="rect">
             <a:avLst/>
@@ -14996,8 +14915,8 @@
         </p:blipFill>
         <p:spPr>
           <a:xfrm>
-            <a:off x="5160677" y="148893"/>
-            <a:ext cx="4378476" cy="6858000"/>
+            <a:off x="6057322" y="1204319"/>
+            <a:ext cx="6116115" cy="4608650"/>
           </a:xfrm>
           <a:prstGeom prst="rect">
             <a:avLst/>
@@ -15223,7 +15142,7 @@
     </p:spTree>
     <p:extLst>
       <p:ext uri="{BB962C8B-B14F-4D97-AF65-F5344CB8AC3E}">
-        <p14:creationId xmlns:p14="http://schemas.microsoft.com/office/powerpoint/2010/main" val="1073232545"/>
+        <p14:creationId xmlns:p14="http://schemas.microsoft.com/office/powerpoint/2010/main" val="1446723790"/>
       </p:ext>
     </p:extLst>
   </p:cSld>
@@ -15439,7 +15358,7 @@
     </p:spTree>
     <p:extLst>
       <p:ext uri="{BB962C8B-B14F-4D97-AF65-F5344CB8AC3E}">
-        <p14:creationId xmlns:p14="http://schemas.microsoft.com/office/powerpoint/2010/main" val="1446723790"/>
+        <p14:creationId xmlns:p14="http://schemas.microsoft.com/office/powerpoint/2010/main" val="1177525837"/>
       </p:ext>
     </p:extLst>
   </p:cSld>
@@ -15624,7 +15543,7 @@
       </p:sp>
       <p:pic>
         <p:nvPicPr>
-          <p:cNvPr id="7" name="Picture 6"/>
+          <p:cNvPr id="8" name="Picture 7"/>
           <p:cNvPicPr>
             <a:picLocks noChangeAspect="1"/>
           </p:cNvPicPr>
@@ -15655,7 +15574,7 @@
     </p:spTree>
     <p:extLst>
       <p:ext uri="{BB962C8B-B14F-4D97-AF65-F5344CB8AC3E}">
-        <p14:creationId xmlns:p14="http://schemas.microsoft.com/office/powerpoint/2010/main" val="1177525837"/>
+        <p14:creationId xmlns:p14="http://schemas.microsoft.com/office/powerpoint/2010/main" val="183640541"/>
       </p:ext>
     </p:extLst>
   </p:cSld>
@@ -15840,7 +15759,7 @@
       </p:sp>
       <p:pic>
         <p:nvPicPr>
-          <p:cNvPr id="8" name="Picture 7"/>
+          <p:cNvPr id="11" name="Picture 10"/>
           <p:cNvPicPr>
             <a:picLocks noChangeAspect="1"/>
           </p:cNvPicPr>
@@ -15871,7 +15790,7 @@
     </p:spTree>
     <p:extLst>
       <p:ext uri="{BB962C8B-B14F-4D97-AF65-F5344CB8AC3E}">
-        <p14:creationId xmlns:p14="http://schemas.microsoft.com/office/powerpoint/2010/main" val="183640541"/>
+        <p14:creationId xmlns:p14="http://schemas.microsoft.com/office/powerpoint/2010/main" val="4228699475"/>
       </p:ext>
     </p:extLst>
   </p:cSld>
@@ -16056,7 +15975,7 @@
       </p:sp>
       <p:pic>
         <p:nvPicPr>
-          <p:cNvPr id="11" name="Picture 10"/>
+          <p:cNvPr id="8" name="Picture 7"/>
           <p:cNvPicPr>
             <a:picLocks noChangeAspect="1"/>
           </p:cNvPicPr>
@@ -16087,7 +16006,7 @@
     </p:spTree>
     <p:extLst>
       <p:ext uri="{BB962C8B-B14F-4D97-AF65-F5344CB8AC3E}">
-        <p14:creationId xmlns:p14="http://schemas.microsoft.com/office/powerpoint/2010/main" val="4228699475"/>
+        <p14:creationId xmlns:p14="http://schemas.microsoft.com/office/powerpoint/2010/main" val="1980805383"/>
       </p:ext>
     </p:extLst>
   </p:cSld>
@@ -16272,7 +16191,7 @@
       </p:sp>
       <p:pic>
         <p:nvPicPr>
-          <p:cNvPr id="8" name="Picture 7"/>
+          <p:cNvPr id="7" name="Picture 6"/>
           <p:cNvPicPr>
             <a:picLocks noChangeAspect="1"/>
           </p:cNvPicPr>
@@ -16292,8 +16211,8 @@
         </p:blipFill>
         <p:spPr>
           <a:xfrm>
-            <a:off x="1819275" y="700087"/>
-            <a:ext cx="8553450" cy="5457825"/>
+            <a:off x="1819275" y="685800"/>
+            <a:ext cx="8553450" cy="5486400"/>
           </a:xfrm>
           <a:prstGeom prst="rect">
             <a:avLst/>
@@ -16303,7 +16222,7 @@
     </p:spTree>
     <p:extLst>
       <p:ext uri="{BB962C8B-B14F-4D97-AF65-F5344CB8AC3E}">
-        <p14:creationId xmlns:p14="http://schemas.microsoft.com/office/powerpoint/2010/main" val="1980805383"/>
+        <p14:creationId xmlns:p14="http://schemas.microsoft.com/office/powerpoint/2010/main" val="3126356450"/>
       </p:ext>
     </p:extLst>
   </p:cSld>
@@ -16508,8 +16427,8 @@
         </p:blipFill>
         <p:spPr>
           <a:xfrm>
-            <a:off x="1819275" y="685800"/>
-            <a:ext cx="8553450" cy="5486400"/>
+            <a:off x="1819275" y="700087"/>
+            <a:ext cx="8553450" cy="5457825"/>
           </a:xfrm>
           <a:prstGeom prst="rect">
             <a:avLst/>
@@ -16519,7 +16438,7 @@
     </p:spTree>
     <p:extLst>
       <p:ext uri="{BB962C8B-B14F-4D97-AF65-F5344CB8AC3E}">
-        <p14:creationId xmlns:p14="http://schemas.microsoft.com/office/powerpoint/2010/main" val="3126356450"/>
+        <p14:creationId xmlns:p14="http://schemas.microsoft.com/office/powerpoint/2010/main" val="4156806144"/>
       </p:ext>
     </p:extLst>
   </p:cSld>
@@ -16735,7 +16654,7 @@
     </p:spTree>
     <p:extLst>
       <p:ext uri="{BB962C8B-B14F-4D97-AF65-F5344CB8AC3E}">
-        <p14:creationId xmlns:p14="http://schemas.microsoft.com/office/powerpoint/2010/main" val="4156806144"/>
+        <p14:creationId xmlns:p14="http://schemas.microsoft.com/office/powerpoint/2010/main" val="2136586353"/>
       </p:ext>
     </p:extLst>
   </p:cSld>
@@ -16951,7 +16870,7 @@
     </p:spTree>
     <p:extLst>
       <p:ext uri="{BB962C8B-B14F-4D97-AF65-F5344CB8AC3E}">
-        <p14:creationId xmlns:p14="http://schemas.microsoft.com/office/powerpoint/2010/main" val="2136586353"/>
+        <p14:creationId xmlns:p14="http://schemas.microsoft.com/office/powerpoint/2010/main" val="1800629274"/>
       </p:ext>
     </p:extLst>
   </p:cSld>
@@ -17167,7 +17086,7 @@
     </p:spTree>
     <p:extLst>
       <p:ext uri="{BB962C8B-B14F-4D97-AF65-F5344CB8AC3E}">
-        <p14:creationId xmlns:p14="http://schemas.microsoft.com/office/powerpoint/2010/main" val="1800629274"/>
+        <p14:creationId xmlns:p14="http://schemas.microsoft.com/office/powerpoint/2010/main" val="3810551608"/>
       </p:ext>
     </p:extLst>
   </p:cSld>
@@ -17430,8 +17349,8 @@
         </p:blipFill>
         <p:spPr>
           <a:xfrm>
-            <a:off x="3906762" y="0"/>
-            <a:ext cx="4378476" cy="6858000"/>
+            <a:off x="191043" y="1103067"/>
+            <a:ext cx="6116115" cy="4709903"/>
           </a:xfrm>
           <a:prstGeom prst="rect">
             <a:avLst/>
@@ -17460,8 +17379,8 @@
         </p:blipFill>
         <p:spPr>
           <a:xfrm>
-            <a:off x="4736904" y="33090"/>
-            <a:ext cx="4378476" cy="6858000"/>
+            <a:off x="5930652" y="1129452"/>
+            <a:ext cx="6116115" cy="4683517"/>
           </a:xfrm>
           <a:prstGeom prst="rect">
             <a:avLst/>
@@ -17687,7 +17606,7 @@
     </p:spTree>
     <p:extLst>
       <p:ext uri="{BB962C8B-B14F-4D97-AF65-F5344CB8AC3E}">
-        <p14:creationId xmlns:p14="http://schemas.microsoft.com/office/powerpoint/2010/main" val="3810551608"/>
+        <p14:creationId xmlns:p14="http://schemas.microsoft.com/office/powerpoint/2010/main" val="1586662615"/>
       </p:ext>
     </p:extLst>
   </p:cSld>
@@ -17795,222 +17714,6 @@
             <a:fld id="{AEEFAC8D-0A19-DC49-9F7A-4BFCAD95B105}" type="slidenum">
               <a:rPr lang="en-US" smtClean="0"/>
               <a:t>51</a:t>
-            </a:fld>
-            <a:endParaRPr lang="en-US"/>
-          </a:p>
-        </p:txBody>
-      </p:sp>
-      <p:sp>
-        <p:nvSpPr>
-          <p:cNvPr id="5" name="TextBox 4">
-            <a:extLst>
-              <a:ext uri="{FF2B5EF4-FFF2-40B4-BE49-F238E27FC236}">
-                <a16:creationId xmlns:a16="http://schemas.microsoft.com/office/drawing/2014/main" id="{D235AA29-F185-574C-8859-4AEA9F229940}"/>
-              </a:ext>
-            </a:extLst>
-          </p:cNvPr>
-          <p:cNvSpPr txBox="1"/>
-          <p:nvPr/>
-        </p:nvSpPr>
-        <p:spPr>
-          <a:xfrm>
-            <a:off x="128450" y="200932"/>
-            <a:ext cx="11726091" cy="369332"/>
-          </a:xfrm>
-          <a:prstGeom prst="rect">
-            <a:avLst/>
-          </a:prstGeom>
-          <a:noFill/>
-        </p:spPr>
-        <p:txBody>
-          <a:bodyPr wrap="square" rtlCol="0">
-            <a:spAutoFit/>
-          </a:bodyPr>
-          <a:lstStyle/>
-          <a:p>
-            <a:endParaRPr lang="en-US" dirty="0"/>
-          </a:p>
-        </p:txBody>
-      </p:sp>
-      <p:sp>
-        <p:nvSpPr>
-          <p:cNvPr id="6" name="TextBox 5"/>
-          <p:cNvSpPr txBox="1"/>
-          <p:nvPr/>
-        </p:nvSpPr>
-        <p:spPr>
-          <a:xfrm>
-            <a:off x="429208" y="200932"/>
-            <a:ext cx="11206065" cy="369332"/>
-          </a:xfrm>
-          <a:prstGeom prst="rect">
-            <a:avLst/>
-          </a:prstGeom>
-          <a:noFill/>
-        </p:spPr>
-        <p:txBody>
-          <a:bodyPr wrap="square" rtlCol="0">
-            <a:spAutoFit/>
-          </a:bodyPr>
-          <a:lstStyle/>
-          <a:p>
-            <a:r>
-              <a:rPr lang="en-US" dirty="0"/>
-              <a:t>Expected Yields vs </a:t>
-            </a:r>
-            <a:r>
-              <a:rPr lang="en-US" dirty="0" err="1"/>
-              <a:t>JetMassSoftDrop</a:t>
-            </a:r>
-            <a:r>
-              <a:rPr lang="en-US" dirty="0"/>
-              <a:t> (double fill)</a:t>
-            </a:r>
-            <a:endParaRPr lang="en-GB" dirty="0"/>
-          </a:p>
-        </p:txBody>
-      </p:sp>
-      <p:pic>
-        <p:nvPicPr>
-          <p:cNvPr id="7" name="Picture 6"/>
-          <p:cNvPicPr>
-            <a:picLocks noChangeAspect="1"/>
-          </p:cNvPicPr>
-          <p:nvPr/>
-        </p:nvPicPr>
-        <p:blipFill>
-          <a:blip r:embed="rId2">
-            <a:extLst>
-              <a:ext uri="{28A0092B-C50C-407E-A947-70E740481C1C}">
-                <a14:useLocalDpi xmlns:a14="http://schemas.microsoft.com/office/drawing/2010/main" val="0"/>
-              </a:ext>
-            </a:extLst>
-          </a:blip>
-          <a:stretch>
-            <a:fillRect/>
-          </a:stretch>
-        </p:blipFill>
-        <p:spPr>
-          <a:xfrm>
-            <a:off x="1819275" y="700087"/>
-            <a:ext cx="8553450" cy="5457825"/>
-          </a:xfrm>
-          <a:prstGeom prst="rect">
-            <a:avLst/>
-          </a:prstGeom>
-        </p:spPr>
-      </p:pic>
-    </p:spTree>
-    <p:extLst>
-      <p:ext uri="{BB962C8B-B14F-4D97-AF65-F5344CB8AC3E}">
-        <p14:creationId xmlns:p14="http://schemas.microsoft.com/office/powerpoint/2010/main" val="1586662615"/>
-      </p:ext>
-    </p:extLst>
-  </p:cSld>
-  <p:clrMapOvr>
-    <a:masterClrMapping/>
-  </p:clrMapOvr>
-</p:sld>
-</file>
-
-<file path=ppt/slides/slide52.xml><?xml version="1.0" encoding="utf-8"?>
-<p:sld xmlns:a="http://schemas.openxmlformats.org/drawingml/2006/main" xmlns:r="http://schemas.openxmlformats.org/officeDocument/2006/relationships" xmlns:p="http://schemas.openxmlformats.org/presentationml/2006/main">
-  <p:cSld>
-    <p:spTree>
-      <p:nvGrpSpPr>
-        <p:cNvPr id="1" name=""/>
-        <p:cNvGrpSpPr/>
-        <p:nvPr/>
-      </p:nvGrpSpPr>
-      <p:grpSpPr>
-        <a:xfrm>
-          <a:off x="0" y="0"/>
-          <a:ext cx="0" cy="0"/>
-          <a:chOff x="0" y="0"/>
-          <a:chExt cx="0" cy="0"/>
-        </a:xfrm>
-      </p:grpSpPr>
-      <p:sp>
-        <p:nvSpPr>
-          <p:cNvPr id="2" name="Date Placeholder 1">
-            <a:extLst>
-              <a:ext uri="{FF2B5EF4-FFF2-40B4-BE49-F238E27FC236}">
-                <a16:creationId xmlns:a16="http://schemas.microsoft.com/office/drawing/2014/main" id="{35B3737C-223A-4C4E-A537-DF6F6BC930A8}"/>
-              </a:ext>
-            </a:extLst>
-          </p:cNvPr>
-          <p:cNvSpPr>
-            <a:spLocks noGrp="1"/>
-          </p:cNvSpPr>
-          <p:nvPr>
-            <p:ph type="dt" sz="half" idx="10"/>
-          </p:nvPr>
-        </p:nvSpPr>
-        <p:spPr/>
-        <p:txBody>
-          <a:bodyPr/>
-          <a:lstStyle/>
-          <a:p>
-            <a:r>
-              <a:rPr lang="en-US"/>
-              <a:t>9/5/2019</a:t>
-            </a:r>
-          </a:p>
-        </p:txBody>
-      </p:sp>
-      <p:sp>
-        <p:nvSpPr>
-          <p:cNvPr id="3" name="Footer Placeholder 2">
-            <a:extLst>
-              <a:ext uri="{FF2B5EF4-FFF2-40B4-BE49-F238E27FC236}">
-                <a16:creationId xmlns:a16="http://schemas.microsoft.com/office/drawing/2014/main" id="{48B42933-F65E-4A47-966B-D57C2D1C6047}"/>
-              </a:ext>
-            </a:extLst>
-          </p:cNvPr>
-          <p:cNvSpPr>
-            <a:spLocks noGrp="1"/>
-          </p:cNvSpPr>
-          <p:nvPr>
-            <p:ph type="ftr" sz="quarter" idx="11"/>
-          </p:nvPr>
-        </p:nvSpPr>
-        <p:spPr/>
-        <p:txBody>
-          <a:bodyPr/>
-          <a:lstStyle/>
-          <a:p>
-            <a:r>
-              <a:rPr lang="fi-FI"/>
-              <a:t>NTUA I. Papakrivopoulos, G. Bakas</a:t>
-            </a:r>
-            <a:endParaRPr lang="en-US"/>
-          </a:p>
-        </p:txBody>
-      </p:sp>
-      <p:sp>
-        <p:nvSpPr>
-          <p:cNvPr id="4" name="Slide Number Placeholder 3">
-            <a:extLst>
-              <a:ext uri="{FF2B5EF4-FFF2-40B4-BE49-F238E27FC236}">
-                <a16:creationId xmlns:a16="http://schemas.microsoft.com/office/drawing/2014/main" id="{AA985858-F8FD-2D4D-930D-1C2187810613}"/>
-              </a:ext>
-            </a:extLst>
-          </p:cNvPr>
-          <p:cNvSpPr>
-            <a:spLocks noGrp="1"/>
-          </p:cNvSpPr>
-          <p:nvPr>
-            <p:ph type="sldNum" sz="quarter" idx="12"/>
-          </p:nvPr>
-        </p:nvSpPr>
-        <p:spPr/>
-        <p:txBody>
-          <a:bodyPr/>
-          <a:lstStyle/>
-          <a:p>
-            <a:fld id="{AEEFAC8D-0A19-DC49-9F7A-4BFCAD95B105}" type="slidenum">
-              <a:rPr lang="en-US" smtClean="0"/>
-              <a:t>52</a:t>
             </a:fld>
             <a:endParaRPr lang="en-US"/>
           </a:p>
@@ -18382,8 +18085,8 @@
         </p:blipFill>
         <p:spPr>
           <a:xfrm>
-            <a:off x="3906762" y="0"/>
-            <a:ext cx="4378476" cy="6858000"/>
+            <a:off x="83663" y="1166388"/>
+            <a:ext cx="6116115" cy="4614389"/>
           </a:xfrm>
           <a:prstGeom prst="rect">
             <a:avLst/>
@@ -18392,7 +18095,7 @@
       </p:pic>
       <p:pic>
         <p:nvPicPr>
-          <p:cNvPr id="12" name="Picture 11">
+          <p:cNvPr id="13" name="Picture 12">
             <a:extLst>
               <a:ext uri="{FF2B5EF4-FFF2-40B4-BE49-F238E27FC236}">
                 <a16:creationId xmlns:a16="http://schemas.microsoft.com/office/drawing/2014/main" id="{C4F5DA0A-1D3B-F349-818D-AF0EA2E59168}"/>
@@ -18412,8 +18115,8 @@
         </p:blipFill>
         <p:spPr>
           <a:xfrm>
-            <a:off x="3395212" y="-302849"/>
-            <a:ext cx="4378476" cy="6858000"/>
+            <a:off x="5930652" y="1140004"/>
+            <a:ext cx="6116115" cy="4640773"/>
           </a:xfrm>
           <a:prstGeom prst="rect">
             <a:avLst/>
@@ -18686,8 +18389,8 @@
         </p:blipFill>
         <p:spPr>
           <a:xfrm>
-            <a:off x="3906762" y="0"/>
-            <a:ext cx="4378476" cy="6858000"/>
+            <a:off x="83663" y="1103068"/>
+            <a:ext cx="6116115" cy="4553339"/>
           </a:xfrm>
           <a:prstGeom prst="rect">
             <a:avLst/>
@@ -18696,7 +18399,7 @@
       </p:pic>
       <p:pic>
         <p:nvPicPr>
-          <p:cNvPr id="12" name="Picture 11">
+          <p:cNvPr id="13" name="Picture 12">
             <a:extLst>
               <a:ext uri="{FF2B5EF4-FFF2-40B4-BE49-F238E27FC236}">
                 <a16:creationId xmlns:a16="http://schemas.microsoft.com/office/drawing/2014/main" id="{A3957916-89D7-B140-9411-9DC9A8018559}"/>
@@ -18716,8 +18419,8 @@
         </p:blipFill>
         <p:spPr>
           <a:xfrm>
-            <a:off x="868763" y="0"/>
-            <a:ext cx="4378476" cy="6858000"/>
+            <a:off x="5930652" y="1103069"/>
+            <a:ext cx="6116115" cy="4553338"/>
           </a:xfrm>
           <a:prstGeom prst="rect">
             <a:avLst/>
@@ -18990,8 +18693,8 @@
         </p:blipFill>
         <p:spPr>
           <a:xfrm>
-            <a:off x="3906762" y="0"/>
-            <a:ext cx="4378476" cy="6858000"/>
+            <a:off x="191043" y="1207314"/>
+            <a:ext cx="6116115" cy="4632873"/>
           </a:xfrm>
           <a:prstGeom prst="rect">
             <a:avLst/>
@@ -19000,7 +18703,7 @@
       </p:pic>
       <p:pic>
         <p:nvPicPr>
-          <p:cNvPr id="12" name="Picture 11">
+          <p:cNvPr id="13" name="Picture 12">
             <a:extLst>
               <a:ext uri="{FF2B5EF4-FFF2-40B4-BE49-F238E27FC236}">
                 <a16:creationId xmlns:a16="http://schemas.microsoft.com/office/drawing/2014/main" id="{90587709-0018-D545-B30F-F2D80DA72076}"/>
@@ -19020,8 +18723,8 @@
         </p:blipFill>
         <p:spPr>
           <a:xfrm>
-            <a:off x="1911329" y="-302849"/>
-            <a:ext cx="4378476" cy="6858000"/>
+            <a:off x="5930652" y="1145574"/>
+            <a:ext cx="6116115" cy="4722606"/>
           </a:xfrm>
           <a:prstGeom prst="rect">
             <a:avLst/>
@@ -19335,7 +19038,7 @@
     </p:spTree>
     <p:extLst>
       <p:ext uri="{BB962C8B-B14F-4D97-AF65-F5344CB8AC3E}">
-        <p14:creationId xmlns:p14="http://schemas.microsoft.com/office/powerpoint/2010/main" val="2755024324"/>
+        <p14:creationId xmlns:p14="http://schemas.microsoft.com/office/powerpoint/2010/main" val="2806121722"/>
       </p:ext>
     </p:extLst>
   </p:cSld>
